--- a/Documents/Presentation for Project 2.pptx
+++ b/Documents/Presentation for Project 2.pptx
@@ -5,7 +5,7 @@
     <p:sldMasterId id="2147483648" r:id="rId1"/>
   </p:sldMasterIdLst>
   <p:notesMasterIdLst>
-    <p:notesMasterId r:id="rId25"/>
+    <p:notesMasterId r:id="rId49"/>
   </p:notesMasterIdLst>
   <p:sldIdLst>
     <p:sldId id="256" r:id="rId6"/>
@@ -25,29 +25,53 @@
     <p:sldId id="270" r:id="rId20"/>
     <p:sldId id="271" r:id="rId21"/>
     <p:sldId id="272" r:id="rId22"/>
+    <p:sldId id="273" r:id="rId23"/>
+    <p:sldId id="274" r:id="rId24"/>
+    <p:sldId id="275" r:id="rId25"/>
+    <p:sldId id="276" r:id="rId26"/>
+    <p:sldId id="277" r:id="rId27"/>
+    <p:sldId id="278" r:id="rId28"/>
+    <p:sldId id="279" r:id="rId29"/>
+    <p:sldId id="280" r:id="rId30"/>
+    <p:sldId id="281" r:id="rId31"/>
+    <p:sldId id="282" r:id="rId32"/>
+    <p:sldId id="283" r:id="rId33"/>
+    <p:sldId id="284" r:id="rId34"/>
+    <p:sldId id="285" r:id="rId35"/>
+    <p:sldId id="286" r:id="rId36"/>
+    <p:sldId id="287" r:id="rId37"/>
+    <p:sldId id="288" r:id="rId38"/>
+    <p:sldId id="289" r:id="rId39"/>
+    <p:sldId id="290" r:id="rId40"/>
+    <p:sldId id="291" r:id="rId41"/>
+    <p:sldId id="292" r:id="rId42"/>
+    <p:sldId id="293" r:id="rId43"/>
+    <p:sldId id="294" r:id="rId44"/>
+    <p:sldId id="295" r:id="rId45"/>
+    <p:sldId id="296" r:id="rId46"/>
   </p:sldIdLst>
   <p:sldSz cx="18288000" cy="10287000"/>
   <p:notesSz cx="6858000" cy="9144000"/>
   <p:embeddedFontLst>
     <p:embeddedFont>
       <p:font typeface="Garet" charset="1" panose="00000000000000000000"/>
-      <p:regular r:id="rId23"/>
+      <p:regular r:id="rId47"/>
     </p:embeddedFont>
     <p:embeddedFont>
       <p:font typeface="Montserrat Bold" charset="1" panose="00000800000000000000"/>
-      <p:regular r:id="rId24"/>
+      <p:regular r:id="rId48"/>
     </p:embeddedFont>
     <p:embeddedFont>
       <p:font typeface="Yeseva One" charset="1" panose="00000500000000000000"/>
-      <p:regular r:id="rId28"/>
+      <p:regular r:id="rId52"/>
     </p:embeddedFont>
     <p:embeddedFont>
       <p:font typeface="Canva Sans" charset="1" panose="020B0503030501040103"/>
-      <p:regular r:id="rId30"/>
+      <p:regular r:id="rId54"/>
     </p:embeddedFont>
     <p:embeddedFont>
       <p:font typeface="Garet Bold" charset="1" panose="00000000000000000000"/>
-      <p:regular r:id="rId31"/>
+      <p:regular r:id="rId55"/>
     </p:embeddedFont>
   </p:embeddedFontLst>
   <p:defaultTextStyle>
@@ -925,6 +949,858 @@
 </file>
 
 <file path=ppt/notesSlides/notesSlide3.xml><?xml version="1.0" encoding="utf-8"?>
+<p:notes xmlns:p="http://schemas.openxmlformats.org/presentationml/2006/main" xmlns:a="http://schemas.openxmlformats.org/drawingml/2006/main">
+  <p:cSld>
+    <p:spTree xmlns:r="http://schemas.openxmlformats.org/officeDocument/2006/relationships">
+      <p:nvGrpSpPr>
+        <p:cNvPr id="1" name=""/>
+        <p:cNvGrpSpPr/>
+        <p:nvPr/>
+      </p:nvGrpSpPr>
+      <p:grpSpPr>
+        <a:xfrm>
+          <a:off x="0" y="0"/>
+          <a:ext cx="0" cy="0"/>
+          <a:chOff x="0" y="0"/>
+          <a:chExt cx="0" cy="0"/>
+        </a:xfrm>
+      </p:grpSpPr>
+      <p:sp>
+        <p:nvSpPr>
+          <p:cNvPr id="2" name="Header Placeholder 1"/>
+          <p:cNvSpPr>
+            <a:spLocks noGrp="1"/>
+          </p:cNvSpPr>
+          <p:nvPr>
+            <p:ph type="hdr" sz="quarter"/>
+          </p:nvPr>
+        </p:nvSpPr>
+        <p:spPr>
+          <a:xfrm>
+            <a:off x="0" y="0"/>
+            <a:ext cx="3962400" cy="342900"/>
+          </a:xfrm>
+          <a:prstGeom prst="rect">
+            <a:avLst/>
+          </a:prstGeom>
+        </p:spPr>
+        <p:txBody>
+          <a:bodyPr vert="horz" lIns="91440" tIns="45720" rIns="91440" bIns="45720" rtlCol="0"/>
+          <a:lstStyle>
+            <a:lvl1pPr algn="l">
+              <a:defRPr sz="1200"/>
+            </a:lvl1pPr>
+          </a:lstStyle>
+          <a:p/>
+        </p:txBody>
+      </p:sp>
+      <p:sp>
+        <p:nvSpPr>
+          <p:cNvPr id="3" name="Date Placeholder 2"/>
+          <p:cNvSpPr>
+            <a:spLocks noGrp="1"/>
+          </p:cNvSpPr>
+          <p:nvPr>
+            <p:ph type="dt" idx="1"/>
+          </p:nvPr>
+        </p:nvSpPr>
+        <p:spPr>
+          <a:xfrm>
+            <a:off x="5180013" y="0"/>
+            <a:ext cx="3962400" cy="342900"/>
+          </a:xfrm>
+          <a:prstGeom prst="rect">
+            <a:avLst/>
+          </a:prstGeom>
+        </p:spPr>
+        <p:txBody>
+          <a:bodyPr vert="horz" lIns="91440" tIns="45720" rIns="91440" bIns="45720" rtlCol="0"/>
+          <a:lstStyle>
+            <a:lvl1pPr algn="r">
+              <a:defRPr sz="1200"/>
+            </a:lvl1pPr>
+          </a:lstStyle>
+          <a:p>
+            <a:r id="{B7268E1E-0E44-426D-905E-8AD9B19D2182}" type="datetimeFigureOut">
+              <a:rPr lang="cs-CZ" smtClean="0"/>
+              <a:t>1.7.2013</a:t>
+            </a:r>
+          </a:p>
+        </p:txBody>
+      </p:sp>
+      <p:sp>
+        <p:nvSpPr>
+          <p:cNvPr id="4" name="Slide Image Placeholder 3"/>
+          <p:cNvSpPr>
+            <a:spLocks noGrp="1" noRot="1" noChangeAspect="1"/>
+          </p:cNvSpPr>
+          <p:nvPr>
+            <p:ph type="sldImg" idx="2"/>
+          </p:nvPr>
+        </p:nvSpPr>
+        <p:spPr>
+          <a:xfrm>
+            <a:off x="2857500" y="512763"/>
+            <a:ext cx="3429000" cy="2566987"/>
+          </a:xfrm>
+          <a:prstGeom prst="rect">
+            <a:avLst/>
+          </a:prstGeom>
+          <a:noFill/>
+          <a:ln w="12700">
+            <a:solidFill>
+              <a:prstClr val="black"/>
+            </a:solidFill>
+          </a:ln>
+        </p:spPr>
+        <p:txBody>
+          <a:bodyPr vert="horz" lIns="91440" tIns="45720" rIns="91440" bIns="45720" rtlCol="0" anchor="ctr"/>
+          <a:lstStyle/>
+          <a:p/>
+        </p:txBody>
+      </p:sp>
+      <p:sp>
+        <p:nvSpPr>
+          <p:cNvPr id="5" name="Notes Placeholder 4"/>
+          <p:cNvSpPr>
+            <a:spLocks noGrp="1"/>
+          </p:cNvSpPr>
+          <p:nvPr>
+            <p:ph type="body" sz="quarter" idx="3"/>
+          </p:nvPr>
+        </p:nvSpPr>
+        <p:spPr>
+          <a:xfrm>
+            <a:off x="914400" y="3251200"/>
+            <a:ext cx="7315200" cy="3081338"/>
+          </a:xfrm>
+          <a:prstGeom prst="rect">
+            <a:avLst/>
+          </a:prstGeom>
+        </p:spPr>
+        <p:txBody>
+          <a:bodyPr vert="horz" lIns="91440" tIns="45720" rIns="91440" bIns="45720" rtlCol="0"/>
+          <a:lstStyle/>
+          <a:p>
+            <a:r>
+              <a:rPr lang="en-US"/>
+              <a:t/>
+            </a:r>
+            <a:endParaRPr lang="en-US" smtClean="0"/>
+          </a:p>
+        </p:txBody>
+      </p:sp>
+      <p:sp>
+        <p:nvSpPr>
+          <p:cNvPr id="6" name="Footer Placeholder 5"/>
+          <p:cNvSpPr>
+            <a:spLocks noGrp="1"/>
+          </p:cNvSpPr>
+          <p:nvPr>
+            <p:ph type="ftr" sz="quarter" idx="4"/>
+          </p:nvPr>
+        </p:nvSpPr>
+        <p:spPr>
+          <a:xfrm>
+            <a:off x="0" y="6502400"/>
+            <a:ext cx="3962400" cy="341313"/>
+          </a:xfrm>
+          <a:prstGeom prst="rect">
+            <a:avLst/>
+          </a:prstGeom>
+        </p:spPr>
+        <p:txBody>
+          <a:bodyPr vert="horz" lIns="91440" tIns="45720" rIns="91440" bIns="45720" rtlCol="0" anchor="b"/>
+          <a:lstStyle>
+            <a:lvl1pPr algn="l">
+              <a:defRPr sz="1200"/>
+            </a:lvl1pPr>
+          </a:lstStyle>
+          <a:p/>
+        </p:txBody>
+      </p:sp>
+      <p:sp>
+        <p:nvSpPr>
+          <p:cNvPr id="7" name="Slide Number Placeholder 6"/>
+          <p:cNvSpPr>
+            <a:spLocks noGrp="1"/>
+          </p:cNvSpPr>
+          <p:nvPr>
+            <p:ph type="sldNum" sz="quarter" idx="5"/>
+          </p:nvPr>
+        </p:nvSpPr>
+        <p:spPr>
+          <a:xfrm>
+            <a:off x="5180013" y="6502400"/>
+            <a:ext cx="3962400" cy="341313"/>
+          </a:xfrm>
+          <a:prstGeom prst="rect">
+            <a:avLst/>
+          </a:prstGeom>
+        </p:spPr>
+        <p:txBody>
+          <a:bodyPr vert="horz" lIns="91440" tIns="45720" rIns="91440" bIns="45720" rtlCol="0" anchor="b"/>
+          <a:lstStyle>
+            <a:lvl1pPr algn="r">
+              <a:defRPr sz="1200"/>
+            </a:lvl1pPr>
+          </a:lstStyle>
+          <a:p>
+            <a:r id="{871B2431-D351-4C6E-A3CF-9DFAC0E3E050}" type="slidenum">
+              <a:rPr lang="cs-CZ" smtClean="0"/>
+              <a:t>‹#›</a:t>
+            </a:r>
+          </a:p>
+        </p:txBody>
+      </p:sp>
+    </p:spTree>
+  </p:cSld>
+  <p:clrMapOvr>
+    <a:masterClrMapping/>
+  </p:clrMapOvr>
+</p:notes>
+</file>
+
+<file path=ppt/notesSlides/notesSlide4.xml><?xml version="1.0" encoding="utf-8"?>
+<p:notes xmlns:p="http://schemas.openxmlformats.org/presentationml/2006/main" xmlns:a="http://schemas.openxmlformats.org/drawingml/2006/main">
+  <p:cSld>
+    <p:spTree xmlns:r="http://schemas.openxmlformats.org/officeDocument/2006/relationships">
+      <p:nvGrpSpPr>
+        <p:cNvPr id="1" name=""/>
+        <p:cNvGrpSpPr/>
+        <p:nvPr/>
+      </p:nvGrpSpPr>
+      <p:grpSpPr>
+        <a:xfrm>
+          <a:off x="0" y="0"/>
+          <a:ext cx="0" cy="0"/>
+          <a:chOff x="0" y="0"/>
+          <a:chExt cx="0" cy="0"/>
+        </a:xfrm>
+      </p:grpSpPr>
+      <p:sp>
+        <p:nvSpPr>
+          <p:cNvPr id="2" name="Header Placeholder 1"/>
+          <p:cNvSpPr>
+            <a:spLocks noGrp="1"/>
+          </p:cNvSpPr>
+          <p:nvPr>
+            <p:ph type="hdr" sz="quarter"/>
+          </p:nvPr>
+        </p:nvSpPr>
+        <p:spPr>
+          <a:xfrm>
+            <a:off x="0" y="0"/>
+            <a:ext cx="3962400" cy="342900"/>
+          </a:xfrm>
+          <a:prstGeom prst="rect">
+            <a:avLst/>
+          </a:prstGeom>
+        </p:spPr>
+        <p:txBody>
+          <a:bodyPr vert="horz" lIns="91440" tIns="45720" rIns="91440" bIns="45720" rtlCol="0"/>
+          <a:lstStyle>
+            <a:lvl1pPr algn="l">
+              <a:defRPr sz="1200"/>
+            </a:lvl1pPr>
+          </a:lstStyle>
+          <a:p/>
+        </p:txBody>
+      </p:sp>
+      <p:sp>
+        <p:nvSpPr>
+          <p:cNvPr id="3" name="Date Placeholder 2"/>
+          <p:cNvSpPr>
+            <a:spLocks noGrp="1"/>
+          </p:cNvSpPr>
+          <p:nvPr>
+            <p:ph type="dt" idx="1"/>
+          </p:nvPr>
+        </p:nvSpPr>
+        <p:spPr>
+          <a:xfrm>
+            <a:off x="5180013" y="0"/>
+            <a:ext cx="3962400" cy="342900"/>
+          </a:xfrm>
+          <a:prstGeom prst="rect">
+            <a:avLst/>
+          </a:prstGeom>
+        </p:spPr>
+        <p:txBody>
+          <a:bodyPr vert="horz" lIns="91440" tIns="45720" rIns="91440" bIns="45720" rtlCol="0"/>
+          <a:lstStyle>
+            <a:lvl1pPr algn="r">
+              <a:defRPr sz="1200"/>
+            </a:lvl1pPr>
+          </a:lstStyle>
+          <a:p>
+            <a:r id="{B7268E1E-0E44-426D-905E-8AD9B19D2182}" type="datetimeFigureOut">
+              <a:rPr lang="cs-CZ" smtClean="0"/>
+              <a:t>1.7.2013</a:t>
+            </a:r>
+          </a:p>
+        </p:txBody>
+      </p:sp>
+      <p:sp>
+        <p:nvSpPr>
+          <p:cNvPr id="4" name="Slide Image Placeholder 3"/>
+          <p:cNvSpPr>
+            <a:spLocks noGrp="1" noRot="1" noChangeAspect="1"/>
+          </p:cNvSpPr>
+          <p:nvPr>
+            <p:ph type="sldImg" idx="2"/>
+          </p:nvPr>
+        </p:nvSpPr>
+        <p:spPr>
+          <a:xfrm>
+            <a:off x="2857500" y="512763"/>
+            <a:ext cx="3429000" cy="2566987"/>
+          </a:xfrm>
+          <a:prstGeom prst="rect">
+            <a:avLst/>
+          </a:prstGeom>
+          <a:noFill/>
+          <a:ln w="12700">
+            <a:solidFill>
+              <a:prstClr val="black"/>
+            </a:solidFill>
+          </a:ln>
+        </p:spPr>
+        <p:txBody>
+          <a:bodyPr vert="horz" lIns="91440" tIns="45720" rIns="91440" bIns="45720" rtlCol="0" anchor="ctr"/>
+          <a:lstStyle/>
+          <a:p/>
+        </p:txBody>
+      </p:sp>
+      <p:sp>
+        <p:nvSpPr>
+          <p:cNvPr id="5" name="Notes Placeholder 4"/>
+          <p:cNvSpPr>
+            <a:spLocks noGrp="1"/>
+          </p:cNvSpPr>
+          <p:nvPr>
+            <p:ph type="body" sz="quarter" idx="3"/>
+          </p:nvPr>
+        </p:nvSpPr>
+        <p:spPr>
+          <a:xfrm>
+            <a:off x="914400" y="3251200"/>
+            <a:ext cx="7315200" cy="3081338"/>
+          </a:xfrm>
+          <a:prstGeom prst="rect">
+            <a:avLst/>
+          </a:prstGeom>
+        </p:spPr>
+        <p:txBody>
+          <a:bodyPr vert="horz" lIns="91440" tIns="45720" rIns="91440" bIns="45720" rtlCol="0"/>
+          <a:lstStyle/>
+          <a:p>
+            <a:r>
+              <a:rPr lang="en-US"/>
+              <a:t/>
+            </a:r>
+            <a:endParaRPr lang="en-US" smtClean="0"/>
+          </a:p>
+        </p:txBody>
+      </p:sp>
+      <p:sp>
+        <p:nvSpPr>
+          <p:cNvPr id="6" name="Footer Placeholder 5"/>
+          <p:cNvSpPr>
+            <a:spLocks noGrp="1"/>
+          </p:cNvSpPr>
+          <p:nvPr>
+            <p:ph type="ftr" sz="quarter" idx="4"/>
+          </p:nvPr>
+        </p:nvSpPr>
+        <p:spPr>
+          <a:xfrm>
+            <a:off x="0" y="6502400"/>
+            <a:ext cx="3962400" cy="341313"/>
+          </a:xfrm>
+          <a:prstGeom prst="rect">
+            <a:avLst/>
+          </a:prstGeom>
+        </p:spPr>
+        <p:txBody>
+          <a:bodyPr vert="horz" lIns="91440" tIns="45720" rIns="91440" bIns="45720" rtlCol="0" anchor="b"/>
+          <a:lstStyle>
+            <a:lvl1pPr algn="l">
+              <a:defRPr sz="1200"/>
+            </a:lvl1pPr>
+          </a:lstStyle>
+          <a:p/>
+        </p:txBody>
+      </p:sp>
+      <p:sp>
+        <p:nvSpPr>
+          <p:cNvPr id="7" name="Slide Number Placeholder 6"/>
+          <p:cNvSpPr>
+            <a:spLocks noGrp="1"/>
+          </p:cNvSpPr>
+          <p:nvPr>
+            <p:ph type="sldNum" sz="quarter" idx="5"/>
+          </p:nvPr>
+        </p:nvSpPr>
+        <p:spPr>
+          <a:xfrm>
+            <a:off x="5180013" y="6502400"/>
+            <a:ext cx="3962400" cy="341313"/>
+          </a:xfrm>
+          <a:prstGeom prst="rect">
+            <a:avLst/>
+          </a:prstGeom>
+        </p:spPr>
+        <p:txBody>
+          <a:bodyPr vert="horz" lIns="91440" tIns="45720" rIns="91440" bIns="45720" rtlCol="0" anchor="b"/>
+          <a:lstStyle>
+            <a:lvl1pPr algn="r">
+              <a:defRPr sz="1200"/>
+            </a:lvl1pPr>
+          </a:lstStyle>
+          <a:p>
+            <a:r id="{871B2431-D351-4C6E-A3CF-9DFAC0E3E050}" type="slidenum">
+              <a:rPr lang="cs-CZ" smtClean="0"/>
+              <a:t>‹#›</a:t>
+            </a:r>
+          </a:p>
+        </p:txBody>
+      </p:sp>
+    </p:spTree>
+  </p:cSld>
+  <p:clrMapOvr>
+    <a:masterClrMapping/>
+  </p:clrMapOvr>
+</p:notes>
+</file>
+
+<file path=ppt/notesSlides/notesSlide5.xml><?xml version="1.0" encoding="utf-8"?>
+<p:notes xmlns:p="http://schemas.openxmlformats.org/presentationml/2006/main" xmlns:a="http://schemas.openxmlformats.org/drawingml/2006/main">
+  <p:cSld>
+    <p:spTree xmlns:r="http://schemas.openxmlformats.org/officeDocument/2006/relationships">
+      <p:nvGrpSpPr>
+        <p:cNvPr id="1" name=""/>
+        <p:cNvGrpSpPr/>
+        <p:nvPr/>
+      </p:nvGrpSpPr>
+      <p:grpSpPr>
+        <a:xfrm>
+          <a:off x="0" y="0"/>
+          <a:ext cx="0" cy="0"/>
+          <a:chOff x="0" y="0"/>
+          <a:chExt cx="0" cy="0"/>
+        </a:xfrm>
+      </p:grpSpPr>
+      <p:sp>
+        <p:nvSpPr>
+          <p:cNvPr id="2" name="Header Placeholder 1"/>
+          <p:cNvSpPr>
+            <a:spLocks noGrp="1"/>
+          </p:cNvSpPr>
+          <p:nvPr>
+            <p:ph type="hdr" sz="quarter"/>
+          </p:nvPr>
+        </p:nvSpPr>
+        <p:spPr>
+          <a:xfrm>
+            <a:off x="0" y="0"/>
+            <a:ext cx="3962400" cy="342900"/>
+          </a:xfrm>
+          <a:prstGeom prst="rect">
+            <a:avLst/>
+          </a:prstGeom>
+        </p:spPr>
+        <p:txBody>
+          <a:bodyPr vert="horz" lIns="91440" tIns="45720" rIns="91440" bIns="45720" rtlCol="0"/>
+          <a:lstStyle>
+            <a:lvl1pPr algn="l">
+              <a:defRPr sz="1200"/>
+            </a:lvl1pPr>
+          </a:lstStyle>
+          <a:p/>
+        </p:txBody>
+      </p:sp>
+      <p:sp>
+        <p:nvSpPr>
+          <p:cNvPr id="3" name="Date Placeholder 2"/>
+          <p:cNvSpPr>
+            <a:spLocks noGrp="1"/>
+          </p:cNvSpPr>
+          <p:nvPr>
+            <p:ph type="dt" idx="1"/>
+          </p:nvPr>
+        </p:nvSpPr>
+        <p:spPr>
+          <a:xfrm>
+            <a:off x="5180013" y="0"/>
+            <a:ext cx="3962400" cy="342900"/>
+          </a:xfrm>
+          <a:prstGeom prst="rect">
+            <a:avLst/>
+          </a:prstGeom>
+        </p:spPr>
+        <p:txBody>
+          <a:bodyPr vert="horz" lIns="91440" tIns="45720" rIns="91440" bIns="45720" rtlCol="0"/>
+          <a:lstStyle>
+            <a:lvl1pPr algn="r">
+              <a:defRPr sz="1200"/>
+            </a:lvl1pPr>
+          </a:lstStyle>
+          <a:p>
+            <a:r id="{B7268E1E-0E44-426D-905E-8AD9B19D2182}" type="datetimeFigureOut">
+              <a:rPr lang="cs-CZ" smtClean="0"/>
+              <a:t>1.7.2013</a:t>
+            </a:r>
+          </a:p>
+        </p:txBody>
+      </p:sp>
+      <p:sp>
+        <p:nvSpPr>
+          <p:cNvPr id="4" name="Slide Image Placeholder 3"/>
+          <p:cNvSpPr>
+            <a:spLocks noGrp="1" noRot="1" noChangeAspect="1"/>
+          </p:cNvSpPr>
+          <p:nvPr>
+            <p:ph type="sldImg" idx="2"/>
+          </p:nvPr>
+        </p:nvSpPr>
+        <p:spPr>
+          <a:xfrm>
+            <a:off x="2857500" y="512763"/>
+            <a:ext cx="3429000" cy="2566987"/>
+          </a:xfrm>
+          <a:prstGeom prst="rect">
+            <a:avLst/>
+          </a:prstGeom>
+          <a:noFill/>
+          <a:ln w="12700">
+            <a:solidFill>
+              <a:prstClr val="black"/>
+            </a:solidFill>
+          </a:ln>
+        </p:spPr>
+        <p:txBody>
+          <a:bodyPr vert="horz" lIns="91440" tIns="45720" rIns="91440" bIns="45720" rtlCol="0" anchor="ctr"/>
+          <a:lstStyle/>
+          <a:p/>
+        </p:txBody>
+      </p:sp>
+      <p:sp>
+        <p:nvSpPr>
+          <p:cNvPr id="5" name="Notes Placeholder 4"/>
+          <p:cNvSpPr>
+            <a:spLocks noGrp="1"/>
+          </p:cNvSpPr>
+          <p:nvPr>
+            <p:ph type="body" sz="quarter" idx="3"/>
+          </p:nvPr>
+        </p:nvSpPr>
+        <p:spPr>
+          <a:xfrm>
+            <a:off x="914400" y="3251200"/>
+            <a:ext cx="7315200" cy="3081338"/>
+          </a:xfrm>
+          <a:prstGeom prst="rect">
+            <a:avLst/>
+          </a:prstGeom>
+        </p:spPr>
+        <p:txBody>
+          <a:bodyPr vert="horz" lIns="91440" tIns="45720" rIns="91440" bIns="45720" rtlCol="0"/>
+          <a:lstStyle/>
+          <a:p>
+            <a:r>
+              <a:rPr lang="en-US"/>
+              <a:t/>
+            </a:r>
+            <a:endParaRPr lang="en-US" smtClean="0"/>
+          </a:p>
+        </p:txBody>
+      </p:sp>
+      <p:sp>
+        <p:nvSpPr>
+          <p:cNvPr id="6" name="Footer Placeholder 5"/>
+          <p:cNvSpPr>
+            <a:spLocks noGrp="1"/>
+          </p:cNvSpPr>
+          <p:nvPr>
+            <p:ph type="ftr" sz="quarter" idx="4"/>
+          </p:nvPr>
+        </p:nvSpPr>
+        <p:spPr>
+          <a:xfrm>
+            <a:off x="0" y="6502400"/>
+            <a:ext cx="3962400" cy="341313"/>
+          </a:xfrm>
+          <a:prstGeom prst="rect">
+            <a:avLst/>
+          </a:prstGeom>
+        </p:spPr>
+        <p:txBody>
+          <a:bodyPr vert="horz" lIns="91440" tIns="45720" rIns="91440" bIns="45720" rtlCol="0" anchor="b"/>
+          <a:lstStyle>
+            <a:lvl1pPr algn="l">
+              <a:defRPr sz="1200"/>
+            </a:lvl1pPr>
+          </a:lstStyle>
+          <a:p/>
+        </p:txBody>
+      </p:sp>
+      <p:sp>
+        <p:nvSpPr>
+          <p:cNvPr id="7" name="Slide Number Placeholder 6"/>
+          <p:cNvSpPr>
+            <a:spLocks noGrp="1"/>
+          </p:cNvSpPr>
+          <p:nvPr>
+            <p:ph type="sldNum" sz="quarter" idx="5"/>
+          </p:nvPr>
+        </p:nvSpPr>
+        <p:spPr>
+          <a:xfrm>
+            <a:off x="5180013" y="6502400"/>
+            <a:ext cx="3962400" cy="341313"/>
+          </a:xfrm>
+          <a:prstGeom prst="rect">
+            <a:avLst/>
+          </a:prstGeom>
+        </p:spPr>
+        <p:txBody>
+          <a:bodyPr vert="horz" lIns="91440" tIns="45720" rIns="91440" bIns="45720" rtlCol="0" anchor="b"/>
+          <a:lstStyle>
+            <a:lvl1pPr algn="r">
+              <a:defRPr sz="1200"/>
+            </a:lvl1pPr>
+          </a:lstStyle>
+          <a:p>
+            <a:r id="{871B2431-D351-4C6E-A3CF-9DFAC0E3E050}" type="slidenum">
+              <a:rPr lang="cs-CZ" smtClean="0"/>
+              <a:t>‹#›</a:t>
+            </a:r>
+          </a:p>
+        </p:txBody>
+      </p:sp>
+    </p:spTree>
+  </p:cSld>
+  <p:clrMapOvr>
+    <a:masterClrMapping/>
+  </p:clrMapOvr>
+</p:notes>
+</file>
+
+<file path=ppt/notesSlides/notesSlide6.xml><?xml version="1.0" encoding="utf-8"?>
+<p:notes xmlns:p="http://schemas.openxmlformats.org/presentationml/2006/main" xmlns:a="http://schemas.openxmlformats.org/drawingml/2006/main">
+  <p:cSld>
+    <p:spTree xmlns:r="http://schemas.openxmlformats.org/officeDocument/2006/relationships">
+      <p:nvGrpSpPr>
+        <p:cNvPr id="1" name=""/>
+        <p:cNvGrpSpPr/>
+        <p:nvPr/>
+      </p:nvGrpSpPr>
+      <p:grpSpPr>
+        <a:xfrm>
+          <a:off x="0" y="0"/>
+          <a:ext cx="0" cy="0"/>
+          <a:chOff x="0" y="0"/>
+          <a:chExt cx="0" cy="0"/>
+        </a:xfrm>
+      </p:grpSpPr>
+      <p:sp>
+        <p:nvSpPr>
+          <p:cNvPr id="2" name="Header Placeholder 1"/>
+          <p:cNvSpPr>
+            <a:spLocks noGrp="1"/>
+          </p:cNvSpPr>
+          <p:nvPr>
+            <p:ph type="hdr" sz="quarter"/>
+          </p:nvPr>
+        </p:nvSpPr>
+        <p:spPr>
+          <a:xfrm>
+            <a:off x="0" y="0"/>
+            <a:ext cx="3962400" cy="342900"/>
+          </a:xfrm>
+          <a:prstGeom prst="rect">
+            <a:avLst/>
+          </a:prstGeom>
+        </p:spPr>
+        <p:txBody>
+          <a:bodyPr vert="horz" lIns="91440" tIns="45720" rIns="91440" bIns="45720" rtlCol="0"/>
+          <a:lstStyle>
+            <a:lvl1pPr algn="l">
+              <a:defRPr sz="1200"/>
+            </a:lvl1pPr>
+          </a:lstStyle>
+          <a:p/>
+        </p:txBody>
+      </p:sp>
+      <p:sp>
+        <p:nvSpPr>
+          <p:cNvPr id="3" name="Date Placeholder 2"/>
+          <p:cNvSpPr>
+            <a:spLocks noGrp="1"/>
+          </p:cNvSpPr>
+          <p:nvPr>
+            <p:ph type="dt" idx="1"/>
+          </p:nvPr>
+        </p:nvSpPr>
+        <p:spPr>
+          <a:xfrm>
+            <a:off x="5180013" y="0"/>
+            <a:ext cx="3962400" cy="342900"/>
+          </a:xfrm>
+          <a:prstGeom prst="rect">
+            <a:avLst/>
+          </a:prstGeom>
+        </p:spPr>
+        <p:txBody>
+          <a:bodyPr vert="horz" lIns="91440" tIns="45720" rIns="91440" bIns="45720" rtlCol="0"/>
+          <a:lstStyle>
+            <a:lvl1pPr algn="r">
+              <a:defRPr sz="1200"/>
+            </a:lvl1pPr>
+          </a:lstStyle>
+          <a:p>
+            <a:r id="{B7268E1E-0E44-426D-905E-8AD9B19D2182}" type="datetimeFigureOut">
+              <a:rPr lang="cs-CZ" smtClean="0"/>
+              <a:t>1.7.2013</a:t>
+            </a:r>
+          </a:p>
+        </p:txBody>
+      </p:sp>
+      <p:sp>
+        <p:nvSpPr>
+          <p:cNvPr id="4" name="Slide Image Placeholder 3"/>
+          <p:cNvSpPr>
+            <a:spLocks noGrp="1" noRot="1" noChangeAspect="1"/>
+          </p:cNvSpPr>
+          <p:nvPr>
+            <p:ph type="sldImg" idx="2"/>
+          </p:nvPr>
+        </p:nvSpPr>
+        <p:spPr>
+          <a:xfrm>
+            <a:off x="2857500" y="512763"/>
+            <a:ext cx="3429000" cy="2566987"/>
+          </a:xfrm>
+          <a:prstGeom prst="rect">
+            <a:avLst/>
+          </a:prstGeom>
+          <a:noFill/>
+          <a:ln w="12700">
+            <a:solidFill>
+              <a:prstClr val="black"/>
+            </a:solidFill>
+          </a:ln>
+        </p:spPr>
+        <p:txBody>
+          <a:bodyPr vert="horz" lIns="91440" tIns="45720" rIns="91440" bIns="45720" rtlCol="0" anchor="ctr"/>
+          <a:lstStyle/>
+          <a:p/>
+        </p:txBody>
+      </p:sp>
+      <p:sp>
+        <p:nvSpPr>
+          <p:cNvPr id="5" name="Notes Placeholder 4"/>
+          <p:cNvSpPr>
+            <a:spLocks noGrp="1"/>
+          </p:cNvSpPr>
+          <p:nvPr>
+            <p:ph type="body" sz="quarter" idx="3"/>
+          </p:nvPr>
+        </p:nvSpPr>
+        <p:spPr>
+          <a:xfrm>
+            <a:off x="914400" y="3251200"/>
+            <a:ext cx="7315200" cy="3081338"/>
+          </a:xfrm>
+          <a:prstGeom prst="rect">
+            <a:avLst/>
+          </a:prstGeom>
+        </p:spPr>
+        <p:txBody>
+          <a:bodyPr vert="horz" lIns="91440" tIns="45720" rIns="91440" bIns="45720" rtlCol="0"/>
+          <a:lstStyle/>
+          <a:p>
+            <a:r>
+              <a:rPr lang="en-US"/>
+              <a:t/>
+            </a:r>
+            <a:endParaRPr lang="en-US" smtClean="0"/>
+          </a:p>
+        </p:txBody>
+      </p:sp>
+      <p:sp>
+        <p:nvSpPr>
+          <p:cNvPr id="6" name="Footer Placeholder 5"/>
+          <p:cNvSpPr>
+            <a:spLocks noGrp="1"/>
+          </p:cNvSpPr>
+          <p:nvPr>
+            <p:ph type="ftr" sz="quarter" idx="4"/>
+          </p:nvPr>
+        </p:nvSpPr>
+        <p:spPr>
+          <a:xfrm>
+            <a:off x="0" y="6502400"/>
+            <a:ext cx="3962400" cy="341313"/>
+          </a:xfrm>
+          <a:prstGeom prst="rect">
+            <a:avLst/>
+          </a:prstGeom>
+        </p:spPr>
+        <p:txBody>
+          <a:bodyPr vert="horz" lIns="91440" tIns="45720" rIns="91440" bIns="45720" rtlCol="0" anchor="b"/>
+          <a:lstStyle>
+            <a:lvl1pPr algn="l">
+              <a:defRPr sz="1200"/>
+            </a:lvl1pPr>
+          </a:lstStyle>
+          <a:p/>
+        </p:txBody>
+      </p:sp>
+      <p:sp>
+        <p:nvSpPr>
+          <p:cNvPr id="7" name="Slide Number Placeholder 6"/>
+          <p:cNvSpPr>
+            <a:spLocks noGrp="1"/>
+          </p:cNvSpPr>
+          <p:nvPr>
+            <p:ph type="sldNum" sz="quarter" idx="5"/>
+          </p:nvPr>
+        </p:nvSpPr>
+        <p:spPr>
+          <a:xfrm>
+            <a:off x="5180013" y="6502400"/>
+            <a:ext cx="3962400" cy="341313"/>
+          </a:xfrm>
+          <a:prstGeom prst="rect">
+            <a:avLst/>
+          </a:prstGeom>
+        </p:spPr>
+        <p:txBody>
+          <a:bodyPr vert="horz" lIns="91440" tIns="45720" rIns="91440" bIns="45720" rtlCol="0" anchor="b"/>
+          <a:lstStyle>
+            <a:lvl1pPr algn="r">
+              <a:defRPr sz="1200"/>
+            </a:lvl1pPr>
+          </a:lstStyle>
+          <a:p>
+            <a:r id="{871B2431-D351-4C6E-A3CF-9DFAC0E3E050}" type="slidenum">
+              <a:rPr lang="cs-CZ" smtClean="0"/>
+              <a:t>‹#›</a:t>
+            </a:r>
+          </a:p>
+        </p:txBody>
+      </p:sp>
+    </p:spTree>
+  </p:cSld>
+  <p:clrMapOvr>
+    <a:masterClrMapping/>
+  </p:clrMapOvr>
+</p:notes>
+</file>
+
+<file path=ppt/notesSlides/notesSlide7.xml><?xml version="1.0" encoding="utf-8"?>
 <p:notes xmlns:p="http://schemas.openxmlformats.org/presentationml/2006/main" xmlns:a="http://schemas.openxmlformats.org/drawingml/2006/main">
   <p:cSld>
     <p:spTree xmlns:r="http://schemas.openxmlformats.org/officeDocument/2006/relationships">
@@ -4734,6 +5610,9 @@
   <p:clrMapOvr>
     <a:masterClrMapping/>
   </p:clrMapOvr>
+  <p:transition spd="slow">
+    <p:push dir="l"/>
+  </p:transition>
 </p:sld>
 </file>
 
@@ -5212,6 +6091,9 @@
   <p:clrMapOvr>
     <a:masterClrMapping/>
   </p:clrMapOvr>
+  <p:transition spd="slow">
+    <p:push dir="l"/>
+  </p:transition>
 </p:sld>
 </file>
 
@@ -5620,6 +6502,9 @@
   <p:clrMapOvr>
     <a:masterClrMapping/>
   </p:clrMapOvr>
+  <p:transition spd="slow">
+    <p:push dir="l"/>
+  </p:transition>
 </p:sld>
 </file>
 
@@ -6028,6 +6913,9 @@
   <p:clrMapOvr>
     <a:masterClrMapping/>
   </p:clrMapOvr>
+  <p:transition spd="slow">
+    <p:push dir="l"/>
+  </p:transition>
 </p:sld>
 </file>
 
@@ -6392,6 +7280,9 @@
   <p:clrMapOvr>
     <a:masterClrMapping/>
   </p:clrMapOvr>
+  <p:transition spd="slow">
+    <p:push dir="l"/>
+  </p:transition>
 </p:sld>
 </file>
 
@@ -6756,6 +7647,9 @@
   <p:clrMapOvr>
     <a:masterClrMapping/>
   </p:clrMapOvr>
+  <p:transition spd="slow">
+    <p:push dir="l"/>
+  </p:transition>
 </p:sld>
 </file>
 
@@ -7161,10 +8055,6037 @@
   <p:clrMapOvr>
     <a:masterClrMapping/>
   </p:clrMapOvr>
+  <p:transition spd="slow">
+    <p:push dir="l"/>
+  </p:transition>
 </p:sld>
 </file>
 
 <file path=ppt/slides/slide17.xml><?xml version="1.0" encoding="utf-8"?>
+<p:sld xmlns:p="http://schemas.openxmlformats.org/presentationml/2006/main" xmlns:a="http://schemas.openxmlformats.org/drawingml/2006/main">
+  <p:cSld>
+    <p:spTree>
+      <p:nvGrpSpPr>
+        <p:cNvPr id="1" name=""/>
+        <p:cNvGrpSpPr/>
+        <p:nvPr/>
+      </p:nvGrpSpPr>
+      <p:grpSpPr>
+        <a:xfrm>
+          <a:off x="0" y="0"/>
+          <a:ext cx="0" cy="0"/>
+          <a:chOff x="0" y="0"/>
+          <a:chExt cx="0" cy="0"/>
+        </a:xfrm>
+      </p:grpSpPr>
+      <p:sp>
+        <p:nvSpPr>
+          <p:cNvPr name="TextBox 2" id="2"/>
+          <p:cNvSpPr txBox="true"/>
+          <p:nvPr/>
+        </p:nvSpPr>
+        <p:spPr>
+          <a:xfrm rot="0">
+            <a:off x="3517716" y="4116797"/>
+            <a:ext cx="11252568" cy="1377949"/>
+          </a:xfrm>
+          <a:prstGeom prst="rect">
+            <a:avLst/>
+          </a:prstGeom>
+        </p:spPr>
+        <p:txBody>
+          <a:bodyPr anchor="t" rtlCol="false" tIns="0" lIns="0" bIns="0" rIns="0">
+            <a:spAutoFit/>
+          </a:bodyPr>
+          <a:lstStyle/>
+          <a:p>
+            <a:pPr algn="ctr">
+              <a:lnSpc>
+                <a:spcPts val="11200"/>
+              </a:lnSpc>
+            </a:pPr>
+            <a:r>
+              <a:rPr lang="en-US" sz="8000">
+                <a:solidFill>
+                  <a:srgbClr val="0D0F68"/>
+                </a:solidFill>
+                <a:latin typeface="Yeseva One"/>
+                <a:ea typeface="Yeseva One"/>
+                <a:cs typeface="Yeseva One"/>
+                <a:sym typeface="Yeseva One"/>
+              </a:rPr>
+              <a:t>2. Thiết kế hệ thống</a:t>
+            </a:r>
+          </a:p>
+        </p:txBody>
+      </p:sp>
+    </p:spTree>
+  </p:cSld>
+  <p:clrMapOvr>
+    <a:masterClrMapping/>
+  </p:clrMapOvr>
+  <p:transition spd="slow">
+    <p:push dir="l"/>
+  </p:transition>
+</p:sld>
+</file>
+
+<file path=ppt/slides/slide18.xml><?xml version="1.0" encoding="utf-8"?>
+<p:sld xmlns:p="http://schemas.openxmlformats.org/presentationml/2006/main" xmlns:a="http://schemas.openxmlformats.org/drawingml/2006/main" xmlns:r="http://schemas.openxmlformats.org/officeDocument/2006/relationships">
+  <p:cSld>
+    <p:spTree>
+      <p:nvGrpSpPr>
+        <p:cNvPr id="1" name=""/>
+        <p:cNvGrpSpPr/>
+        <p:nvPr/>
+      </p:nvGrpSpPr>
+      <p:grpSpPr>
+        <a:xfrm>
+          <a:off x="0" y="0"/>
+          <a:ext cx="0" cy="0"/>
+          <a:chOff x="0" y="0"/>
+          <a:chExt cx="0" cy="0"/>
+        </a:xfrm>
+      </p:grpSpPr>
+      <p:grpSp>
+        <p:nvGrpSpPr>
+          <p:cNvPr name="Group 2" id="2"/>
+          <p:cNvGrpSpPr/>
+          <p:nvPr/>
+        </p:nvGrpSpPr>
+        <p:grpSpPr>
+          <a:xfrm rot="0">
+            <a:off x="11601846" y="419788"/>
+            <a:ext cx="7163655" cy="1217823"/>
+            <a:chOff x="0" y="0"/>
+            <a:chExt cx="1886724" cy="320744"/>
+          </a:xfrm>
+        </p:grpSpPr>
+        <p:sp>
+          <p:nvSpPr>
+            <p:cNvPr name="Freeform 3" id="3"/>
+            <p:cNvSpPr/>
+            <p:nvPr/>
+          </p:nvSpPr>
+          <p:spPr>
+            <a:xfrm flipH="false" flipV="false" rot="0">
+              <a:off x="0" y="0"/>
+              <a:ext cx="1886724" cy="320744"/>
+            </a:xfrm>
+            <a:custGeom>
+              <a:avLst/>
+              <a:gdLst/>
+              <a:ahLst/>
+              <a:cxnLst/>
+              <a:rect r="r" b="b" t="t" l="l"/>
+              <a:pathLst>
+                <a:path h="320744" w="1886724">
+                  <a:moveTo>
+                    <a:pt x="55117" y="0"/>
+                  </a:moveTo>
+                  <a:lnTo>
+                    <a:pt x="1831607" y="0"/>
+                  </a:lnTo>
+                  <a:cubicBezTo>
+                    <a:pt x="1862047" y="0"/>
+                    <a:pt x="1886724" y="24677"/>
+                    <a:pt x="1886724" y="55117"/>
+                  </a:cubicBezTo>
+                  <a:lnTo>
+                    <a:pt x="1886724" y="265627"/>
+                  </a:lnTo>
+                  <a:cubicBezTo>
+                    <a:pt x="1886724" y="280245"/>
+                    <a:pt x="1880917" y="294264"/>
+                    <a:pt x="1870581" y="304600"/>
+                  </a:cubicBezTo>
+                  <a:cubicBezTo>
+                    <a:pt x="1860244" y="314937"/>
+                    <a:pt x="1846225" y="320744"/>
+                    <a:pt x="1831607" y="320744"/>
+                  </a:cubicBezTo>
+                  <a:lnTo>
+                    <a:pt x="55117" y="320744"/>
+                  </a:lnTo>
+                  <a:cubicBezTo>
+                    <a:pt x="40499" y="320744"/>
+                    <a:pt x="26480" y="314937"/>
+                    <a:pt x="16143" y="304600"/>
+                  </a:cubicBezTo>
+                  <a:cubicBezTo>
+                    <a:pt x="5807" y="294264"/>
+                    <a:pt x="0" y="280245"/>
+                    <a:pt x="0" y="265627"/>
+                  </a:cubicBezTo>
+                  <a:lnTo>
+                    <a:pt x="0" y="55117"/>
+                  </a:lnTo>
+                  <a:cubicBezTo>
+                    <a:pt x="0" y="40499"/>
+                    <a:pt x="5807" y="26480"/>
+                    <a:pt x="16143" y="16143"/>
+                  </a:cubicBezTo>
+                  <a:cubicBezTo>
+                    <a:pt x="26480" y="5807"/>
+                    <a:pt x="40499" y="0"/>
+                    <a:pt x="55117" y="0"/>
+                  </a:cubicBezTo>
+                  <a:close/>
+                </a:path>
+              </a:pathLst>
+            </a:custGeom>
+            <a:solidFill>
+              <a:srgbClr val="0D0F68"/>
+            </a:solidFill>
+          </p:spPr>
+        </p:sp>
+        <p:sp>
+          <p:nvSpPr>
+            <p:cNvPr name="TextBox 4" id="4"/>
+            <p:cNvSpPr txBox="true"/>
+            <p:nvPr/>
+          </p:nvSpPr>
+          <p:spPr>
+            <a:xfrm>
+              <a:off x="0" y="-38100"/>
+              <a:ext cx="1886724" cy="358844"/>
+            </a:xfrm>
+            <a:prstGeom prst="rect">
+              <a:avLst/>
+            </a:prstGeom>
+          </p:spPr>
+          <p:txBody>
+            <a:bodyPr anchor="ctr" rtlCol="false" tIns="50800" lIns="50800" bIns="50800" rIns="50800"/>
+            <a:lstStyle/>
+            <a:p>
+              <a:pPr algn="ctr">
+                <a:lnSpc>
+                  <a:spcPts val="2659"/>
+                </a:lnSpc>
+                <a:spcBef>
+                  <a:spcPct val="0"/>
+                </a:spcBef>
+              </a:pPr>
+            </a:p>
+          </p:txBody>
+        </p:sp>
+      </p:grpSp>
+      <p:sp>
+        <p:nvSpPr>
+          <p:cNvPr name="Freeform 5" id="5"/>
+          <p:cNvSpPr/>
+          <p:nvPr/>
+        </p:nvSpPr>
+        <p:spPr>
+          <a:xfrm flipH="false" flipV="false" rot="0">
+            <a:off x="496756" y="2005541"/>
+            <a:ext cx="17424045" cy="7252759"/>
+          </a:xfrm>
+          <a:custGeom>
+            <a:avLst/>
+            <a:gdLst/>
+            <a:ahLst/>
+            <a:cxnLst/>
+            <a:rect r="r" b="b" t="t" l="l"/>
+            <a:pathLst>
+              <a:path h="7252759" w="17424045">
+                <a:moveTo>
+                  <a:pt x="0" y="0"/>
+                </a:moveTo>
+                <a:lnTo>
+                  <a:pt x="17424045" y="0"/>
+                </a:lnTo>
+                <a:lnTo>
+                  <a:pt x="17424045" y="7252759"/>
+                </a:lnTo>
+                <a:lnTo>
+                  <a:pt x="0" y="7252759"/>
+                </a:lnTo>
+                <a:lnTo>
+                  <a:pt x="0" y="0"/>
+                </a:lnTo>
+                <a:close/>
+              </a:path>
+            </a:pathLst>
+          </a:custGeom>
+          <a:blipFill>
+            <a:blip r:embed="rId2"/>
+            <a:stretch>
+              <a:fillRect l="0" t="0" r="0" b="0"/>
+            </a:stretch>
+          </a:blipFill>
+        </p:spPr>
+      </p:sp>
+      <p:sp>
+        <p:nvSpPr>
+          <p:cNvPr name="TextBox 6" id="6"/>
+          <p:cNvSpPr txBox="true"/>
+          <p:nvPr/>
+        </p:nvSpPr>
+        <p:spPr>
+          <a:xfrm rot="0">
+            <a:off x="11601846" y="600075"/>
+            <a:ext cx="6318955" cy="771525"/>
+          </a:xfrm>
+          <a:prstGeom prst="rect">
+            <a:avLst/>
+          </a:prstGeom>
+        </p:spPr>
+        <p:txBody>
+          <a:bodyPr anchor="t" rtlCol="false" tIns="0" lIns="0" bIns="0" rIns="0">
+            <a:spAutoFit/>
+          </a:bodyPr>
+          <a:lstStyle/>
+          <a:p>
+            <a:pPr algn="ctr">
+              <a:lnSpc>
+                <a:spcPts val="6299"/>
+              </a:lnSpc>
+            </a:pPr>
+            <a:r>
+              <a:rPr lang="en-US" sz="4500">
+                <a:solidFill>
+                  <a:srgbClr val="FFFFFF"/>
+                </a:solidFill>
+                <a:latin typeface="Yeseva One"/>
+                <a:ea typeface="Yeseva One"/>
+                <a:cs typeface="Yeseva One"/>
+                <a:sym typeface="Yeseva One"/>
+              </a:rPr>
+              <a:t>2. Thiết kế hệ thống</a:t>
+            </a:r>
+          </a:p>
+        </p:txBody>
+      </p:sp>
+    </p:spTree>
+  </p:cSld>
+  <p:clrMapOvr>
+    <a:masterClrMapping/>
+  </p:clrMapOvr>
+  <p:transition spd="slow">
+    <p:push dir="l"/>
+  </p:transition>
+</p:sld>
+</file>
+
+<file path=ppt/slides/slide19.xml><?xml version="1.0" encoding="utf-8"?>
+<p:sld xmlns:p="http://schemas.openxmlformats.org/presentationml/2006/main" xmlns:a="http://schemas.openxmlformats.org/drawingml/2006/main" xmlns:r="http://schemas.openxmlformats.org/officeDocument/2006/relationships">
+  <p:cSld>
+    <p:spTree>
+      <p:nvGrpSpPr>
+        <p:cNvPr id="1" name=""/>
+        <p:cNvGrpSpPr/>
+        <p:nvPr/>
+      </p:nvGrpSpPr>
+      <p:grpSpPr>
+        <a:xfrm>
+          <a:off x="0" y="0"/>
+          <a:ext cx="0" cy="0"/>
+          <a:chOff x="0" y="0"/>
+          <a:chExt cx="0" cy="0"/>
+        </a:xfrm>
+      </p:grpSpPr>
+      <p:grpSp>
+        <p:nvGrpSpPr>
+          <p:cNvPr name="Group 2" id="2"/>
+          <p:cNvGrpSpPr/>
+          <p:nvPr/>
+        </p:nvGrpSpPr>
+        <p:grpSpPr>
+          <a:xfrm rot="0">
+            <a:off x="11601846" y="419788"/>
+            <a:ext cx="7163655" cy="1217823"/>
+            <a:chOff x="0" y="0"/>
+            <a:chExt cx="1886724" cy="320744"/>
+          </a:xfrm>
+        </p:grpSpPr>
+        <p:sp>
+          <p:nvSpPr>
+            <p:cNvPr name="Freeform 3" id="3"/>
+            <p:cNvSpPr/>
+            <p:nvPr/>
+          </p:nvSpPr>
+          <p:spPr>
+            <a:xfrm flipH="false" flipV="false" rot="0">
+              <a:off x="0" y="0"/>
+              <a:ext cx="1886724" cy="320744"/>
+            </a:xfrm>
+            <a:custGeom>
+              <a:avLst/>
+              <a:gdLst/>
+              <a:ahLst/>
+              <a:cxnLst/>
+              <a:rect r="r" b="b" t="t" l="l"/>
+              <a:pathLst>
+                <a:path h="320744" w="1886724">
+                  <a:moveTo>
+                    <a:pt x="55117" y="0"/>
+                  </a:moveTo>
+                  <a:lnTo>
+                    <a:pt x="1831607" y="0"/>
+                  </a:lnTo>
+                  <a:cubicBezTo>
+                    <a:pt x="1862047" y="0"/>
+                    <a:pt x="1886724" y="24677"/>
+                    <a:pt x="1886724" y="55117"/>
+                  </a:cubicBezTo>
+                  <a:lnTo>
+                    <a:pt x="1886724" y="265627"/>
+                  </a:lnTo>
+                  <a:cubicBezTo>
+                    <a:pt x="1886724" y="280245"/>
+                    <a:pt x="1880917" y="294264"/>
+                    <a:pt x="1870581" y="304600"/>
+                  </a:cubicBezTo>
+                  <a:cubicBezTo>
+                    <a:pt x="1860244" y="314937"/>
+                    <a:pt x="1846225" y="320744"/>
+                    <a:pt x="1831607" y="320744"/>
+                  </a:cubicBezTo>
+                  <a:lnTo>
+                    <a:pt x="55117" y="320744"/>
+                  </a:lnTo>
+                  <a:cubicBezTo>
+                    <a:pt x="40499" y="320744"/>
+                    <a:pt x="26480" y="314937"/>
+                    <a:pt x="16143" y="304600"/>
+                  </a:cubicBezTo>
+                  <a:cubicBezTo>
+                    <a:pt x="5807" y="294264"/>
+                    <a:pt x="0" y="280245"/>
+                    <a:pt x="0" y="265627"/>
+                  </a:cubicBezTo>
+                  <a:lnTo>
+                    <a:pt x="0" y="55117"/>
+                  </a:lnTo>
+                  <a:cubicBezTo>
+                    <a:pt x="0" y="40499"/>
+                    <a:pt x="5807" y="26480"/>
+                    <a:pt x="16143" y="16143"/>
+                  </a:cubicBezTo>
+                  <a:cubicBezTo>
+                    <a:pt x="26480" y="5807"/>
+                    <a:pt x="40499" y="0"/>
+                    <a:pt x="55117" y="0"/>
+                  </a:cubicBezTo>
+                  <a:close/>
+                </a:path>
+              </a:pathLst>
+            </a:custGeom>
+            <a:solidFill>
+              <a:srgbClr val="0D0F68"/>
+            </a:solidFill>
+          </p:spPr>
+        </p:sp>
+        <p:sp>
+          <p:nvSpPr>
+            <p:cNvPr name="TextBox 4" id="4"/>
+            <p:cNvSpPr txBox="true"/>
+            <p:nvPr/>
+          </p:nvSpPr>
+          <p:spPr>
+            <a:xfrm>
+              <a:off x="0" y="-38100"/>
+              <a:ext cx="1886724" cy="358844"/>
+            </a:xfrm>
+            <a:prstGeom prst="rect">
+              <a:avLst/>
+            </a:prstGeom>
+          </p:spPr>
+          <p:txBody>
+            <a:bodyPr anchor="ctr" rtlCol="false" tIns="50800" lIns="50800" bIns="50800" rIns="50800"/>
+            <a:lstStyle/>
+            <a:p>
+              <a:pPr algn="ctr">
+                <a:lnSpc>
+                  <a:spcPts val="2659"/>
+                </a:lnSpc>
+                <a:spcBef>
+                  <a:spcPct val="0"/>
+                </a:spcBef>
+              </a:pPr>
+            </a:p>
+          </p:txBody>
+        </p:sp>
+      </p:grpSp>
+      <p:sp>
+        <p:nvSpPr>
+          <p:cNvPr name="Freeform 5" id="5"/>
+          <p:cNvSpPr/>
+          <p:nvPr/>
+        </p:nvSpPr>
+        <p:spPr>
+          <a:xfrm flipH="false" flipV="false" rot="0">
+            <a:off x="5972132" y="1637612"/>
+            <a:ext cx="7515966" cy="8326256"/>
+          </a:xfrm>
+          <a:custGeom>
+            <a:avLst/>
+            <a:gdLst/>
+            <a:ahLst/>
+            <a:cxnLst/>
+            <a:rect r="r" b="b" t="t" l="l"/>
+            <a:pathLst>
+              <a:path h="8326256" w="7515966">
+                <a:moveTo>
+                  <a:pt x="0" y="0"/>
+                </a:moveTo>
+                <a:lnTo>
+                  <a:pt x="7515966" y="0"/>
+                </a:lnTo>
+                <a:lnTo>
+                  <a:pt x="7515966" y="8326256"/>
+                </a:lnTo>
+                <a:lnTo>
+                  <a:pt x="0" y="8326256"/>
+                </a:lnTo>
+                <a:lnTo>
+                  <a:pt x="0" y="0"/>
+                </a:lnTo>
+                <a:close/>
+              </a:path>
+            </a:pathLst>
+          </a:custGeom>
+          <a:blipFill>
+            <a:blip r:embed="rId2"/>
+            <a:stretch>
+              <a:fillRect l="0" t="-3660" r="0" b="-1838"/>
+            </a:stretch>
+          </a:blipFill>
+        </p:spPr>
+      </p:sp>
+      <p:sp>
+        <p:nvSpPr>
+          <p:cNvPr name="TextBox 6" id="6"/>
+          <p:cNvSpPr txBox="true"/>
+          <p:nvPr/>
+        </p:nvSpPr>
+        <p:spPr>
+          <a:xfrm rot="0">
+            <a:off x="11601846" y="600075"/>
+            <a:ext cx="6318955" cy="771525"/>
+          </a:xfrm>
+          <a:prstGeom prst="rect">
+            <a:avLst/>
+          </a:prstGeom>
+        </p:spPr>
+        <p:txBody>
+          <a:bodyPr anchor="t" rtlCol="false" tIns="0" lIns="0" bIns="0" rIns="0">
+            <a:spAutoFit/>
+          </a:bodyPr>
+          <a:lstStyle/>
+          <a:p>
+            <a:pPr algn="ctr">
+              <a:lnSpc>
+                <a:spcPts val="6299"/>
+              </a:lnSpc>
+            </a:pPr>
+            <a:r>
+              <a:rPr lang="en-US" sz="4500">
+                <a:solidFill>
+                  <a:srgbClr val="FFFFFF"/>
+                </a:solidFill>
+                <a:latin typeface="Yeseva One"/>
+                <a:ea typeface="Yeseva One"/>
+                <a:cs typeface="Yeseva One"/>
+                <a:sym typeface="Yeseva One"/>
+              </a:rPr>
+              <a:t>2. Thiết kế hệ thống</a:t>
+            </a:r>
+          </a:p>
+        </p:txBody>
+      </p:sp>
+      <p:sp>
+        <p:nvSpPr>
+          <p:cNvPr name="TextBox 7" id="7"/>
+          <p:cNvSpPr txBox="true"/>
+          <p:nvPr/>
+        </p:nvSpPr>
+        <p:spPr>
+          <a:xfrm rot="0">
+            <a:off x="-2094815" y="895350"/>
+            <a:ext cx="11238815" cy="1047750"/>
+          </a:xfrm>
+          <a:prstGeom prst="rect">
+            <a:avLst/>
+          </a:prstGeom>
+        </p:spPr>
+        <p:txBody>
+          <a:bodyPr anchor="t" rtlCol="false" tIns="0" lIns="0" bIns="0" rIns="0">
+            <a:spAutoFit/>
+          </a:bodyPr>
+          <a:lstStyle/>
+          <a:p>
+            <a:pPr algn="ctr">
+              <a:lnSpc>
+                <a:spcPts val="8400"/>
+              </a:lnSpc>
+            </a:pPr>
+            <a:r>
+              <a:rPr lang="en-US" sz="6000">
+                <a:solidFill>
+                  <a:srgbClr val="0D0F68"/>
+                </a:solidFill>
+                <a:latin typeface="Yeseva One"/>
+                <a:ea typeface="Yeseva One"/>
+                <a:cs typeface="Yeseva One"/>
+                <a:sym typeface="Yeseva One"/>
+              </a:rPr>
+              <a:t>Cấu trúc bộ nhớ</a:t>
+            </a:r>
+          </a:p>
+        </p:txBody>
+      </p:sp>
+    </p:spTree>
+  </p:cSld>
+  <p:clrMapOvr>
+    <a:masterClrMapping/>
+  </p:clrMapOvr>
+  <p:transition spd="slow">
+    <p:push dir="l"/>
+  </p:transition>
+</p:sld>
+</file>
+
+<file path=ppt/slides/slide2.xml><?xml version="1.0" encoding="utf-8"?>
+<p:sld xmlns:p="http://schemas.openxmlformats.org/presentationml/2006/main" xmlns:a="http://schemas.openxmlformats.org/drawingml/2006/main" xmlns:r="http://schemas.openxmlformats.org/officeDocument/2006/relationships">
+  <p:cSld>
+    <p:spTree>
+      <p:nvGrpSpPr>
+        <p:cNvPr id="1" name=""/>
+        <p:cNvGrpSpPr/>
+        <p:nvPr/>
+      </p:nvGrpSpPr>
+      <p:grpSpPr>
+        <a:xfrm>
+          <a:off x="0" y="0"/>
+          <a:ext cx="0" cy="0"/>
+          <a:chOff x="0" y="0"/>
+          <a:chExt cx="0" cy="0"/>
+        </a:xfrm>
+      </p:grpSpPr>
+      <p:sp>
+        <p:nvSpPr>
+          <p:cNvPr name="Freeform 2" id="2"/>
+          <p:cNvSpPr/>
+          <p:nvPr/>
+        </p:nvSpPr>
+        <p:spPr>
+          <a:xfrm flipH="false" flipV="false" rot="0">
+            <a:off x="3880205" y="2671250"/>
+            <a:ext cx="10527591" cy="4944501"/>
+          </a:xfrm>
+          <a:custGeom>
+            <a:avLst/>
+            <a:gdLst/>
+            <a:ahLst/>
+            <a:cxnLst/>
+            <a:rect r="r" b="b" t="t" l="l"/>
+            <a:pathLst>
+              <a:path h="4944501" w="10527591">
+                <a:moveTo>
+                  <a:pt x="0" y="0"/>
+                </a:moveTo>
+                <a:lnTo>
+                  <a:pt x="10527590" y="0"/>
+                </a:lnTo>
+                <a:lnTo>
+                  <a:pt x="10527590" y="4944500"/>
+                </a:lnTo>
+                <a:lnTo>
+                  <a:pt x="0" y="4944500"/>
+                </a:lnTo>
+                <a:lnTo>
+                  <a:pt x="0" y="0"/>
+                </a:lnTo>
+                <a:close/>
+              </a:path>
+            </a:pathLst>
+          </a:custGeom>
+          <a:blipFill>
+            <a:blip r:embed="rId3"/>
+            <a:stretch>
+              <a:fillRect l="0" t="0" r="0" b="0"/>
+            </a:stretch>
+          </a:blipFill>
+        </p:spPr>
+      </p:sp>
+      <p:sp>
+        <p:nvSpPr>
+          <p:cNvPr name="TextBox 3" id="3"/>
+          <p:cNvSpPr txBox="true"/>
+          <p:nvPr/>
+        </p:nvSpPr>
+        <p:spPr>
+          <a:xfrm rot="0">
+            <a:off x="5948168" y="866775"/>
+            <a:ext cx="6391665" cy="1377949"/>
+          </a:xfrm>
+          <a:prstGeom prst="rect">
+            <a:avLst/>
+          </a:prstGeom>
+        </p:spPr>
+        <p:txBody>
+          <a:bodyPr anchor="t" rtlCol="false" tIns="0" lIns="0" bIns="0" rIns="0">
+            <a:spAutoFit/>
+          </a:bodyPr>
+          <a:lstStyle/>
+          <a:p>
+            <a:pPr algn="ctr">
+              <a:lnSpc>
+                <a:spcPts val="11200"/>
+              </a:lnSpc>
+            </a:pPr>
+            <a:r>
+              <a:rPr lang="en-US" sz="8000">
+                <a:solidFill>
+                  <a:srgbClr val="0D0F68"/>
+                </a:solidFill>
+                <a:latin typeface="Yeseva One"/>
+                <a:ea typeface="Yeseva One"/>
+                <a:cs typeface="Yeseva One"/>
+                <a:sym typeface="Yeseva One"/>
+              </a:rPr>
+              <a:t>Giới thiệu</a:t>
+            </a:r>
+          </a:p>
+        </p:txBody>
+      </p:sp>
+      <p:sp>
+        <p:nvSpPr>
+          <p:cNvPr name="TextBox 4" id="4"/>
+          <p:cNvSpPr txBox="true"/>
+          <p:nvPr/>
+        </p:nvSpPr>
+        <p:spPr>
+          <a:xfrm rot="0">
+            <a:off x="5365282" y="7568125"/>
+            <a:ext cx="8235702" cy="332740"/>
+          </a:xfrm>
+          <a:prstGeom prst="rect">
+            <a:avLst/>
+          </a:prstGeom>
+        </p:spPr>
+        <p:txBody>
+          <a:bodyPr anchor="t" rtlCol="false" tIns="0" lIns="0" bIns="0" rIns="0">
+            <a:spAutoFit/>
+          </a:bodyPr>
+          <a:lstStyle/>
+          <a:p>
+            <a:pPr algn="ctr">
+              <a:lnSpc>
+                <a:spcPts val="2659"/>
+              </a:lnSpc>
+              <a:spcBef>
+                <a:spcPct val="0"/>
+              </a:spcBef>
+            </a:pPr>
+            <a:r>
+              <a:rPr lang="en-US" sz="1899">
+                <a:solidFill>
+                  <a:srgbClr val="0D0F68"/>
+                </a:solidFill>
+                <a:latin typeface="Yeseva One"/>
+                <a:ea typeface="Yeseva One"/>
+                <a:cs typeface="Yeseva One"/>
+                <a:sym typeface="Yeseva One"/>
+              </a:rPr>
+              <a:t>Figure 2.2, page 80, Computer Achitecture a Quantitative Approach </a:t>
+            </a:r>
+          </a:p>
+        </p:txBody>
+      </p:sp>
+    </p:spTree>
+  </p:cSld>
+  <p:clrMapOvr>
+    <a:masterClrMapping/>
+  </p:clrMapOvr>
+  <p:transition spd="slow">
+    <p:push dir="l"/>
+  </p:transition>
+</p:sld>
+</file>
+
+<file path=ppt/slides/slide20.xml><?xml version="1.0" encoding="utf-8"?>
+<p:sld xmlns:p="http://schemas.openxmlformats.org/presentationml/2006/main" xmlns:a="http://schemas.openxmlformats.org/drawingml/2006/main" xmlns:r="http://schemas.openxmlformats.org/officeDocument/2006/relationships">
+  <p:cSld>
+    <p:spTree>
+      <p:nvGrpSpPr>
+        <p:cNvPr id="1" name=""/>
+        <p:cNvGrpSpPr/>
+        <p:nvPr/>
+      </p:nvGrpSpPr>
+      <p:grpSpPr>
+        <a:xfrm>
+          <a:off x="0" y="0"/>
+          <a:ext cx="0" cy="0"/>
+          <a:chOff x="0" y="0"/>
+          <a:chExt cx="0" cy="0"/>
+        </a:xfrm>
+      </p:grpSpPr>
+      <p:grpSp>
+        <p:nvGrpSpPr>
+          <p:cNvPr name="Group 2" id="2"/>
+          <p:cNvGrpSpPr/>
+          <p:nvPr/>
+        </p:nvGrpSpPr>
+        <p:grpSpPr>
+          <a:xfrm rot="0">
+            <a:off x="11601846" y="419788"/>
+            <a:ext cx="7163655" cy="1217823"/>
+            <a:chOff x="0" y="0"/>
+            <a:chExt cx="1886724" cy="320744"/>
+          </a:xfrm>
+        </p:grpSpPr>
+        <p:sp>
+          <p:nvSpPr>
+            <p:cNvPr name="Freeform 3" id="3"/>
+            <p:cNvSpPr/>
+            <p:nvPr/>
+          </p:nvSpPr>
+          <p:spPr>
+            <a:xfrm flipH="false" flipV="false" rot="0">
+              <a:off x="0" y="0"/>
+              <a:ext cx="1886724" cy="320744"/>
+            </a:xfrm>
+            <a:custGeom>
+              <a:avLst/>
+              <a:gdLst/>
+              <a:ahLst/>
+              <a:cxnLst/>
+              <a:rect r="r" b="b" t="t" l="l"/>
+              <a:pathLst>
+                <a:path h="320744" w="1886724">
+                  <a:moveTo>
+                    <a:pt x="55117" y="0"/>
+                  </a:moveTo>
+                  <a:lnTo>
+                    <a:pt x="1831607" y="0"/>
+                  </a:lnTo>
+                  <a:cubicBezTo>
+                    <a:pt x="1862047" y="0"/>
+                    <a:pt x="1886724" y="24677"/>
+                    <a:pt x="1886724" y="55117"/>
+                  </a:cubicBezTo>
+                  <a:lnTo>
+                    <a:pt x="1886724" y="265627"/>
+                  </a:lnTo>
+                  <a:cubicBezTo>
+                    <a:pt x="1886724" y="280245"/>
+                    <a:pt x="1880917" y="294264"/>
+                    <a:pt x="1870581" y="304600"/>
+                  </a:cubicBezTo>
+                  <a:cubicBezTo>
+                    <a:pt x="1860244" y="314937"/>
+                    <a:pt x="1846225" y="320744"/>
+                    <a:pt x="1831607" y="320744"/>
+                  </a:cubicBezTo>
+                  <a:lnTo>
+                    <a:pt x="55117" y="320744"/>
+                  </a:lnTo>
+                  <a:cubicBezTo>
+                    <a:pt x="40499" y="320744"/>
+                    <a:pt x="26480" y="314937"/>
+                    <a:pt x="16143" y="304600"/>
+                  </a:cubicBezTo>
+                  <a:cubicBezTo>
+                    <a:pt x="5807" y="294264"/>
+                    <a:pt x="0" y="280245"/>
+                    <a:pt x="0" y="265627"/>
+                  </a:cubicBezTo>
+                  <a:lnTo>
+                    <a:pt x="0" y="55117"/>
+                  </a:lnTo>
+                  <a:cubicBezTo>
+                    <a:pt x="0" y="40499"/>
+                    <a:pt x="5807" y="26480"/>
+                    <a:pt x="16143" y="16143"/>
+                  </a:cubicBezTo>
+                  <a:cubicBezTo>
+                    <a:pt x="26480" y="5807"/>
+                    <a:pt x="40499" y="0"/>
+                    <a:pt x="55117" y="0"/>
+                  </a:cubicBezTo>
+                  <a:close/>
+                </a:path>
+              </a:pathLst>
+            </a:custGeom>
+            <a:solidFill>
+              <a:srgbClr val="0D0F68"/>
+            </a:solidFill>
+          </p:spPr>
+        </p:sp>
+        <p:sp>
+          <p:nvSpPr>
+            <p:cNvPr name="TextBox 4" id="4"/>
+            <p:cNvSpPr txBox="true"/>
+            <p:nvPr/>
+          </p:nvSpPr>
+          <p:spPr>
+            <a:xfrm>
+              <a:off x="0" y="-38100"/>
+              <a:ext cx="1886724" cy="358844"/>
+            </a:xfrm>
+            <a:prstGeom prst="rect">
+              <a:avLst/>
+            </a:prstGeom>
+          </p:spPr>
+          <p:txBody>
+            <a:bodyPr anchor="ctr" rtlCol="false" tIns="50800" lIns="50800" bIns="50800" rIns="50800"/>
+            <a:lstStyle/>
+            <a:p>
+              <a:pPr algn="ctr">
+                <a:lnSpc>
+                  <a:spcPts val="2659"/>
+                </a:lnSpc>
+                <a:spcBef>
+                  <a:spcPct val="0"/>
+                </a:spcBef>
+              </a:pPr>
+            </a:p>
+          </p:txBody>
+        </p:sp>
+      </p:grpSp>
+      <p:sp>
+        <p:nvSpPr>
+          <p:cNvPr name="Freeform 5" id="5"/>
+          <p:cNvSpPr/>
+          <p:nvPr/>
+        </p:nvSpPr>
+        <p:spPr>
+          <a:xfrm flipH="false" flipV="false" rot="0">
+            <a:off x="3923068" y="3423514"/>
+            <a:ext cx="10441865" cy="6080268"/>
+          </a:xfrm>
+          <a:custGeom>
+            <a:avLst/>
+            <a:gdLst/>
+            <a:ahLst/>
+            <a:cxnLst/>
+            <a:rect r="r" b="b" t="t" l="l"/>
+            <a:pathLst>
+              <a:path h="6080268" w="10441865">
+                <a:moveTo>
+                  <a:pt x="0" y="0"/>
+                </a:moveTo>
+                <a:lnTo>
+                  <a:pt x="10441864" y="0"/>
+                </a:lnTo>
+                <a:lnTo>
+                  <a:pt x="10441864" y="6080268"/>
+                </a:lnTo>
+                <a:lnTo>
+                  <a:pt x="0" y="6080268"/>
+                </a:lnTo>
+                <a:lnTo>
+                  <a:pt x="0" y="0"/>
+                </a:lnTo>
+                <a:close/>
+              </a:path>
+            </a:pathLst>
+          </a:custGeom>
+          <a:blipFill>
+            <a:blip r:embed="rId2"/>
+            <a:stretch>
+              <a:fillRect l="0" t="-13014" r="0" b="0"/>
+            </a:stretch>
+          </a:blipFill>
+        </p:spPr>
+      </p:sp>
+      <p:sp>
+        <p:nvSpPr>
+          <p:cNvPr name="TextBox 6" id="6"/>
+          <p:cNvSpPr txBox="true"/>
+          <p:nvPr/>
+        </p:nvSpPr>
+        <p:spPr>
+          <a:xfrm rot="0">
+            <a:off x="11601846" y="600075"/>
+            <a:ext cx="6318955" cy="771525"/>
+          </a:xfrm>
+          <a:prstGeom prst="rect">
+            <a:avLst/>
+          </a:prstGeom>
+        </p:spPr>
+        <p:txBody>
+          <a:bodyPr anchor="t" rtlCol="false" tIns="0" lIns="0" bIns="0" rIns="0">
+            <a:spAutoFit/>
+          </a:bodyPr>
+          <a:lstStyle/>
+          <a:p>
+            <a:pPr algn="ctr">
+              <a:lnSpc>
+                <a:spcPts val="6299"/>
+              </a:lnSpc>
+            </a:pPr>
+            <a:r>
+              <a:rPr lang="en-US" sz="4500">
+                <a:solidFill>
+                  <a:srgbClr val="FFFFFF"/>
+                </a:solidFill>
+                <a:latin typeface="Yeseva One"/>
+                <a:ea typeface="Yeseva One"/>
+                <a:cs typeface="Yeseva One"/>
+                <a:sym typeface="Yeseva One"/>
+              </a:rPr>
+              <a:t>2. Thiết kế hệ thống</a:t>
+            </a:r>
+          </a:p>
+        </p:txBody>
+      </p:sp>
+      <p:sp>
+        <p:nvSpPr>
+          <p:cNvPr name="TextBox 7" id="7"/>
+          <p:cNvSpPr txBox="true"/>
+          <p:nvPr/>
+        </p:nvSpPr>
+        <p:spPr>
+          <a:xfrm rot="0">
+            <a:off x="3524593" y="2038926"/>
+            <a:ext cx="11238815" cy="1047750"/>
+          </a:xfrm>
+          <a:prstGeom prst="rect">
+            <a:avLst/>
+          </a:prstGeom>
+        </p:spPr>
+        <p:txBody>
+          <a:bodyPr anchor="t" rtlCol="false" tIns="0" lIns="0" bIns="0" rIns="0">
+            <a:spAutoFit/>
+          </a:bodyPr>
+          <a:lstStyle/>
+          <a:p>
+            <a:pPr algn="ctr">
+              <a:lnSpc>
+                <a:spcPts val="8400"/>
+              </a:lnSpc>
+            </a:pPr>
+            <a:r>
+              <a:rPr lang="en-US" sz="6000">
+                <a:solidFill>
+                  <a:srgbClr val="0D0F68"/>
+                </a:solidFill>
+                <a:latin typeface="Yeseva One"/>
+                <a:ea typeface="Yeseva One"/>
+                <a:cs typeface="Yeseva One"/>
+                <a:sym typeface="Yeseva One"/>
+              </a:rPr>
+              <a:t>Những kết nối của Cache</a:t>
+            </a:r>
+          </a:p>
+        </p:txBody>
+      </p:sp>
+    </p:spTree>
+  </p:cSld>
+  <p:clrMapOvr>
+    <a:masterClrMapping/>
+  </p:clrMapOvr>
+  <p:transition spd="slow">
+    <p:push dir="l"/>
+  </p:transition>
+</p:sld>
+</file>
+
+<file path=ppt/slides/slide21.xml><?xml version="1.0" encoding="utf-8"?>
+<p:sld xmlns:p="http://schemas.openxmlformats.org/presentationml/2006/main" xmlns:a="http://schemas.openxmlformats.org/drawingml/2006/main" xmlns:r="http://schemas.openxmlformats.org/officeDocument/2006/relationships">
+  <p:cSld>
+    <p:spTree>
+      <p:nvGrpSpPr>
+        <p:cNvPr id="1" name=""/>
+        <p:cNvGrpSpPr/>
+        <p:nvPr/>
+      </p:nvGrpSpPr>
+      <p:grpSpPr>
+        <a:xfrm>
+          <a:off x="0" y="0"/>
+          <a:ext cx="0" cy="0"/>
+          <a:chOff x="0" y="0"/>
+          <a:chExt cx="0" cy="0"/>
+        </a:xfrm>
+      </p:grpSpPr>
+      <p:grpSp>
+        <p:nvGrpSpPr>
+          <p:cNvPr name="Group 2" id="2"/>
+          <p:cNvGrpSpPr/>
+          <p:nvPr/>
+        </p:nvGrpSpPr>
+        <p:grpSpPr>
+          <a:xfrm rot="0">
+            <a:off x="11601846" y="419788"/>
+            <a:ext cx="7163655" cy="1217823"/>
+            <a:chOff x="0" y="0"/>
+            <a:chExt cx="1886724" cy="320744"/>
+          </a:xfrm>
+        </p:grpSpPr>
+        <p:sp>
+          <p:nvSpPr>
+            <p:cNvPr name="Freeform 3" id="3"/>
+            <p:cNvSpPr/>
+            <p:nvPr/>
+          </p:nvSpPr>
+          <p:spPr>
+            <a:xfrm flipH="false" flipV="false" rot="0">
+              <a:off x="0" y="0"/>
+              <a:ext cx="1886724" cy="320744"/>
+            </a:xfrm>
+            <a:custGeom>
+              <a:avLst/>
+              <a:gdLst/>
+              <a:ahLst/>
+              <a:cxnLst/>
+              <a:rect r="r" b="b" t="t" l="l"/>
+              <a:pathLst>
+                <a:path h="320744" w="1886724">
+                  <a:moveTo>
+                    <a:pt x="55117" y="0"/>
+                  </a:moveTo>
+                  <a:lnTo>
+                    <a:pt x="1831607" y="0"/>
+                  </a:lnTo>
+                  <a:cubicBezTo>
+                    <a:pt x="1862047" y="0"/>
+                    <a:pt x="1886724" y="24677"/>
+                    <a:pt x="1886724" y="55117"/>
+                  </a:cubicBezTo>
+                  <a:lnTo>
+                    <a:pt x="1886724" y="265627"/>
+                  </a:lnTo>
+                  <a:cubicBezTo>
+                    <a:pt x="1886724" y="280245"/>
+                    <a:pt x="1880917" y="294264"/>
+                    <a:pt x="1870581" y="304600"/>
+                  </a:cubicBezTo>
+                  <a:cubicBezTo>
+                    <a:pt x="1860244" y="314937"/>
+                    <a:pt x="1846225" y="320744"/>
+                    <a:pt x="1831607" y="320744"/>
+                  </a:cubicBezTo>
+                  <a:lnTo>
+                    <a:pt x="55117" y="320744"/>
+                  </a:lnTo>
+                  <a:cubicBezTo>
+                    <a:pt x="40499" y="320744"/>
+                    <a:pt x="26480" y="314937"/>
+                    <a:pt x="16143" y="304600"/>
+                  </a:cubicBezTo>
+                  <a:cubicBezTo>
+                    <a:pt x="5807" y="294264"/>
+                    <a:pt x="0" y="280245"/>
+                    <a:pt x="0" y="265627"/>
+                  </a:cubicBezTo>
+                  <a:lnTo>
+                    <a:pt x="0" y="55117"/>
+                  </a:lnTo>
+                  <a:cubicBezTo>
+                    <a:pt x="0" y="40499"/>
+                    <a:pt x="5807" y="26480"/>
+                    <a:pt x="16143" y="16143"/>
+                  </a:cubicBezTo>
+                  <a:cubicBezTo>
+                    <a:pt x="26480" y="5807"/>
+                    <a:pt x="40499" y="0"/>
+                    <a:pt x="55117" y="0"/>
+                  </a:cubicBezTo>
+                  <a:close/>
+                </a:path>
+              </a:pathLst>
+            </a:custGeom>
+            <a:solidFill>
+              <a:srgbClr val="0D0F68"/>
+            </a:solidFill>
+          </p:spPr>
+        </p:sp>
+        <p:sp>
+          <p:nvSpPr>
+            <p:cNvPr name="TextBox 4" id="4"/>
+            <p:cNvSpPr txBox="true"/>
+            <p:nvPr/>
+          </p:nvSpPr>
+          <p:spPr>
+            <a:xfrm>
+              <a:off x="0" y="-38100"/>
+              <a:ext cx="1886724" cy="358844"/>
+            </a:xfrm>
+            <a:prstGeom prst="rect">
+              <a:avLst/>
+            </a:prstGeom>
+          </p:spPr>
+          <p:txBody>
+            <a:bodyPr anchor="ctr" rtlCol="false" tIns="50800" lIns="50800" bIns="50800" rIns="50800"/>
+            <a:lstStyle/>
+            <a:p>
+              <a:pPr algn="ctr">
+                <a:lnSpc>
+                  <a:spcPts val="2659"/>
+                </a:lnSpc>
+                <a:spcBef>
+                  <a:spcPct val="0"/>
+                </a:spcBef>
+              </a:pPr>
+            </a:p>
+          </p:txBody>
+        </p:sp>
+      </p:grpSp>
+      <p:sp>
+        <p:nvSpPr>
+          <p:cNvPr name="Freeform 5" id="5"/>
+          <p:cNvSpPr/>
+          <p:nvPr/>
+        </p:nvSpPr>
+        <p:spPr>
+          <a:xfrm flipH="false" flipV="false" rot="0">
+            <a:off x="2276646" y="3461690"/>
+            <a:ext cx="13734707" cy="6180618"/>
+          </a:xfrm>
+          <a:custGeom>
+            <a:avLst/>
+            <a:gdLst/>
+            <a:ahLst/>
+            <a:cxnLst/>
+            <a:rect r="r" b="b" t="t" l="l"/>
+            <a:pathLst>
+              <a:path h="6180618" w="13734707">
+                <a:moveTo>
+                  <a:pt x="0" y="0"/>
+                </a:moveTo>
+                <a:lnTo>
+                  <a:pt x="13734708" y="0"/>
+                </a:lnTo>
+                <a:lnTo>
+                  <a:pt x="13734708" y="6180619"/>
+                </a:lnTo>
+                <a:lnTo>
+                  <a:pt x="0" y="6180619"/>
+                </a:lnTo>
+                <a:lnTo>
+                  <a:pt x="0" y="0"/>
+                </a:lnTo>
+                <a:close/>
+              </a:path>
+            </a:pathLst>
+          </a:custGeom>
+          <a:blipFill>
+            <a:blip r:embed="rId2"/>
+            <a:stretch>
+              <a:fillRect l="0" t="0" r="0" b="0"/>
+            </a:stretch>
+          </a:blipFill>
+        </p:spPr>
+      </p:sp>
+      <p:sp>
+        <p:nvSpPr>
+          <p:cNvPr name="TextBox 6" id="6"/>
+          <p:cNvSpPr txBox="true"/>
+          <p:nvPr/>
+        </p:nvSpPr>
+        <p:spPr>
+          <a:xfrm rot="0">
+            <a:off x="11601846" y="600075"/>
+            <a:ext cx="6318955" cy="771525"/>
+          </a:xfrm>
+          <a:prstGeom prst="rect">
+            <a:avLst/>
+          </a:prstGeom>
+        </p:spPr>
+        <p:txBody>
+          <a:bodyPr anchor="t" rtlCol="false" tIns="0" lIns="0" bIns="0" rIns="0">
+            <a:spAutoFit/>
+          </a:bodyPr>
+          <a:lstStyle/>
+          <a:p>
+            <a:pPr algn="ctr">
+              <a:lnSpc>
+                <a:spcPts val="6299"/>
+              </a:lnSpc>
+            </a:pPr>
+            <a:r>
+              <a:rPr lang="en-US" sz="4500">
+                <a:solidFill>
+                  <a:srgbClr val="FFFFFF"/>
+                </a:solidFill>
+                <a:latin typeface="Yeseva One"/>
+                <a:ea typeface="Yeseva One"/>
+                <a:cs typeface="Yeseva One"/>
+                <a:sym typeface="Yeseva One"/>
+              </a:rPr>
+              <a:t>2. Thiết kế hệ thống</a:t>
+            </a:r>
+          </a:p>
+        </p:txBody>
+      </p:sp>
+      <p:sp>
+        <p:nvSpPr>
+          <p:cNvPr name="TextBox 7" id="7"/>
+          <p:cNvSpPr txBox="true"/>
+          <p:nvPr/>
+        </p:nvSpPr>
+        <p:spPr>
+          <a:xfrm rot="0">
+            <a:off x="3524593" y="2059318"/>
+            <a:ext cx="11238815" cy="1047750"/>
+          </a:xfrm>
+          <a:prstGeom prst="rect">
+            <a:avLst/>
+          </a:prstGeom>
+        </p:spPr>
+        <p:txBody>
+          <a:bodyPr anchor="t" rtlCol="false" tIns="0" lIns="0" bIns="0" rIns="0">
+            <a:spAutoFit/>
+          </a:bodyPr>
+          <a:lstStyle/>
+          <a:p>
+            <a:pPr algn="ctr">
+              <a:lnSpc>
+                <a:spcPts val="8400"/>
+              </a:lnSpc>
+            </a:pPr>
+            <a:r>
+              <a:rPr lang="en-US" sz="6000">
+                <a:solidFill>
+                  <a:srgbClr val="0D0F68"/>
+                </a:solidFill>
+                <a:latin typeface="Yeseva One"/>
+                <a:ea typeface="Yeseva One"/>
+                <a:cs typeface="Yeseva One"/>
+                <a:sym typeface="Yeseva One"/>
+              </a:rPr>
+              <a:t>Cấu trúc Cache</a:t>
+            </a:r>
+          </a:p>
+        </p:txBody>
+      </p:sp>
+    </p:spTree>
+  </p:cSld>
+  <p:clrMapOvr>
+    <a:masterClrMapping/>
+  </p:clrMapOvr>
+  <p:transition spd="slow">
+    <p:push dir="l"/>
+  </p:transition>
+</p:sld>
+</file>
+
+<file path=ppt/slides/slide22.xml><?xml version="1.0" encoding="utf-8"?>
+<p:sld xmlns:p="http://schemas.openxmlformats.org/presentationml/2006/main" xmlns:a="http://schemas.openxmlformats.org/drawingml/2006/main" xmlns:r="http://schemas.openxmlformats.org/officeDocument/2006/relationships">
+  <p:cSld>
+    <p:spTree>
+      <p:nvGrpSpPr>
+        <p:cNvPr id="1" name=""/>
+        <p:cNvGrpSpPr/>
+        <p:nvPr/>
+      </p:nvGrpSpPr>
+      <p:grpSpPr>
+        <a:xfrm>
+          <a:off x="0" y="0"/>
+          <a:ext cx="0" cy="0"/>
+          <a:chOff x="0" y="0"/>
+          <a:chExt cx="0" cy="0"/>
+        </a:xfrm>
+      </p:grpSpPr>
+      <p:grpSp>
+        <p:nvGrpSpPr>
+          <p:cNvPr name="Group 2" id="2"/>
+          <p:cNvGrpSpPr/>
+          <p:nvPr/>
+        </p:nvGrpSpPr>
+        <p:grpSpPr>
+          <a:xfrm rot="0">
+            <a:off x="11601846" y="419788"/>
+            <a:ext cx="7163655" cy="1217823"/>
+            <a:chOff x="0" y="0"/>
+            <a:chExt cx="1886724" cy="320744"/>
+          </a:xfrm>
+        </p:grpSpPr>
+        <p:sp>
+          <p:nvSpPr>
+            <p:cNvPr name="Freeform 3" id="3"/>
+            <p:cNvSpPr/>
+            <p:nvPr/>
+          </p:nvSpPr>
+          <p:spPr>
+            <a:xfrm flipH="false" flipV="false" rot="0">
+              <a:off x="0" y="0"/>
+              <a:ext cx="1886724" cy="320744"/>
+            </a:xfrm>
+            <a:custGeom>
+              <a:avLst/>
+              <a:gdLst/>
+              <a:ahLst/>
+              <a:cxnLst/>
+              <a:rect r="r" b="b" t="t" l="l"/>
+              <a:pathLst>
+                <a:path h="320744" w="1886724">
+                  <a:moveTo>
+                    <a:pt x="55117" y="0"/>
+                  </a:moveTo>
+                  <a:lnTo>
+                    <a:pt x="1831607" y="0"/>
+                  </a:lnTo>
+                  <a:cubicBezTo>
+                    <a:pt x="1862047" y="0"/>
+                    <a:pt x="1886724" y="24677"/>
+                    <a:pt x="1886724" y="55117"/>
+                  </a:cubicBezTo>
+                  <a:lnTo>
+                    <a:pt x="1886724" y="265627"/>
+                  </a:lnTo>
+                  <a:cubicBezTo>
+                    <a:pt x="1886724" y="280245"/>
+                    <a:pt x="1880917" y="294264"/>
+                    <a:pt x="1870581" y="304600"/>
+                  </a:cubicBezTo>
+                  <a:cubicBezTo>
+                    <a:pt x="1860244" y="314937"/>
+                    <a:pt x="1846225" y="320744"/>
+                    <a:pt x="1831607" y="320744"/>
+                  </a:cubicBezTo>
+                  <a:lnTo>
+                    <a:pt x="55117" y="320744"/>
+                  </a:lnTo>
+                  <a:cubicBezTo>
+                    <a:pt x="40499" y="320744"/>
+                    <a:pt x="26480" y="314937"/>
+                    <a:pt x="16143" y="304600"/>
+                  </a:cubicBezTo>
+                  <a:cubicBezTo>
+                    <a:pt x="5807" y="294264"/>
+                    <a:pt x="0" y="280245"/>
+                    <a:pt x="0" y="265627"/>
+                  </a:cubicBezTo>
+                  <a:lnTo>
+                    <a:pt x="0" y="55117"/>
+                  </a:lnTo>
+                  <a:cubicBezTo>
+                    <a:pt x="0" y="40499"/>
+                    <a:pt x="5807" y="26480"/>
+                    <a:pt x="16143" y="16143"/>
+                  </a:cubicBezTo>
+                  <a:cubicBezTo>
+                    <a:pt x="26480" y="5807"/>
+                    <a:pt x="40499" y="0"/>
+                    <a:pt x="55117" y="0"/>
+                  </a:cubicBezTo>
+                  <a:close/>
+                </a:path>
+              </a:pathLst>
+            </a:custGeom>
+            <a:solidFill>
+              <a:srgbClr val="0D0F68"/>
+            </a:solidFill>
+          </p:spPr>
+        </p:sp>
+        <p:sp>
+          <p:nvSpPr>
+            <p:cNvPr name="TextBox 4" id="4"/>
+            <p:cNvSpPr txBox="true"/>
+            <p:nvPr/>
+          </p:nvSpPr>
+          <p:spPr>
+            <a:xfrm>
+              <a:off x="0" y="-38100"/>
+              <a:ext cx="1886724" cy="358844"/>
+            </a:xfrm>
+            <a:prstGeom prst="rect">
+              <a:avLst/>
+            </a:prstGeom>
+          </p:spPr>
+          <p:txBody>
+            <a:bodyPr anchor="ctr" rtlCol="false" tIns="50800" lIns="50800" bIns="50800" rIns="50800"/>
+            <a:lstStyle/>
+            <a:p>
+              <a:pPr algn="ctr">
+                <a:lnSpc>
+                  <a:spcPts val="2659"/>
+                </a:lnSpc>
+                <a:spcBef>
+                  <a:spcPct val="0"/>
+                </a:spcBef>
+              </a:pPr>
+            </a:p>
+          </p:txBody>
+        </p:sp>
+      </p:grpSp>
+      <p:sp>
+        <p:nvSpPr>
+          <p:cNvPr name="Freeform 5" id="5"/>
+          <p:cNvSpPr/>
+          <p:nvPr/>
+        </p:nvSpPr>
+        <p:spPr>
+          <a:xfrm flipH="false" flipV="false" rot="0">
+            <a:off x="441185" y="4124045"/>
+            <a:ext cx="9295671" cy="3760442"/>
+          </a:xfrm>
+          <a:custGeom>
+            <a:avLst/>
+            <a:gdLst/>
+            <a:ahLst/>
+            <a:cxnLst/>
+            <a:rect r="r" b="b" t="t" l="l"/>
+            <a:pathLst>
+              <a:path h="3760442" w="9295671">
+                <a:moveTo>
+                  <a:pt x="0" y="0"/>
+                </a:moveTo>
+                <a:lnTo>
+                  <a:pt x="9295671" y="0"/>
+                </a:lnTo>
+                <a:lnTo>
+                  <a:pt x="9295671" y="3760442"/>
+                </a:lnTo>
+                <a:lnTo>
+                  <a:pt x="0" y="3760442"/>
+                </a:lnTo>
+                <a:lnTo>
+                  <a:pt x="0" y="0"/>
+                </a:lnTo>
+                <a:close/>
+              </a:path>
+            </a:pathLst>
+          </a:custGeom>
+          <a:blipFill>
+            <a:blip r:embed="rId2"/>
+            <a:stretch>
+              <a:fillRect l="0" t="0" r="0" b="0"/>
+            </a:stretch>
+          </a:blipFill>
+        </p:spPr>
+      </p:sp>
+      <p:sp>
+        <p:nvSpPr>
+          <p:cNvPr name="Freeform 6" id="6"/>
+          <p:cNvSpPr/>
+          <p:nvPr/>
+        </p:nvSpPr>
+        <p:spPr>
+          <a:xfrm flipH="false" flipV="false" rot="0">
+            <a:off x="9951575" y="4507629"/>
+            <a:ext cx="8336425" cy="3220428"/>
+          </a:xfrm>
+          <a:custGeom>
+            <a:avLst/>
+            <a:gdLst/>
+            <a:ahLst/>
+            <a:cxnLst/>
+            <a:rect r="r" b="b" t="t" l="l"/>
+            <a:pathLst>
+              <a:path h="3220428" w="8336425">
+                <a:moveTo>
+                  <a:pt x="0" y="0"/>
+                </a:moveTo>
+                <a:lnTo>
+                  <a:pt x="8336425" y="0"/>
+                </a:lnTo>
+                <a:lnTo>
+                  <a:pt x="8336425" y="3220428"/>
+                </a:lnTo>
+                <a:lnTo>
+                  <a:pt x="0" y="3220428"/>
+                </a:lnTo>
+                <a:lnTo>
+                  <a:pt x="0" y="0"/>
+                </a:lnTo>
+                <a:close/>
+              </a:path>
+            </a:pathLst>
+          </a:custGeom>
+          <a:blipFill>
+            <a:blip r:embed="rId3"/>
+            <a:stretch>
+              <a:fillRect l="0" t="0" r="0" b="0"/>
+            </a:stretch>
+          </a:blipFill>
+        </p:spPr>
+      </p:sp>
+      <p:sp>
+        <p:nvSpPr>
+          <p:cNvPr name="TextBox 7" id="7"/>
+          <p:cNvSpPr txBox="true"/>
+          <p:nvPr/>
+        </p:nvSpPr>
+        <p:spPr>
+          <a:xfrm rot="0">
+            <a:off x="11601846" y="600075"/>
+            <a:ext cx="6318955" cy="771525"/>
+          </a:xfrm>
+          <a:prstGeom prst="rect">
+            <a:avLst/>
+          </a:prstGeom>
+        </p:spPr>
+        <p:txBody>
+          <a:bodyPr anchor="t" rtlCol="false" tIns="0" lIns="0" bIns="0" rIns="0">
+            <a:spAutoFit/>
+          </a:bodyPr>
+          <a:lstStyle/>
+          <a:p>
+            <a:pPr algn="ctr">
+              <a:lnSpc>
+                <a:spcPts val="6299"/>
+              </a:lnSpc>
+            </a:pPr>
+            <a:r>
+              <a:rPr lang="en-US" sz="4500">
+                <a:solidFill>
+                  <a:srgbClr val="FFFFFF"/>
+                </a:solidFill>
+                <a:latin typeface="Yeseva One"/>
+                <a:ea typeface="Yeseva One"/>
+                <a:cs typeface="Yeseva One"/>
+                <a:sym typeface="Yeseva One"/>
+              </a:rPr>
+              <a:t>2. Thiết kế hệ thống</a:t>
+            </a:r>
+          </a:p>
+        </p:txBody>
+      </p:sp>
+      <p:sp>
+        <p:nvSpPr>
+          <p:cNvPr name="TextBox 8" id="8"/>
+          <p:cNvSpPr txBox="true"/>
+          <p:nvPr/>
+        </p:nvSpPr>
+        <p:spPr>
+          <a:xfrm rot="0">
+            <a:off x="3522508" y="1982967"/>
+            <a:ext cx="11238815" cy="1047750"/>
+          </a:xfrm>
+          <a:prstGeom prst="rect">
+            <a:avLst/>
+          </a:prstGeom>
+        </p:spPr>
+        <p:txBody>
+          <a:bodyPr anchor="t" rtlCol="false" tIns="0" lIns="0" bIns="0" rIns="0">
+            <a:spAutoFit/>
+          </a:bodyPr>
+          <a:lstStyle/>
+          <a:p>
+            <a:pPr algn="ctr">
+              <a:lnSpc>
+                <a:spcPts val="8400"/>
+              </a:lnSpc>
+            </a:pPr>
+            <a:r>
+              <a:rPr lang="en-US" sz="6000">
+                <a:solidFill>
+                  <a:srgbClr val="0D0F68"/>
+                </a:solidFill>
+                <a:latin typeface="Yeseva One"/>
+                <a:ea typeface="Yeseva One"/>
+                <a:cs typeface="Yeseva One"/>
+                <a:sym typeface="Yeseva One"/>
+              </a:rPr>
+              <a:t>Tree Pseudo LRU</a:t>
+            </a:r>
+          </a:p>
+        </p:txBody>
+      </p:sp>
+    </p:spTree>
+  </p:cSld>
+  <p:clrMapOvr>
+    <a:masterClrMapping/>
+  </p:clrMapOvr>
+  <p:transition spd="slow">
+    <p:push dir="l"/>
+  </p:transition>
+</p:sld>
+</file>
+
+<file path=ppt/slides/slide23.xml><?xml version="1.0" encoding="utf-8"?>
+<p:sld xmlns:p="http://schemas.openxmlformats.org/presentationml/2006/main" xmlns:a="http://schemas.openxmlformats.org/drawingml/2006/main" xmlns:r="http://schemas.openxmlformats.org/officeDocument/2006/relationships">
+  <p:cSld>
+    <p:spTree>
+      <p:nvGrpSpPr>
+        <p:cNvPr id="1" name=""/>
+        <p:cNvGrpSpPr/>
+        <p:nvPr/>
+      </p:nvGrpSpPr>
+      <p:grpSpPr>
+        <a:xfrm>
+          <a:off x="0" y="0"/>
+          <a:ext cx="0" cy="0"/>
+          <a:chOff x="0" y="0"/>
+          <a:chExt cx="0" cy="0"/>
+        </a:xfrm>
+      </p:grpSpPr>
+      <p:grpSp>
+        <p:nvGrpSpPr>
+          <p:cNvPr name="Group 2" id="2"/>
+          <p:cNvGrpSpPr/>
+          <p:nvPr/>
+        </p:nvGrpSpPr>
+        <p:grpSpPr>
+          <a:xfrm rot="0">
+            <a:off x="11601846" y="419788"/>
+            <a:ext cx="7163655" cy="1217823"/>
+            <a:chOff x="0" y="0"/>
+            <a:chExt cx="1886724" cy="320744"/>
+          </a:xfrm>
+        </p:grpSpPr>
+        <p:sp>
+          <p:nvSpPr>
+            <p:cNvPr name="Freeform 3" id="3"/>
+            <p:cNvSpPr/>
+            <p:nvPr/>
+          </p:nvSpPr>
+          <p:spPr>
+            <a:xfrm flipH="false" flipV="false" rot="0">
+              <a:off x="0" y="0"/>
+              <a:ext cx="1886724" cy="320744"/>
+            </a:xfrm>
+            <a:custGeom>
+              <a:avLst/>
+              <a:gdLst/>
+              <a:ahLst/>
+              <a:cxnLst/>
+              <a:rect r="r" b="b" t="t" l="l"/>
+              <a:pathLst>
+                <a:path h="320744" w="1886724">
+                  <a:moveTo>
+                    <a:pt x="55117" y="0"/>
+                  </a:moveTo>
+                  <a:lnTo>
+                    <a:pt x="1831607" y="0"/>
+                  </a:lnTo>
+                  <a:cubicBezTo>
+                    <a:pt x="1862047" y="0"/>
+                    <a:pt x="1886724" y="24677"/>
+                    <a:pt x="1886724" y="55117"/>
+                  </a:cubicBezTo>
+                  <a:lnTo>
+                    <a:pt x="1886724" y="265627"/>
+                  </a:lnTo>
+                  <a:cubicBezTo>
+                    <a:pt x="1886724" y="280245"/>
+                    <a:pt x="1880917" y="294264"/>
+                    <a:pt x="1870581" y="304600"/>
+                  </a:cubicBezTo>
+                  <a:cubicBezTo>
+                    <a:pt x="1860244" y="314937"/>
+                    <a:pt x="1846225" y="320744"/>
+                    <a:pt x="1831607" y="320744"/>
+                  </a:cubicBezTo>
+                  <a:lnTo>
+                    <a:pt x="55117" y="320744"/>
+                  </a:lnTo>
+                  <a:cubicBezTo>
+                    <a:pt x="40499" y="320744"/>
+                    <a:pt x="26480" y="314937"/>
+                    <a:pt x="16143" y="304600"/>
+                  </a:cubicBezTo>
+                  <a:cubicBezTo>
+                    <a:pt x="5807" y="294264"/>
+                    <a:pt x="0" y="280245"/>
+                    <a:pt x="0" y="265627"/>
+                  </a:cubicBezTo>
+                  <a:lnTo>
+                    <a:pt x="0" y="55117"/>
+                  </a:lnTo>
+                  <a:cubicBezTo>
+                    <a:pt x="0" y="40499"/>
+                    <a:pt x="5807" y="26480"/>
+                    <a:pt x="16143" y="16143"/>
+                  </a:cubicBezTo>
+                  <a:cubicBezTo>
+                    <a:pt x="26480" y="5807"/>
+                    <a:pt x="40499" y="0"/>
+                    <a:pt x="55117" y="0"/>
+                  </a:cubicBezTo>
+                  <a:close/>
+                </a:path>
+              </a:pathLst>
+            </a:custGeom>
+            <a:solidFill>
+              <a:srgbClr val="0D0F68"/>
+            </a:solidFill>
+          </p:spPr>
+        </p:sp>
+        <p:sp>
+          <p:nvSpPr>
+            <p:cNvPr name="TextBox 4" id="4"/>
+            <p:cNvSpPr txBox="true"/>
+            <p:nvPr/>
+          </p:nvSpPr>
+          <p:spPr>
+            <a:xfrm>
+              <a:off x="0" y="-38100"/>
+              <a:ext cx="1886724" cy="358844"/>
+            </a:xfrm>
+            <a:prstGeom prst="rect">
+              <a:avLst/>
+            </a:prstGeom>
+          </p:spPr>
+          <p:txBody>
+            <a:bodyPr anchor="ctr" rtlCol="false" tIns="50800" lIns="50800" bIns="50800" rIns="50800"/>
+            <a:lstStyle/>
+            <a:p>
+              <a:pPr algn="ctr">
+                <a:lnSpc>
+                  <a:spcPts val="2659"/>
+                </a:lnSpc>
+                <a:spcBef>
+                  <a:spcPct val="0"/>
+                </a:spcBef>
+              </a:pPr>
+            </a:p>
+          </p:txBody>
+        </p:sp>
+      </p:grpSp>
+      <p:sp>
+        <p:nvSpPr>
+          <p:cNvPr name="Freeform 5" id="5"/>
+          <p:cNvSpPr/>
+          <p:nvPr/>
+        </p:nvSpPr>
+        <p:spPr>
+          <a:xfrm flipH="false" flipV="false" rot="0">
+            <a:off x="4003399" y="3380791"/>
+            <a:ext cx="10281202" cy="5877509"/>
+          </a:xfrm>
+          <a:custGeom>
+            <a:avLst/>
+            <a:gdLst/>
+            <a:ahLst/>
+            <a:cxnLst/>
+            <a:rect r="r" b="b" t="t" l="l"/>
+            <a:pathLst>
+              <a:path h="5877509" w="10281202">
+                <a:moveTo>
+                  <a:pt x="0" y="0"/>
+                </a:moveTo>
+                <a:lnTo>
+                  <a:pt x="10281202" y="0"/>
+                </a:lnTo>
+                <a:lnTo>
+                  <a:pt x="10281202" y="5877509"/>
+                </a:lnTo>
+                <a:lnTo>
+                  <a:pt x="0" y="5877509"/>
+                </a:lnTo>
+                <a:lnTo>
+                  <a:pt x="0" y="0"/>
+                </a:lnTo>
+                <a:close/>
+              </a:path>
+            </a:pathLst>
+          </a:custGeom>
+          <a:blipFill>
+            <a:blip r:embed="rId2"/>
+            <a:stretch>
+              <a:fillRect l="0" t="0" r="0" b="0"/>
+            </a:stretch>
+          </a:blipFill>
+        </p:spPr>
+      </p:sp>
+      <p:sp>
+        <p:nvSpPr>
+          <p:cNvPr name="TextBox 6" id="6"/>
+          <p:cNvSpPr txBox="true"/>
+          <p:nvPr/>
+        </p:nvSpPr>
+        <p:spPr>
+          <a:xfrm rot="0">
+            <a:off x="11601846" y="600075"/>
+            <a:ext cx="6318955" cy="771525"/>
+          </a:xfrm>
+          <a:prstGeom prst="rect">
+            <a:avLst/>
+          </a:prstGeom>
+        </p:spPr>
+        <p:txBody>
+          <a:bodyPr anchor="t" rtlCol="false" tIns="0" lIns="0" bIns="0" rIns="0">
+            <a:spAutoFit/>
+          </a:bodyPr>
+          <a:lstStyle/>
+          <a:p>
+            <a:pPr algn="ctr">
+              <a:lnSpc>
+                <a:spcPts val="6299"/>
+              </a:lnSpc>
+            </a:pPr>
+            <a:r>
+              <a:rPr lang="en-US" sz="4500">
+                <a:solidFill>
+                  <a:srgbClr val="FFFFFF"/>
+                </a:solidFill>
+                <a:latin typeface="Yeseva One"/>
+                <a:ea typeface="Yeseva One"/>
+                <a:cs typeface="Yeseva One"/>
+                <a:sym typeface="Yeseva One"/>
+              </a:rPr>
+              <a:t>2. Thiết kế hệ thống</a:t>
+            </a:r>
+          </a:p>
+        </p:txBody>
+      </p:sp>
+      <p:sp>
+        <p:nvSpPr>
+          <p:cNvPr name="TextBox 7" id="7"/>
+          <p:cNvSpPr txBox="true"/>
+          <p:nvPr/>
+        </p:nvSpPr>
+        <p:spPr>
+          <a:xfrm rot="0">
+            <a:off x="3524593" y="2059318"/>
+            <a:ext cx="11238815" cy="1047750"/>
+          </a:xfrm>
+          <a:prstGeom prst="rect">
+            <a:avLst/>
+          </a:prstGeom>
+        </p:spPr>
+        <p:txBody>
+          <a:bodyPr anchor="t" rtlCol="false" tIns="0" lIns="0" bIns="0" rIns="0">
+            <a:spAutoFit/>
+          </a:bodyPr>
+          <a:lstStyle/>
+          <a:p>
+            <a:pPr algn="ctr">
+              <a:lnSpc>
+                <a:spcPts val="8400"/>
+              </a:lnSpc>
+            </a:pPr>
+            <a:r>
+              <a:rPr lang="en-US" sz="6000">
+                <a:solidFill>
+                  <a:srgbClr val="0D0F68"/>
+                </a:solidFill>
+                <a:latin typeface="Yeseva One"/>
+                <a:ea typeface="Yeseva One"/>
+                <a:cs typeface="Yeseva One"/>
+                <a:sym typeface="Yeseva One"/>
+              </a:rPr>
+              <a:t>Cache controller</a:t>
+            </a:r>
+          </a:p>
+        </p:txBody>
+      </p:sp>
+    </p:spTree>
+  </p:cSld>
+  <p:clrMapOvr>
+    <a:masterClrMapping/>
+  </p:clrMapOvr>
+  <p:transition spd="slow">
+    <p:push dir="l"/>
+  </p:transition>
+</p:sld>
+</file>
+
+<file path=ppt/slides/slide24.xml><?xml version="1.0" encoding="utf-8"?>
+<p:sld xmlns:p="http://schemas.openxmlformats.org/presentationml/2006/main" xmlns:a="http://schemas.openxmlformats.org/drawingml/2006/main" xmlns:r="http://schemas.openxmlformats.org/officeDocument/2006/relationships">
+  <p:cSld>
+    <p:spTree>
+      <p:nvGrpSpPr>
+        <p:cNvPr id="1" name=""/>
+        <p:cNvGrpSpPr/>
+        <p:nvPr/>
+      </p:nvGrpSpPr>
+      <p:grpSpPr>
+        <a:xfrm>
+          <a:off x="0" y="0"/>
+          <a:ext cx="0" cy="0"/>
+          <a:chOff x="0" y="0"/>
+          <a:chExt cx="0" cy="0"/>
+        </a:xfrm>
+      </p:grpSpPr>
+      <p:grpSp>
+        <p:nvGrpSpPr>
+          <p:cNvPr name="Group 2" id="2"/>
+          <p:cNvGrpSpPr/>
+          <p:nvPr/>
+        </p:nvGrpSpPr>
+        <p:grpSpPr>
+          <a:xfrm rot="0">
+            <a:off x="11601846" y="419788"/>
+            <a:ext cx="7163655" cy="1217823"/>
+            <a:chOff x="0" y="0"/>
+            <a:chExt cx="1886724" cy="320744"/>
+          </a:xfrm>
+        </p:grpSpPr>
+        <p:sp>
+          <p:nvSpPr>
+            <p:cNvPr name="Freeform 3" id="3"/>
+            <p:cNvSpPr/>
+            <p:nvPr/>
+          </p:nvSpPr>
+          <p:spPr>
+            <a:xfrm flipH="false" flipV="false" rot="0">
+              <a:off x="0" y="0"/>
+              <a:ext cx="1886724" cy="320744"/>
+            </a:xfrm>
+            <a:custGeom>
+              <a:avLst/>
+              <a:gdLst/>
+              <a:ahLst/>
+              <a:cxnLst/>
+              <a:rect r="r" b="b" t="t" l="l"/>
+              <a:pathLst>
+                <a:path h="320744" w="1886724">
+                  <a:moveTo>
+                    <a:pt x="55117" y="0"/>
+                  </a:moveTo>
+                  <a:lnTo>
+                    <a:pt x="1831607" y="0"/>
+                  </a:lnTo>
+                  <a:cubicBezTo>
+                    <a:pt x="1862047" y="0"/>
+                    <a:pt x="1886724" y="24677"/>
+                    <a:pt x="1886724" y="55117"/>
+                  </a:cubicBezTo>
+                  <a:lnTo>
+                    <a:pt x="1886724" y="265627"/>
+                  </a:lnTo>
+                  <a:cubicBezTo>
+                    <a:pt x="1886724" y="280245"/>
+                    <a:pt x="1880917" y="294264"/>
+                    <a:pt x="1870581" y="304600"/>
+                  </a:cubicBezTo>
+                  <a:cubicBezTo>
+                    <a:pt x="1860244" y="314937"/>
+                    <a:pt x="1846225" y="320744"/>
+                    <a:pt x="1831607" y="320744"/>
+                  </a:cubicBezTo>
+                  <a:lnTo>
+                    <a:pt x="55117" y="320744"/>
+                  </a:lnTo>
+                  <a:cubicBezTo>
+                    <a:pt x="40499" y="320744"/>
+                    <a:pt x="26480" y="314937"/>
+                    <a:pt x="16143" y="304600"/>
+                  </a:cubicBezTo>
+                  <a:cubicBezTo>
+                    <a:pt x="5807" y="294264"/>
+                    <a:pt x="0" y="280245"/>
+                    <a:pt x="0" y="265627"/>
+                  </a:cubicBezTo>
+                  <a:lnTo>
+                    <a:pt x="0" y="55117"/>
+                  </a:lnTo>
+                  <a:cubicBezTo>
+                    <a:pt x="0" y="40499"/>
+                    <a:pt x="5807" y="26480"/>
+                    <a:pt x="16143" y="16143"/>
+                  </a:cubicBezTo>
+                  <a:cubicBezTo>
+                    <a:pt x="26480" y="5807"/>
+                    <a:pt x="40499" y="0"/>
+                    <a:pt x="55117" y="0"/>
+                  </a:cubicBezTo>
+                  <a:close/>
+                </a:path>
+              </a:pathLst>
+            </a:custGeom>
+            <a:solidFill>
+              <a:srgbClr val="0D0F68"/>
+            </a:solidFill>
+          </p:spPr>
+        </p:sp>
+        <p:sp>
+          <p:nvSpPr>
+            <p:cNvPr name="TextBox 4" id="4"/>
+            <p:cNvSpPr txBox="true"/>
+            <p:nvPr/>
+          </p:nvSpPr>
+          <p:spPr>
+            <a:xfrm>
+              <a:off x="0" y="-38100"/>
+              <a:ext cx="1886724" cy="358844"/>
+            </a:xfrm>
+            <a:prstGeom prst="rect">
+              <a:avLst/>
+            </a:prstGeom>
+          </p:spPr>
+          <p:txBody>
+            <a:bodyPr anchor="ctr" rtlCol="false" tIns="50800" lIns="50800" bIns="50800" rIns="50800"/>
+            <a:lstStyle/>
+            <a:p>
+              <a:pPr algn="ctr">
+                <a:lnSpc>
+                  <a:spcPts val="2659"/>
+                </a:lnSpc>
+                <a:spcBef>
+                  <a:spcPct val="0"/>
+                </a:spcBef>
+              </a:pPr>
+            </a:p>
+          </p:txBody>
+        </p:sp>
+      </p:grpSp>
+      <p:sp>
+        <p:nvSpPr>
+          <p:cNvPr name="Freeform 5" id="5"/>
+          <p:cNvSpPr/>
+          <p:nvPr/>
+        </p:nvSpPr>
+        <p:spPr>
+          <a:xfrm flipH="false" flipV="false" rot="0">
+            <a:off x="5588900" y="2718532"/>
+            <a:ext cx="7106031" cy="7271288"/>
+          </a:xfrm>
+          <a:custGeom>
+            <a:avLst/>
+            <a:gdLst/>
+            <a:ahLst/>
+            <a:cxnLst/>
+            <a:rect r="r" b="b" t="t" l="l"/>
+            <a:pathLst>
+              <a:path h="7271288" w="7106031">
+                <a:moveTo>
+                  <a:pt x="0" y="0"/>
+                </a:moveTo>
+                <a:lnTo>
+                  <a:pt x="7106032" y="0"/>
+                </a:lnTo>
+                <a:lnTo>
+                  <a:pt x="7106032" y="7271288"/>
+                </a:lnTo>
+                <a:lnTo>
+                  <a:pt x="0" y="7271288"/>
+                </a:lnTo>
+                <a:lnTo>
+                  <a:pt x="0" y="0"/>
+                </a:lnTo>
+                <a:close/>
+              </a:path>
+            </a:pathLst>
+          </a:custGeom>
+          <a:blipFill>
+            <a:blip r:embed="rId2"/>
+            <a:stretch>
+              <a:fillRect l="0" t="0" r="0" b="0"/>
+            </a:stretch>
+          </a:blipFill>
+        </p:spPr>
+      </p:sp>
+      <p:sp>
+        <p:nvSpPr>
+          <p:cNvPr name="TextBox 6" id="6"/>
+          <p:cNvSpPr txBox="true"/>
+          <p:nvPr/>
+        </p:nvSpPr>
+        <p:spPr>
+          <a:xfrm rot="0">
+            <a:off x="11601846" y="600075"/>
+            <a:ext cx="6318955" cy="771525"/>
+          </a:xfrm>
+          <a:prstGeom prst="rect">
+            <a:avLst/>
+          </a:prstGeom>
+        </p:spPr>
+        <p:txBody>
+          <a:bodyPr anchor="t" rtlCol="false" tIns="0" lIns="0" bIns="0" rIns="0">
+            <a:spAutoFit/>
+          </a:bodyPr>
+          <a:lstStyle/>
+          <a:p>
+            <a:pPr algn="ctr">
+              <a:lnSpc>
+                <a:spcPts val="6299"/>
+              </a:lnSpc>
+            </a:pPr>
+            <a:r>
+              <a:rPr lang="en-US" sz="4500">
+                <a:solidFill>
+                  <a:srgbClr val="FFFFFF"/>
+                </a:solidFill>
+                <a:latin typeface="Yeseva One"/>
+                <a:ea typeface="Yeseva One"/>
+                <a:cs typeface="Yeseva One"/>
+                <a:sym typeface="Yeseva One"/>
+              </a:rPr>
+              <a:t>2. Thiết kế hệ thống</a:t>
+            </a:r>
+          </a:p>
+        </p:txBody>
+      </p:sp>
+      <p:sp>
+        <p:nvSpPr>
+          <p:cNvPr name="TextBox 7" id="7"/>
+          <p:cNvSpPr txBox="true"/>
+          <p:nvPr/>
+        </p:nvSpPr>
+        <p:spPr>
+          <a:xfrm rot="0">
+            <a:off x="3522508" y="1504262"/>
+            <a:ext cx="11238815" cy="1047750"/>
+          </a:xfrm>
+          <a:prstGeom prst="rect">
+            <a:avLst/>
+          </a:prstGeom>
+        </p:spPr>
+        <p:txBody>
+          <a:bodyPr anchor="t" rtlCol="false" tIns="0" lIns="0" bIns="0" rIns="0">
+            <a:spAutoFit/>
+          </a:bodyPr>
+          <a:lstStyle/>
+          <a:p>
+            <a:pPr algn="ctr">
+              <a:lnSpc>
+                <a:spcPts val="8400"/>
+              </a:lnSpc>
+            </a:pPr>
+            <a:r>
+              <a:rPr lang="en-US" sz="6000">
+                <a:solidFill>
+                  <a:srgbClr val="0D0F68"/>
+                </a:solidFill>
+                <a:latin typeface="Yeseva One"/>
+                <a:ea typeface="Yeseva One"/>
+                <a:cs typeface="Yeseva One"/>
+                <a:sym typeface="Yeseva One"/>
+              </a:rPr>
+              <a:t>Cache Arbiter</a:t>
+            </a:r>
+          </a:p>
+        </p:txBody>
+      </p:sp>
+      <p:sp>
+        <p:nvSpPr>
+          <p:cNvPr name="TextBox 8" id="8"/>
+          <p:cNvSpPr txBox="true"/>
+          <p:nvPr/>
+        </p:nvSpPr>
+        <p:spPr>
+          <a:xfrm rot="0">
+            <a:off x="11601846" y="6846713"/>
+            <a:ext cx="6029110" cy="1758314"/>
+          </a:xfrm>
+          <a:prstGeom prst="rect">
+            <a:avLst/>
+          </a:prstGeom>
+        </p:spPr>
+        <p:txBody>
+          <a:bodyPr anchor="t" rtlCol="false" tIns="0" lIns="0" bIns="0" rIns="0">
+            <a:spAutoFit/>
+          </a:bodyPr>
+          <a:lstStyle/>
+          <a:p>
+            <a:pPr algn="ctr">
+              <a:lnSpc>
+                <a:spcPts val="7200"/>
+              </a:lnSpc>
+            </a:pPr>
+            <a:r>
+              <a:rPr lang="en-US" sz="3600">
+                <a:solidFill>
+                  <a:srgbClr val="0D0F68"/>
+                </a:solidFill>
+                <a:latin typeface="Yeseva One"/>
+                <a:ea typeface="Yeseva One"/>
+                <a:cs typeface="Yeseva One"/>
+                <a:sym typeface="Yeseva One"/>
+              </a:rPr>
+              <a:t>X: i-cache request valid</a:t>
+            </a:r>
+          </a:p>
+          <a:p>
+            <a:pPr algn="ctr">
+              <a:lnSpc>
+                <a:spcPts val="7200"/>
+              </a:lnSpc>
+            </a:pPr>
+            <a:r>
+              <a:rPr lang="en-US" sz="3600">
+                <a:solidFill>
+                  <a:srgbClr val="0D0F68"/>
+                </a:solidFill>
+                <a:latin typeface="Yeseva One"/>
+                <a:ea typeface="Yeseva One"/>
+                <a:cs typeface="Yeseva One"/>
+                <a:sym typeface="Yeseva One"/>
+              </a:rPr>
+              <a:t>Y: d-cache request valid</a:t>
+            </a:r>
+          </a:p>
+        </p:txBody>
+      </p:sp>
+    </p:spTree>
+  </p:cSld>
+  <p:clrMapOvr>
+    <a:masterClrMapping/>
+  </p:clrMapOvr>
+  <p:transition spd="slow">
+    <p:push dir="l"/>
+  </p:transition>
+</p:sld>
+</file>
+
+<file path=ppt/slides/slide25.xml><?xml version="1.0" encoding="utf-8"?>
+<p:sld xmlns:p="http://schemas.openxmlformats.org/presentationml/2006/main" xmlns:a="http://schemas.openxmlformats.org/drawingml/2006/main">
+  <p:cSld>
+    <p:spTree>
+      <p:nvGrpSpPr>
+        <p:cNvPr id="1" name=""/>
+        <p:cNvGrpSpPr/>
+        <p:nvPr/>
+      </p:nvGrpSpPr>
+      <p:grpSpPr>
+        <a:xfrm>
+          <a:off x="0" y="0"/>
+          <a:ext cx="0" cy="0"/>
+          <a:chOff x="0" y="0"/>
+          <a:chExt cx="0" cy="0"/>
+        </a:xfrm>
+      </p:grpSpPr>
+      <p:sp>
+        <p:nvSpPr>
+          <p:cNvPr name="TextBox 2" id="2"/>
+          <p:cNvSpPr txBox="true"/>
+          <p:nvPr/>
+        </p:nvSpPr>
+        <p:spPr>
+          <a:xfrm rot="0">
+            <a:off x="3517716" y="4116797"/>
+            <a:ext cx="11252568" cy="1377949"/>
+          </a:xfrm>
+          <a:prstGeom prst="rect">
+            <a:avLst/>
+          </a:prstGeom>
+        </p:spPr>
+        <p:txBody>
+          <a:bodyPr anchor="t" rtlCol="false" tIns="0" lIns="0" bIns="0" rIns="0">
+            <a:spAutoFit/>
+          </a:bodyPr>
+          <a:lstStyle/>
+          <a:p>
+            <a:pPr algn="ctr">
+              <a:lnSpc>
+                <a:spcPts val="11200"/>
+              </a:lnSpc>
+            </a:pPr>
+            <a:r>
+              <a:rPr lang="en-US" sz="8000">
+                <a:solidFill>
+                  <a:srgbClr val="0D0F68"/>
+                </a:solidFill>
+                <a:latin typeface="Yeseva One"/>
+                <a:ea typeface="Yeseva One"/>
+                <a:cs typeface="Yeseva One"/>
+                <a:sym typeface="Yeseva One"/>
+              </a:rPr>
+              <a:t>3. Kiểm tra thiết kế</a:t>
+            </a:r>
+          </a:p>
+        </p:txBody>
+      </p:sp>
+    </p:spTree>
+  </p:cSld>
+  <p:clrMapOvr>
+    <a:masterClrMapping/>
+  </p:clrMapOvr>
+  <p:transition spd="slow">
+    <p:push dir="l"/>
+  </p:transition>
+</p:sld>
+</file>
+
+<file path=ppt/slides/slide26.xml><?xml version="1.0" encoding="utf-8"?>
+<p:sld xmlns:p="http://schemas.openxmlformats.org/presentationml/2006/main" xmlns:a="http://schemas.openxmlformats.org/drawingml/2006/main">
+  <p:cSld>
+    <p:spTree>
+      <p:nvGrpSpPr>
+        <p:cNvPr id="1" name=""/>
+        <p:cNvGrpSpPr/>
+        <p:nvPr/>
+      </p:nvGrpSpPr>
+      <p:grpSpPr>
+        <a:xfrm>
+          <a:off x="0" y="0"/>
+          <a:ext cx="0" cy="0"/>
+          <a:chOff x="0" y="0"/>
+          <a:chExt cx="0" cy="0"/>
+        </a:xfrm>
+      </p:grpSpPr>
+      <p:grpSp>
+        <p:nvGrpSpPr>
+          <p:cNvPr name="Group 2" id="2"/>
+          <p:cNvGrpSpPr/>
+          <p:nvPr/>
+        </p:nvGrpSpPr>
+        <p:grpSpPr>
+          <a:xfrm rot="0">
+            <a:off x="11601846" y="419788"/>
+            <a:ext cx="7163655" cy="1217823"/>
+            <a:chOff x="0" y="0"/>
+            <a:chExt cx="1886724" cy="320744"/>
+          </a:xfrm>
+        </p:grpSpPr>
+        <p:sp>
+          <p:nvSpPr>
+            <p:cNvPr name="Freeform 3" id="3"/>
+            <p:cNvSpPr/>
+            <p:nvPr/>
+          </p:nvSpPr>
+          <p:spPr>
+            <a:xfrm flipH="false" flipV="false" rot="0">
+              <a:off x="0" y="0"/>
+              <a:ext cx="1886724" cy="320744"/>
+            </a:xfrm>
+            <a:custGeom>
+              <a:avLst/>
+              <a:gdLst/>
+              <a:ahLst/>
+              <a:cxnLst/>
+              <a:rect r="r" b="b" t="t" l="l"/>
+              <a:pathLst>
+                <a:path h="320744" w="1886724">
+                  <a:moveTo>
+                    <a:pt x="55117" y="0"/>
+                  </a:moveTo>
+                  <a:lnTo>
+                    <a:pt x="1831607" y="0"/>
+                  </a:lnTo>
+                  <a:cubicBezTo>
+                    <a:pt x="1862047" y="0"/>
+                    <a:pt x="1886724" y="24677"/>
+                    <a:pt x="1886724" y="55117"/>
+                  </a:cubicBezTo>
+                  <a:lnTo>
+                    <a:pt x="1886724" y="265627"/>
+                  </a:lnTo>
+                  <a:cubicBezTo>
+                    <a:pt x="1886724" y="280245"/>
+                    <a:pt x="1880917" y="294264"/>
+                    <a:pt x="1870581" y="304600"/>
+                  </a:cubicBezTo>
+                  <a:cubicBezTo>
+                    <a:pt x="1860244" y="314937"/>
+                    <a:pt x="1846225" y="320744"/>
+                    <a:pt x="1831607" y="320744"/>
+                  </a:cubicBezTo>
+                  <a:lnTo>
+                    <a:pt x="55117" y="320744"/>
+                  </a:lnTo>
+                  <a:cubicBezTo>
+                    <a:pt x="40499" y="320744"/>
+                    <a:pt x="26480" y="314937"/>
+                    <a:pt x="16143" y="304600"/>
+                  </a:cubicBezTo>
+                  <a:cubicBezTo>
+                    <a:pt x="5807" y="294264"/>
+                    <a:pt x="0" y="280245"/>
+                    <a:pt x="0" y="265627"/>
+                  </a:cubicBezTo>
+                  <a:lnTo>
+                    <a:pt x="0" y="55117"/>
+                  </a:lnTo>
+                  <a:cubicBezTo>
+                    <a:pt x="0" y="40499"/>
+                    <a:pt x="5807" y="26480"/>
+                    <a:pt x="16143" y="16143"/>
+                  </a:cubicBezTo>
+                  <a:cubicBezTo>
+                    <a:pt x="26480" y="5807"/>
+                    <a:pt x="40499" y="0"/>
+                    <a:pt x="55117" y="0"/>
+                  </a:cubicBezTo>
+                  <a:close/>
+                </a:path>
+              </a:pathLst>
+            </a:custGeom>
+            <a:solidFill>
+              <a:srgbClr val="0D0F68"/>
+            </a:solidFill>
+          </p:spPr>
+        </p:sp>
+        <p:sp>
+          <p:nvSpPr>
+            <p:cNvPr name="TextBox 4" id="4"/>
+            <p:cNvSpPr txBox="true"/>
+            <p:nvPr/>
+          </p:nvSpPr>
+          <p:spPr>
+            <a:xfrm>
+              <a:off x="0" y="-38100"/>
+              <a:ext cx="1886724" cy="358844"/>
+            </a:xfrm>
+            <a:prstGeom prst="rect">
+              <a:avLst/>
+            </a:prstGeom>
+          </p:spPr>
+          <p:txBody>
+            <a:bodyPr anchor="ctr" rtlCol="false" tIns="50800" lIns="50800" bIns="50800" rIns="50800"/>
+            <a:lstStyle/>
+            <a:p>
+              <a:pPr algn="ctr">
+                <a:lnSpc>
+                  <a:spcPts val="2659"/>
+                </a:lnSpc>
+                <a:spcBef>
+                  <a:spcPct val="0"/>
+                </a:spcBef>
+              </a:pPr>
+            </a:p>
+          </p:txBody>
+        </p:sp>
+      </p:grpSp>
+      <p:sp>
+        <p:nvSpPr>
+          <p:cNvPr name="TextBox 5" id="5"/>
+          <p:cNvSpPr txBox="true"/>
+          <p:nvPr/>
+        </p:nvSpPr>
+        <p:spPr>
+          <a:xfrm rot="0">
+            <a:off x="11601846" y="600075"/>
+            <a:ext cx="6318955" cy="771525"/>
+          </a:xfrm>
+          <a:prstGeom prst="rect">
+            <a:avLst/>
+          </a:prstGeom>
+        </p:spPr>
+        <p:txBody>
+          <a:bodyPr anchor="t" rtlCol="false" tIns="0" lIns="0" bIns="0" rIns="0">
+            <a:spAutoFit/>
+          </a:bodyPr>
+          <a:lstStyle/>
+          <a:p>
+            <a:pPr algn="ctr">
+              <a:lnSpc>
+                <a:spcPts val="6299"/>
+              </a:lnSpc>
+            </a:pPr>
+            <a:r>
+              <a:rPr lang="en-US" sz="4500">
+                <a:solidFill>
+                  <a:srgbClr val="FFFFFF"/>
+                </a:solidFill>
+                <a:latin typeface="Yeseva One"/>
+                <a:ea typeface="Yeseva One"/>
+                <a:cs typeface="Yeseva One"/>
+                <a:sym typeface="Yeseva One"/>
+              </a:rPr>
+              <a:t>3. Kiểm tra thiết kế</a:t>
+            </a:r>
+          </a:p>
+        </p:txBody>
+      </p:sp>
+      <p:sp>
+        <p:nvSpPr>
+          <p:cNvPr name="TextBox 6" id="6"/>
+          <p:cNvSpPr txBox="true"/>
+          <p:nvPr/>
+        </p:nvSpPr>
+        <p:spPr>
+          <a:xfrm rot="0">
+            <a:off x="2633585" y="2745105"/>
+            <a:ext cx="9900876" cy="4501514"/>
+          </a:xfrm>
+          <a:prstGeom prst="rect">
+            <a:avLst/>
+          </a:prstGeom>
+        </p:spPr>
+        <p:txBody>
+          <a:bodyPr anchor="t" rtlCol="false" tIns="0" lIns="0" bIns="0" rIns="0">
+            <a:spAutoFit/>
+          </a:bodyPr>
+          <a:lstStyle/>
+          <a:p>
+            <a:pPr algn="l">
+              <a:lnSpc>
+                <a:spcPts val="7200"/>
+              </a:lnSpc>
+            </a:pPr>
+            <a:r>
+              <a:rPr lang="en-US" sz="3600">
+                <a:solidFill>
+                  <a:srgbClr val="0D0F68"/>
+                </a:solidFill>
+                <a:latin typeface="Yeseva One"/>
+                <a:ea typeface="Yeseva One"/>
+                <a:cs typeface="Yeseva One"/>
+                <a:sym typeface="Yeseva One"/>
+              </a:rPr>
+              <a:t>Các câu lệnh.</a:t>
+            </a:r>
+          </a:p>
+          <a:p>
+            <a:pPr algn="l">
+              <a:lnSpc>
+                <a:spcPts val="7200"/>
+              </a:lnSpc>
+            </a:pPr>
+            <a:r>
+              <a:rPr lang="en-US" sz="3600">
+                <a:solidFill>
+                  <a:srgbClr val="0D0F68"/>
+                </a:solidFill>
+                <a:latin typeface="Yeseva One"/>
+                <a:ea typeface="Yeseva One"/>
+                <a:cs typeface="Yeseva One"/>
+                <a:sym typeface="Yeseva One"/>
+              </a:rPr>
+              <a:t>Các trường hợp hazard.</a:t>
+            </a:r>
+          </a:p>
+          <a:p>
+            <a:pPr algn="l">
+              <a:lnSpc>
+                <a:spcPts val="7200"/>
+              </a:lnSpc>
+            </a:pPr>
+            <a:r>
+              <a:rPr lang="en-US" sz="3600">
+                <a:solidFill>
+                  <a:srgbClr val="0D0F68"/>
+                </a:solidFill>
+                <a:latin typeface="Yeseva One"/>
+                <a:ea typeface="Yeseva One"/>
+                <a:cs typeface="Yeseva One"/>
+                <a:sym typeface="Yeseva One"/>
+              </a:rPr>
+              <a:t>Hoạt động của i-cache, d-cache.</a:t>
+            </a:r>
+          </a:p>
+          <a:p>
+            <a:pPr algn="l">
+              <a:lnSpc>
+                <a:spcPts val="7200"/>
+              </a:lnSpc>
+            </a:pPr>
+            <a:r>
+              <a:rPr lang="en-US" sz="3600">
+                <a:solidFill>
+                  <a:srgbClr val="0D0F68"/>
+                </a:solidFill>
+                <a:latin typeface="Yeseva One"/>
+                <a:ea typeface="Yeseva One"/>
+                <a:cs typeface="Yeseva One"/>
+                <a:sym typeface="Yeseva One"/>
+              </a:rPr>
+              <a:t>Hoạt động của L2 cache.</a:t>
+            </a:r>
+          </a:p>
+          <a:p>
+            <a:pPr algn="l">
+              <a:lnSpc>
+                <a:spcPts val="7200"/>
+              </a:lnSpc>
+            </a:pPr>
+            <a:r>
+              <a:rPr lang="en-US" sz="3600">
+                <a:solidFill>
+                  <a:srgbClr val="0D0F68"/>
+                </a:solidFill>
+                <a:latin typeface="Yeseva One"/>
+                <a:ea typeface="Yeseva One"/>
+                <a:cs typeface="Yeseva One"/>
+                <a:sym typeface="Yeseva One"/>
+              </a:rPr>
+              <a:t>Kiểm tra toàn hệ thống với benchmark.</a:t>
+            </a:r>
+          </a:p>
+        </p:txBody>
+      </p:sp>
+    </p:spTree>
+  </p:cSld>
+  <p:clrMapOvr>
+    <a:masterClrMapping/>
+  </p:clrMapOvr>
+  <p:transition spd="slow">
+    <p:push dir="l"/>
+  </p:transition>
+</p:sld>
+</file>
+
+<file path=ppt/slides/slide27.xml><?xml version="1.0" encoding="utf-8"?>
+<p:sld xmlns:p="http://schemas.openxmlformats.org/presentationml/2006/main" xmlns:a="http://schemas.openxmlformats.org/drawingml/2006/main">
+  <p:cSld>
+    <p:spTree>
+      <p:nvGrpSpPr>
+        <p:cNvPr id="1" name=""/>
+        <p:cNvGrpSpPr/>
+        <p:nvPr/>
+      </p:nvGrpSpPr>
+      <p:grpSpPr>
+        <a:xfrm>
+          <a:off x="0" y="0"/>
+          <a:ext cx="0" cy="0"/>
+          <a:chOff x="0" y="0"/>
+          <a:chExt cx="0" cy="0"/>
+        </a:xfrm>
+      </p:grpSpPr>
+      <p:grpSp>
+        <p:nvGrpSpPr>
+          <p:cNvPr name="Group 2" id="2"/>
+          <p:cNvGrpSpPr/>
+          <p:nvPr/>
+        </p:nvGrpSpPr>
+        <p:grpSpPr>
+          <a:xfrm rot="0">
+            <a:off x="11601846" y="419788"/>
+            <a:ext cx="7163655" cy="1217823"/>
+            <a:chOff x="0" y="0"/>
+            <a:chExt cx="1886724" cy="320744"/>
+          </a:xfrm>
+        </p:grpSpPr>
+        <p:sp>
+          <p:nvSpPr>
+            <p:cNvPr name="Freeform 3" id="3"/>
+            <p:cNvSpPr/>
+            <p:nvPr/>
+          </p:nvSpPr>
+          <p:spPr>
+            <a:xfrm flipH="false" flipV="false" rot="0">
+              <a:off x="0" y="0"/>
+              <a:ext cx="1886724" cy="320744"/>
+            </a:xfrm>
+            <a:custGeom>
+              <a:avLst/>
+              <a:gdLst/>
+              <a:ahLst/>
+              <a:cxnLst/>
+              <a:rect r="r" b="b" t="t" l="l"/>
+              <a:pathLst>
+                <a:path h="320744" w="1886724">
+                  <a:moveTo>
+                    <a:pt x="55117" y="0"/>
+                  </a:moveTo>
+                  <a:lnTo>
+                    <a:pt x="1831607" y="0"/>
+                  </a:lnTo>
+                  <a:cubicBezTo>
+                    <a:pt x="1862047" y="0"/>
+                    <a:pt x="1886724" y="24677"/>
+                    <a:pt x="1886724" y="55117"/>
+                  </a:cubicBezTo>
+                  <a:lnTo>
+                    <a:pt x="1886724" y="265627"/>
+                  </a:lnTo>
+                  <a:cubicBezTo>
+                    <a:pt x="1886724" y="280245"/>
+                    <a:pt x="1880917" y="294264"/>
+                    <a:pt x="1870581" y="304600"/>
+                  </a:cubicBezTo>
+                  <a:cubicBezTo>
+                    <a:pt x="1860244" y="314937"/>
+                    <a:pt x="1846225" y="320744"/>
+                    <a:pt x="1831607" y="320744"/>
+                  </a:cubicBezTo>
+                  <a:lnTo>
+                    <a:pt x="55117" y="320744"/>
+                  </a:lnTo>
+                  <a:cubicBezTo>
+                    <a:pt x="40499" y="320744"/>
+                    <a:pt x="26480" y="314937"/>
+                    <a:pt x="16143" y="304600"/>
+                  </a:cubicBezTo>
+                  <a:cubicBezTo>
+                    <a:pt x="5807" y="294264"/>
+                    <a:pt x="0" y="280245"/>
+                    <a:pt x="0" y="265627"/>
+                  </a:cubicBezTo>
+                  <a:lnTo>
+                    <a:pt x="0" y="55117"/>
+                  </a:lnTo>
+                  <a:cubicBezTo>
+                    <a:pt x="0" y="40499"/>
+                    <a:pt x="5807" y="26480"/>
+                    <a:pt x="16143" y="16143"/>
+                  </a:cubicBezTo>
+                  <a:cubicBezTo>
+                    <a:pt x="26480" y="5807"/>
+                    <a:pt x="40499" y="0"/>
+                    <a:pt x="55117" y="0"/>
+                  </a:cubicBezTo>
+                  <a:close/>
+                </a:path>
+              </a:pathLst>
+            </a:custGeom>
+            <a:solidFill>
+              <a:srgbClr val="0D0F68"/>
+            </a:solidFill>
+          </p:spPr>
+        </p:sp>
+        <p:sp>
+          <p:nvSpPr>
+            <p:cNvPr name="TextBox 4" id="4"/>
+            <p:cNvSpPr txBox="true"/>
+            <p:nvPr/>
+          </p:nvSpPr>
+          <p:spPr>
+            <a:xfrm>
+              <a:off x="0" y="-38100"/>
+              <a:ext cx="1886724" cy="358844"/>
+            </a:xfrm>
+            <a:prstGeom prst="rect">
+              <a:avLst/>
+            </a:prstGeom>
+          </p:spPr>
+          <p:txBody>
+            <a:bodyPr anchor="ctr" rtlCol="false" tIns="50800" lIns="50800" bIns="50800" rIns="50800"/>
+            <a:lstStyle/>
+            <a:p>
+              <a:pPr algn="ctr">
+                <a:lnSpc>
+                  <a:spcPts val="2659"/>
+                </a:lnSpc>
+                <a:spcBef>
+                  <a:spcPct val="0"/>
+                </a:spcBef>
+              </a:pPr>
+            </a:p>
+          </p:txBody>
+        </p:sp>
+      </p:grpSp>
+      <p:sp>
+        <p:nvSpPr>
+          <p:cNvPr name="TextBox 5" id="5"/>
+          <p:cNvSpPr txBox="true"/>
+          <p:nvPr/>
+        </p:nvSpPr>
+        <p:spPr>
+          <a:xfrm rot="0">
+            <a:off x="11601846" y="600075"/>
+            <a:ext cx="6318955" cy="771525"/>
+          </a:xfrm>
+          <a:prstGeom prst="rect">
+            <a:avLst/>
+          </a:prstGeom>
+        </p:spPr>
+        <p:txBody>
+          <a:bodyPr anchor="t" rtlCol="false" tIns="0" lIns="0" bIns="0" rIns="0">
+            <a:spAutoFit/>
+          </a:bodyPr>
+          <a:lstStyle/>
+          <a:p>
+            <a:pPr algn="ctr">
+              <a:lnSpc>
+                <a:spcPts val="6299"/>
+              </a:lnSpc>
+            </a:pPr>
+            <a:r>
+              <a:rPr lang="en-US" sz="4500">
+                <a:solidFill>
+                  <a:srgbClr val="FFFFFF"/>
+                </a:solidFill>
+                <a:latin typeface="Yeseva One"/>
+                <a:ea typeface="Yeseva One"/>
+                <a:cs typeface="Yeseva One"/>
+                <a:sym typeface="Yeseva One"/>
+              </a:rPr>
+              <a:t>3. Kiểm tra thiết kế</a:t>
+            </a:r>
+          </a:p>
+        </p:txBody>
+      </p:sp>
+      <p:sp>
+        <p:nvSpPr>
+          <p:cNvPr name="TextBox 6" id="6"/>
+          <p:cNvSpPr txBox="true"/>
+          <p:nvPr/>
+        </p:nvSpPr>
+        <p:spPr>
+          <a:xfrm rot="0">
+            <a:off x="2011841" y="4412508"/>
+            <a:ext cx="14818301" cy="2672714"/>
+          </a:xfrm>
+          <a:prstGeom prst="rect">
+            <a:avLst/>
+          </a:prstGeom>
+        </p:spPr>
+        <p:txBody>
+          <a:bodyPr anchor="t" rtlCol="false" tIns="0" lIns="0" bIns="0" rIns="0">
+            <a:spAutoFit/>
+          </a:bodyPr>
+          <a:lstStyle/>
+          <a:p>
+            <a:pPr algn="l">
+              <a:lnSpc>
+                <a:spcPts val="7200"/>
+              </a:lnSpc>
+            </a:pPr>
+            <a:r>
+              <a:rPr lang="en-US" sz="3600">
+                <a:solidFill>
+                  <a:srgbClr val="0D0F68"/>
+                </a:solidFill>
+                <a:latin typeface="Yeseva One"/>
+                <a:ea typeface="Yeseva One"/>
+                <a:cs typeface="Yeseva One"/>
+                <a:sym typeface="Yeseva One"/>
+              </a:rPr>
+              <a:t>Kích thước: I-cache, D-cache (512 bytes); L2-cache (2KB)</a:t>
+            </a:r>
+          </a:p>
+          <a:p>
+            <a:pPr algn="l">
+              <a:lnSpc>
+                <a:spcPts val="7200"/>
+              </a:lnSpc>
+            </a:pPr>
+            <a:r>
+              <a:rPr lang="en-US" sz="3600">
+                <a:solidFill>
+                  <a:srgbClr val="0D0F68"/>
+                </a:solidFill>
+                <a:latin typeface="Yeseva One"/>
+                <a:ea typeface="Yeseva One"/>
+                <a:cs typeface="Yeseva One"/>
+                <a:sym typeface="Yeseva One"/>
+              </a:rPr>
+              <a:t>Cấu trúc: 8-ways set associative</a:t>
+            </a:r>
+          </a:p>
+          <a:p>
+            <a:pPr algn="l">
+              <a:lnSpc>
+                <a:spcPts val="7200"/>
+              </a:lnSpc>
+            </a:pPr>
+            <a:r>
+              <a:rPr lang="en-US" sz="3600">
+                <a:solidFill>
+                  <a:srgbClr val="0D0F68"/>
+                </a:solidFill>
+                <a:latin typeface="Yeseva One"/>
+                <a:ea typeface="Yeseva One"/>
+                <a:cs typeface="Yeseva One"/>
+                <a:sym typeface="Yeseva One"/>
+              </a:rPr>
+              <a:t>Blocks: 128 bit</a:t>
+            </a:r>
+          </a:p>
+        </p:txBody>
+      </p:sp>
+      <p:sp>
+        <p:nvSpPr>
+          <p:cNvPr name="TextBox 7" id="7"/>
+          <p:cNvSpPr txBox="true"/>
+          <p:nvPr/>
+        </p:nvSpPr>
+        <p:spPr>
+          <a:xfrm rot="0">
+            <a:off x="3524593" y="2822366"/>
+            <a:ext cx="11238815" cy="1047750"/>
+          </a:xfrm>
+          <a:prstGeom prst="rect">
+            <a:avLst/>
+          </a:prstGeom>
+        </p:spPr>
+        <p:txBody>
+          <a:bodyPr anchor="t" rtlCol="false" tIns="0" lIns="0" bIns="0" rIns="0">
+            <a:spAutoFit/>
+          </a:bodyPr>
+          <a:lstStyle/>
+          <a:p>
+            <a:pPr algn="ctr">
+              <a:lnSpc>
+                <a:spcPts val="8400"/>
+              </a:lnSpc>
+            </a:pPr>
+            <a:r>
+              <a:rPr lang="en-US" sz="6000">
+                <a:solidFill>
+                  <a:srgbClr val="0D0F68"/>
+                </a:solidFill>
+                <a:latin typeface="Yeseva One"/>
+                <a:ea typeface="Yeseva One"/>
+                <a:cs typeface="Yeseva One"/>
+                <a:sym typeface="Yeseva One"/>
+              </a:rPr>
+              <a:t>Các thông số của Cache</a:t>
+            </a:r>
+          </a:p>
+        </p:txBody>
+      </p:sp>
+    </p:spTree>
+  </p:cSld>
+  <p:clrMapOvr>
+    <a:masterClrMapping/>
+  </p:clrMapOvr>
+  <p:transition spd="slow">
+    <p:push dir="l"/>
+  </p:transition>
+</p:sld>
+</file>
+
+<file path=ppt/slides/slide28.xml><?xml version="1.0" encoding="utf-8"?>
+<p:sld xmlns:p="http://schemas.openxmlformats.org/presentationml/2006/main" xmlns:a="http://schemas.openxmlformats.org/drawingml/2006/main" xmlns:r="http://schemas.openxmlformats.org/officeDocument/2006/relationships">
+  <p:cSld>
+    <p:spTree>
+      <p:nvGrpSpPr>
+        <p:cNvPr id="1" name=""/>
+        <p:cNvGrpSpPr/>
+        <p:nvPr/>
+      </p:nvGrpSpPr>
+      <p:grpSpPr>
+        <a:xfrm>
+          <a:off x="0" y="0"/>
+          <a:ext cx="0" cy="0"/>
+          <a:chOff x="0" y="0"/>
+          <a:chExt cx="0" cy="0"/>
+        </a:xfrm>
+      </p:grpSpPr>
+      <p:grpSp>
+        <p:nvGrpSpPr>
+          <p:cNvPr name="Group 2" id="2"/>
+          <p:cNvGrpSpPr/>
+          <p:nvPr/>
+        </p:nvGrpSpPr>
+        <p:grpSpPr>
+          <a:xfrm rot="0">
+            <a:off x="11601846" y="419788"/>
+            <a:ext cx="7163655" cy="1217823"/>
+            <a:chOff x="0" y="0"/>
+            <a:chExt cx="1886724" cy="320744"/>
+          </a:xfrm>
+        </p:grpSpPr>
+        <p:sp>
+          <p:nvSpPr>
+            <p:cNvPr name="Freeform 3" id="3"/>
+            <p:cNvSpPr/>
+            <p:nvPr/>
+          </p:nvSpPr>
+          <p:spPr>
+            <a:xfrm flipH="false" flipV="false" rot="0">
+              <a:off x="0" y="0"/>
+              <a:ext cx="1886724" cy="320744"/>
+            </a:xfrm>
+            <a:custGeom>
+              <a:avLst/>
+              <a:gdLst/>
+              <a:ahLst/>
+              <a:cxnLst/>
+              <a:rect r="r" b="b" t="t" l="l"/>
+              <a:pathLst>
+                <a:path h="320744" w="1886724">
+                  <a:moveTo>
+                    <a:pt x="55117" y="0"/>
+                  </a:moveTo>
+                  <a:lnTo>
+                    <a:pt x="1831607" y="0"/>
+                  </a:lnTo>
+                  <a:cubicBezTo>
+                    <a:pt x="1862047" y="0"/>
+                    <a:pt x="1886724" y="24677"/>
+                    <a:pt x="1886724" y="55117"/>
+                  </a:cubicBezTo>
+                  <a:lnTo>
+                    <a:pt x="1886724" y="265627"/>
+                  </a:lnTo>
+                  <a:cubicBezTo>
+                    <a:pt x="1886724" y="280245"/>
+                    <a:pt x="1880917" y="294264"/>
+                    <a:pt x="1870581" y="304600"/>
+                  </a:cubicBezTo>
+                  <a:cubicBezTo>
+                    <a:pt x="1860244" y="314937"/>
+                    <a:pt x="1846225" y="320744"/>
+                    <a:pt x="1831607" y="320744"/>
+                  </a:cubicBezTo>
+                  <a:lnTo>
+                    <a:pt x="55117" y="320744"/>
+                  </a:lnTo>
+                  <a:cubicBezTo>
+                    <a:pt x="40499" y="320744"/>
+                    <a:pt x="26480" y="314937"/>
+                    <a:pt x="16143" y="304600"/>
+                  </a:cubicBezTo>
+                  <a:cubicBezTo>
+                    <a:pt x="5807" y="294264"/>
+                    <a:pt x="0" y="280245"/>
+                    <a:pt x="0" y="265627"/>
+                  </a:cubicBezTo>
+                  <a:lnTo>
+                    <a:pt x="0" y="55117"/>
+                  </a:lnTo>
+                  <a:cubicBezTo>
+                    <a:pt x="0" y="40499"/>
+                    <a:pt x="5807" y="26480"/>
+                    <a:pt x="16143" y="16143"/>
+                  </a:cubicBezTo>
+                  <a:cubicBezTo>
+                    <a:pt x="26480" y="5807"/>
+                    <a:pt x="40499" y="0"/>
+                    <a:pt x="55117" y="0"/>
+                  </a:cubicBezTo>
+                  <a:close/>
+                </a:path>
+              </a:pathLst>
+            </a:custGeom>
+            <a:solidFill>
+              <a:srgbClr val="0D0F68"/>
+            </a:solidFill>
+          </p:spPr>
+        </p:sp>
+        <p:sp>
+          <p:nvSpPr>
+            <p:cNvPr name="TextBox 4" id="4"/>
+            <p:cNvSpPr txBox="true"/>
+            <p:nvPr/>
+          </p:nvSpPr>
+          <p:spPr>
+            <a:xfrm>
+              <a:off x="0" y="-38100"/>
+              <a:ext cx="1886724" cy="358844"/>
+            </a:xfrm>
+            <a:prstGeom prst="rect">
+              <a:avLst/>
+            </a:prstGeom>
+          </p:spPr>
+          <p:txBody>
+            <a:bodyPr anchor="ctr" rtlCol="false" tIns="50800" lIns="50800" bIns="50800" rIns="50800"/>
+            <a:lstStyle/>
+            <a:p>
+              <a:pPr algn="ctr">
+                <a:lnSpc>
+                  <a:spcPts val="2659"/>
+                </a:lnSpc>
+                <a:spcBef>
+                  <a:spcPct val="0"/>
+                </a:spcBef>
+              </a:pPr>
+            </a:p>
+          </p:txBody>
+        </p:sp>
+      </p:grpSp>
+      <p:sp>
+        <p:nvSpPr>
+          <p:cNvPr name="Freeform 5" id="5"/>
+          <p:cNvSpPr/>
+          <p:nvPr/>
+        </p:nvSpPr>
+        <p:spPr>
+          <a:xfrm flipH="false" flipV="false" rot="0">
+            <a:off x="3882414" y="2935256"/>
+            <a:ext cx="11301259" cy="3559897"/>
+          </a:xfrm>
+          <a:custGeom>
+            <a:avLst/>
+            <a:gdLst/>
+            <a:ahLst/>
+            <a:cxnLst/>
+            <a:rect r="r" b="b" t="t" l="l"/>
+            <a:pathLst>
+              <a:path h="3559897" w="11301259">
+                <a:moveTo>
+                  <a:pt x="0" y="0"/>
+                </a:moveTo>
+                <a:lnTo>
+                  <a:pt x="11301259" y="0"/>
+                </a:lnTo>
+                <a:lnTo>
+                  <a:pt x="11301259" y="3559897"/>
+                </a:lnTo>
+                <a:lnTo>
+                  <a:pt x="0" y="3559897"/>
+                </a:lnTo>
+                <a:lnTo>
+                  <a:pt x="0" y="0"/>
+                </a:lnTo>
+                <a:close/>
+              </a:path>
+            </a:pathLst>
+          </a:custGeom>
+          <a:blipFill>
+            <a:blip r:embed="rId2"/>
+            <a:stretch>
+              <a:fillRect l="0" t="0" r="0" b="0"/>
+            </a:stretch>
+          </a:blipFill>
+        </p:spPr>
+      </p:sp>
+      <p:sp>
+        <p:nvSpPr>
+          <p:cNvPr name="Freeform 6" id="6"/>
+          <p:cNvSpPr/>
+          <p:nvPr/>
+        </p:nvSpPr>
+        <p:spPr>
+          <a:xfrm flipH="false" flipV="false" rot="0">
+            <a:off x="3882414" y="6571711"/>
+            <a:ext cx="11301259" cy="3715289"/>
+          </a:xfrm>
+          <a:custGeom>
+            <a:avLst/>
+            <a:gdLst/>
+            <a:ahLst/>
+            <a:cxnLst/>
+            <a:rect r="r" b="b" t="t" l="l"/>
+            <a:pathLst>
+              <a:path h="3715289" w="11301259">
+                <a:moveTo>
+                  <a:pt x="0" y="0"/>
+                </a:moveTo>
+                <a:lnTo>
+                  <a:pt x="11301259" y="0"/>
+                </a:lnTo>
+                <a:lnTo>
+                  <a:pt x="11301259" y="3715289"/>
+                </a:lnTo>
+                <a:lnTo>
+                  <a:pt x="0" y="3715289"/>
+                </a:lnTo>
+                <a:lnTo>
+                  <a:pt x="0" y="0"/>
+                </a:lnTo>
+                <a:close/>
+              </a:path>
+            </a:pathLst>
+          </a:custGeom>
+          <a:blipFill>
+            <a:blip r:embed="rId3"/>
+            <a:stretch>
+              <a:fillRect l="0" t="0" r="0" b="0"/>
+            </a:stretch>
+          </a:blipFill>
+        </p:spPr>
+      </p:sp>
+      <p:sp>
+        <p:nvSpPr>
+          <p:cNvPr name="TextBox 7" id="7"/>
+          <p:cNvSpPr txBox="true"/>
+          <p:nvPr/>
+        </p:nvSpPr>
+        <p:spPr>
+          <a:xfrm rot="0">
+            <a:off x="11601846" y="600075"/>
+            <a:ext cx="6318955" cy="771525"/>
+          </a:xfrm>
+          <a:prstGeom prst="rect">
+            <a:avLst/>
+          </a:prstGeom>
+        </p:spPr>
+        <p:txBody>
+          <a:bodyPr anchor="t" rtlCol="false" tIns="0" lIns="0" bIns="0" rIns="0">
+            <a:spAutoFit/>
+          </a:bodyPr>
+          <a:lstStyle/>
+          <a:p>
+            <a:pPr algn="ctr">
+              <a:lnSpc>
+                <a:spcPts val="6299"/>
+              </a:lnSpc>
+            </a:pPr>
+            <a:r>
+              <a:rPr lang="en-US" sz="4500">
+                <a:solidFill>
+                  <a:srgbClr val="FFFFFF"/>
+                </a:solidFill>
+                <a:latin typeface="Yeseva One"/>
+                <a:ea typeface="Yeseva One"/>
+                <a:cs typeface="Yeseva One"/>
+                <a:sym typeface="Yeseva One"/>
+              </a:rPr>
+              <a:t>3. Kiểm tra thiết kế</a:t>
+            </a:r>
+          </a:p>
+        </p:txBody>
+      </p:sp>
+      <p:sp>
+        <p:nvSpPr>
+          <p:cNvPr name="TextBox 8" id="8"/>
+          <p:cNvSpPr txBox="true"/>
+          <p:nvPr/>
+        </p:nvSpPr>
+        <p:spPr>
+          <a:xfrm rot="0">
+            <a:off x="2938629" y="1504262"/>
+            <a:ext cx="13188828" cy="1047750"/>
+          </a:xfrm>
+          <a:prstGeom prst="rect">
+            <a:avLst/>
+          </a:prstGeom>
+        </p:spPr>
+        <p:txBody>
+          <a:bodyPr anchor="t" rtlCol="false" tIns="0" lIns="0" bIns="0" rIns="0">
+            <a:spAutoFit/>
+          </a:bodyPr>
+          <a:lstStyle/>
+          <a:p>
+            <a:pPr algn="ctr">
+              <a:lnSpc>
+                <a:spcPts val="8400"/>
+              </a:lnSpc>
+            </a:pPr>
+            <a:r>
+              <a:rPr lang="en-US" sz="6000">
+                <a:solidFill>
+                  <a:srgbClr val="0D0F68"/>
+                </a:solidFill>
+                <a:latin typeface="Yeseva One"/>
+                <a:ea typeface="Yeseva One"/>
+                <a:cs typeface="Yeseva One"/>
+                <a:sym typeface="Yeseva One"/>
+              </a:rPr>
+              <a:t>Kiểm tra hoạt động của L2 cache</a:t>
+            </a:r>
+          </a:p>
+        </p:txBody>
+      </p:sp>
+    </p:spTree>
+  </p:cSld>
+  <p:clrMapOvr>
+    <a:masterClrMapping/>
+  </p:clrMapOvr>
+  <p:transition spd="slow">
+    <p:push dir="l"/>
+  </p:transition>
+</p:sld>
+</file>
+
+<file path=ppt/slides/slide29.xml><?xml version="1.0" encoding="utf-8"?>
+<p:sld xmlns:p="http://schemas.openxmlformats.org/presentationml/2006/main" xmlns:a="http://schemas.openxmlformats.org/drawingml/2006/main" xmlns:r="http://schemas.openxmlformats.org/officeDocument/2006/relationships">
+  <p:cSld>
+    <p:spTree>
+      <p:nvGrpSpPr>
+        <p:cNvPr id="1" name=""/>
+        <p:cNvGrpSpPr/>
+        <p:nvPr/>
+      </p:nvGrpSpPr>
+      <p:grpSpPr>
+        <a:xfrm>
+          <a:off x="0" y="0"/>
+          <a:ext cx="0" cy="0"/>
+          <a:chOff x="0" y="0"/>
+          <a:chExt cx="0" cy="0"/>
+        </a:xfrm>
+      </p:grpSpPr>
+      <p:grpSp>
+        <p:nvGrpSpPr>
+          <p:cNvPr name="Group 2" id="2"/>
+          <p:cNvGrpSpPr/>
+          <p:nvPr/>
+        </p:nvGrpSpPr>
+        <p:grpSpPr>
+          <a:xfrm rot="0">
+            <a:off x="11601846" y="419788"/>
+            <a:ext cx="7163655" cy="1217823"/>
+            <a:chOff x="0" y="0"/>
+            <a:chExt cx="1886724" cy="320744"/>
+          </a:xfrm>
+        </p:grpSpPr>
+        <p:sp>
+          <p:nvSpPr>
+            <p:cNvPr name="Freeform 3" id="3"/>
+            <p:cNvSpPr/>
+            <p:nvPr/>
+          </p:nvSpPr>
+          <p:spPr>
+            <a:xfrm flipH="false" flipV="false" rot="0">
+              <a:off x="0" y="0"/>
+              <a:ext cx="1886724" cy="320744"/>
+            </a:xfrm>
+            <a:custGeom>
+              <a:avLst/>
+              <a:gdLst/>
+              <a:ahLst/>
+              <a:cxnLst/>
+              <a:rect r="r" b="b" t="t" l="l"/>
+              <a:pathLst>
+                <a:path h="320744" w="1886724">
+                  <a:moveTo>
+                    <a:pt x="55117" y="0"/>
+                  </a:moveTo>
+                  <a:lnTo>
+                    <a:pt x="1831607" y="0"/>
+                  </a:lnTo>
+                  <a:cubicBezTo>
+                    <a:pt x="1862047" y="0"/>
+                    <a:pt x="1886724" y="24677"/>
+                    <a:pt x="1886724" y="55117"/>
+                  </a:cubicBezTo>
+                  <a:lnTo>
+                    <a:pt x="1886724" y="265627"/>
+                  </a:lnTo>
+                  <a:cubicBezTo>
+                    <a:pt x="1886724" y="280245"/>
+                    <a:pt x="1880917" y="294264"/>
+                    <a:pt x="1870581" y="304600"/>
+                  </a:cubicBezTo>
+                  <a:cubicBezTo>
+                    <a:pt x="1860244" y="314937"/>
+                    <a:pt x="1846225" y="320744"/>
+                    <a:pt x="1831607" y="320744"/>
+                  </a:cubicBezTo>
+                  <a:lnTo>
+                    <a:pt x="55117" y="320744"/>
+                  </a:lnTo>
+                  <a:cubicBezTo>
+                    <a:pt x="40499" y="320744"/>
+                    <a:pt x="26480" y="314937"/>
+                    <a:pt x="16143" y="304600"/>
+                  </a:cubicBezTo>
+                  <a:cubicBezTo>
+                    <a:pt x="5807" y="294264"/>
+                    <a:pt x="0" y="280245"/>
+                    <a:pt x="0" y="265627"/>
+                  </a:cubicBezTo>
+                  <a:lnTo>
+                    <a:pt x="0" y="55117"/>
+                  </a:lnTo>
+                  <a:cubicBezTo>
+                    <a:pt x="0" y="40499"/>
+                    <a:pt x="5807" y="26480"/>
+                    <a:pt x="16143" y="16143"/>
+                  </a:cubicBezTo>
+                  <a:cubicBezTo>
+                    <a:pt x="26480" y="5807"/>
+                    <a:pt x="40499" y="0"/>
+                    <a:pt x="55117" y="0"/>
+                  </a:cubicBezTo>
+                  <a:close/>
+                </a:path>
+              </a:pathLst>
+            </a:custGeom>
+            <a:solidFill>
+              <a:srgbClr val="0D0F68"/>
+            </a:solidFill>
+          </p:spPr>
+        </p:sp>
+        <p:sp>
+          <p:nvSpPr>
+            <p:cNvPr name="TextBox 4" id="4"/>
+            <p:cNvSpPr txBox="true"/>
+            <p:nvPr/>
+          </p:nvSpPr>
+          <p:spPr>
+            <a:xfrm>
+              <a:off x="0" y="-38100"/>
+              <a:ext cx="1886724" cy="358844"/>
+            </a:xfrm>
+            <a:prstGeom prst="rect">
+              <a:avLst/>
+            </a:prstGeom>
+          </p:spPr>
+          <p:txBody>
+            <a:bodyPr anchor="ctr" rtlCol="false" tIns="50800" lIns="50800" bIns="50800" rIns="50800"/>
+            <a:lstStyle/>
+            <a:p>
+              <a:pPr algn="ctr">
+                <a:lnSpc>
+                  <a:spcPts val="2659"/>
+                </a:lnSpc>
+                <a:spcBef>
+                  <a:spcPct val="0"/>
+                </a:spcBef>
+              </a:pPr>
+            </a:p>
+          </p:txBody>
+        </p:sp>
+      </p:grpSp>
+      <p:sp>
+        <p:nvSpPr>
+          <p:cNvPr name="Freeform 5" id="5"/>
+          <p:cNvSpPr/>
+          <p:nvPr/>
+        </p:nvSpPr>
+        <p:spPr>
+          <a:xfrm flipH="false" flipV="false" rot="0">
+            <a:off x="5008663" y="3054250"/>
+            <a:ext cx="12703311" cy="1699068"/>
+          </a:xfrm>
+          <a:custGeom>
+            <a:avLst/>
+            <a:gdLst/>
+            <a:ahLst/>
+            <a:cxnLst/>
+            <a:rect r="r" b="b" t="t" l="l"/>
+            <a:pathLst>
+              <a:path h="1699068" w="12703311">
+                <a:moveTo>
+                  <a:pt x="0" y="0"/>
+                </a:moveTo>
+                <a:lnTo>
+                  <a:pt x="12703310" y="0"/>
+                </a:lnTo>
+                <a:lnTo>
+                  <a:pt x="12703310" y="1699068"/>
+                </a:lnTo>
+                <a:lnTo>
+                  <a:pt x="0" y="1699068"/>
+                </a:lnTo>
+                <a:lnTo>
+                  <a:pt x="0" y="0"/>
+                </a:lnTo>
+                <a:close/>
+              </a:path>
+            </a:pathLst>
+          </a:custGeom>
+          <a:blipFill>
+            <a:blip r:embed="rId2"/>
+            <a:stretch>
+              <a:fillRect l="0" t="0" r="0" b="0"/>
+            </a:stretch>
+          </a:blipFill>
+        </p:spPr>
+      </p:sp>
+      <p:sp>
+        <p:nvSpPr>
+          <p:cNvPr name="Freeform 6" id="6"/>
+          <p:cNvSpPr/>
+          <p:nvPr/>
+        </p:nvSpPr>
+        <p:spPr>
+          <a:xfrm flipH="false" flipV="false" rot="0">
+            <a:off x="5008663" y="5143500"/>
+            <a:ext cx="12703311" cy="1826101"/>
+          </a:xfrm>
+          <a:custGeom>
+            <a:avLst/>
+            <a:gdLst/>
+            <a:ahLst/>
+            <a:cxnLst/>
+            <a:rect r="r" b="b" t="t" l="l"/>
+            <a:pathLst>
+              <a:path h="1826101" w="12703311">
+                <a:moveTo>
+                  <a:pt x="0" y="0"/>
+                </a:moveTo>
+                <a:lnTo>
+                  <a:pt x="12703310" y="0"/>
+                </a:lnTo>
+                <a:lnTo>
+                  <a:pt x="12703310" y="1826101"/>
+                </a:lnTo>
+                <a:lnTo>
+                  <a:pt x="0" y="1826101"/>
+                </a:lnTo>
+                <a:lnTo>
+                  <a:pt x="0" y="0"/>
+                </a:lnTo>
+                <a:close/>
+              </a:path>
+            </a:pathLst>
+          </a:custGeom>
+          <a:blipFill>
+            <a:blip r:embed="rId3"/>
+            <a:stretch>
+              <a:fillRect l="0" t="0" r="0" b="0"/>
+            </a:stretch>
+          </a:blipFill>
+        </p:spPr>
+      </p:sp>
+      <p:sp>
+        <p:nvSpPr>
+          <p:cNvPr name="Freeform 7" id="7"/>
+          <p:cNvSpPr/>
+          <p:nvPr/>
+        </p:nvSpPr>
+        <p:spPr>
+          <a:xfrm flipH="false" flipV="false" rot="0">
+            <a:off x="5008663" y="7360126"/>
+            <a:ext cx="12703311" cy="920990"/>
+          </a:xfrm>
+          <a:custGeom>
+            <a:avLst/>
+            <a:gdLst/>
+            <a:ahLst/>
+            <a:cxnLst/>
+            <a:rect r="r" b="b" t="t" l="l"/>
+            <a:pathLst>
+              <a:path h="920990" w="12703311">
+                <a:moveTo>
+                  <a:pt x="0" y="0"/>
+                </a:moveTo>
+                <a:lnTo>
+                  <a:pt x="12703310" y="0"/>
+                </a:lnTo>
+                <a:lnTo>
+                  <a:pt x="12703310" y="920990"/>
+                </a:lnTo>
+                <a:lnTo>
+                  <a:pt x="0" y="920990"/>
+                </a:lnTo>
+                <a:lnTo>
+                  <a:pt x="0" y="0"/>
+                </a:lnTo>
+                <a:close/>
+              </a:path>
+            </a:pathLst>
+          </a:custGeom>
+          <a:blipFill>
+            <a:blip r:embed="rId4"/>
+            <a:stretch>
+              <a:fillRect l="0" t="0" r="0" b="0"/>
+            </a:stretch>
+          </a:blipFill>
+        </p:spPr>
+      </p:sp>
+      <p:sp>
+        <p:nvSpPr>
+          <p:cNvPr name="TextBox 8" id="8"/>
+          <p:cNvSpPr txBox="true"/>
+          <p:nvPr/>
+        </p:nvSpPr>
+        <p:spPr>
+          <a:xfrm rot="0">
+            <a:off x="11601846" y="600075"/>
+            <a:ext cx="6318955" cy="771525"/>
+          </a:xfrm>
+          <a:prstGeom prst="rect">
+            <a:avLst/>
+          </a:prstGeom>
+        </p:spPr>
+        <p:txBody>
+          <a:bodyPr anchor="t" rtlCol="false" tIns="0" lIns="0" bIns="0" rIns="0">
+            <a:spAutoFit/>
+          </a:bodyPr>
+          <a:lstStyle/>
+          <a:p>
+            <a:pPr algn="ctr">
+              <a:lnSpc>
+                <a:spcPts val="6299"/>
+              </a:lnSpc>
+            </a:pPr>
+            <a:r>
+              <a:rPr lang="en-US" sz="4500">
+                <a:solidFill>
+                  <a:srgbClr val="FFFFFF"/>
+                </a:solidFill>
+                <a:latin typeface="Yeseva One"/>
+                <a:ea typeface="Yeseva One"/>
+                <a:cs typeface="Yeseva One"/>
+                <a:sym typeface="Yeseva One"/>
+              </a:rPr>
+              <a:t>3. Kiểm tra thiết kế</a:t>
+            </a:r>
+          </a:p>
+        </p:txBody>
+      </p:sp>
+      <p:sp>
+        <p:nvSpPr>
+          <p:cNvPr name="TextBox 9" id="9"/>
+          <p:cNvSpPr txBox="true"/>
+          <p:nvPr/>
+        </p:nvSpPr>
+        <p:spPr>
+          <a:xfrm rot="0">
+            <a:off x="2938629" y="1504262"/>
+            <a:ext cx="13188828" cy="1047750"/>
+          </a:xfrm>
+          <a:prstGeom prst="rect">
+            <a:avLst/>
+          </a:prstGeom>
+        </p:spPr>
+        <p:txBody>
+          <a:bodyPr anchor="t" rtlCol="false" tIns="0" lIns="0" bIns="0" rIns="0">
+            <a:spAutoFit/>
+          </a:bodyPr>
+          <a:lstStyle/>
+          <a:p>
+            <a:pPr algn="ctr">
+              <a:lnSpc>
+                <a:spcPts val="8400"/>
+              </a:lnSpc>
+            </a:pPr>
+            <a:r>
+              <a:rPr lang="en-US" sz="6000">
+                <a:solidFill>
+                  <a:srgbClr val="0D0F68"/>
+                </a:solidFill>
+                <a:latin typeface="Yeseva One"/>
+                <a:ea typeface="Yeseva One"/>
+                <a:cs typeface="Yeseva One"/>
+                <a:sym typeface="Yeseva One"/>
+              </a:rPr>
+              <a:t>Kiểm tra hoạt động của L2 cache</a:t>
+            </a:r>
+          </a:p>
+        </p:txBody>
+      </p:sp>
+      <p:sp>
+        <p:nvSpPr>
+          <p:cNvPr name="TextBox 10" id="10"/>
+          <p:cNvSpPr txBox="true"/>
+          <p:nvPr/>
+        </p:nvSpPr>
+        <p:spPr>
+          <a:xfrm rot="0">
+            <a:off x="-1266442" y="4667556"/>
+            <a:ext cx="7357380" cy="1758314"/>
+          </a:xfrm>
+          <a:prstGeom prst="rect">
+            <a:avLst/>
+          </a:prstGeom>
+        </p:spPr>
+        <p:txBody>
+          <a:bodyPr anchor="t" rtlCol="false" tIns="0" lIns="0" bIns="0" rIns="0">
+            <a:spAutoFit/>
+          </a:bodyPr>
+          <a:lstStyle/>
+          <a:p>
+            <a:pPr algn="ctr">
+              <a:lnSpc>
+                <a:spcPts val="7200"/>
+              </a:lnSpc>
+            </a:pPr>
+            <a:r>
+              <a:rPr lang="en-US" sz="3600">
+                <a:solidFill>
+                  <a:srgbClr val="0D0F68"/>
+                </a:solidFill>
+                <a:latin typeface="Yeseva One"/>
+                <a:ea typeface="Yeseva One"/>
+                <a:cs typeface="Yeseva One"/>
+                <a:sym typeface="Yeseva One"/>
+              </a:rPr>
+              <a:t>Khi L2 cache</a:t>
+            </a:r>
+          </a:p>
+          <a:p>
+            <a:pPr algn="ctr">
+              <a:lnSpc>
+                <a:spcPts val="7200"/>
+              </a:lnSpc>
+            </a:pPr>
+            <a:r>
+              <a:rPr lang="en-US" sz="3600">
+                <a:solidFill>
+                  <a:srgbClr val="0D0F68"/>
+                </a:solidFill>
+                <a:latin typeface="Yeseva One"/>
+                <a:ea typeface="Yeseva One"/>
+                <a:cs typeface="Yeseva One"/>
+                <a:sym typeface="Yeseva One"/>
+              </a:rPr>
+              <a:t> có set đầy</a:t>
+            </a:r>
+          </a:p>
+        </p:txBody>
+      </p:sp>
+    </p:spTree>
+  </p:cSld>
+  <p:clrMapOvr>
+    <a:masterClrMapping/>
+  </p:clrMapOvr>
+  <p:transition spd="slow">
+    <p:push dir="l"/>
+  </p:transition>
+</p:sld>
+</file>
+
+<file path=ppt/slides/slide3.xml><?xml version="1.0" encoding="utf-8"?>
+<p:sld xmlns:p="http://schemas.openxmlformats.org/presentationml/2006/main" xmlns:a="http://schemas.openxmlformats.org/drawingml/2006/main">
+  <p:cSld>
+    <p:spTree>
+      <p:nvGrpSpPr>
+        <p:cNvPr id="1" name=""/>
+        <p:cNvGrpSpPr/>
+        <p:nvPr/>
+      </p:nvGrpSpPr>
+      <p:grpSpPr>
+        <a:xfrm>
+          <a:off x="0" y="0"/>
+          <a:ext cx="0" cy="0"/>
+          <a:chOff x="0" y="0"/>
+          <a:chExt cx="0" cy="0"/>
+        </a:xfrm>
+      </p:grpSpPr>
+      <p:sp>
+        <p:nvSpPr>
+          <p:cNvPr name="TextBox 2" id="2"/>
+          <p:cNvSpPr txBox="true"/>
+          <p:nvPr/>
+        </p:nvSpPr>
+        <p:spPr>
+          <a:xfrm rot="0">
+            <a:off x="5948168" y="866775"/>
+            <a:ext cx="6391665" cy="1377949"/>
+          </a:xfrm>
+          <a:prstGeom prst="rect">
+            <a:avLst/>
+          </a:prstGeom>
+        </p:spPr>
+        <p:txBody>
+          <a:bodyPr anchor="t" rtlCol="false" tIns="0" lIns="0" bIns="0" rIns="0">
+            <a:spAutoFit/>
+          </a:bodyPr>
+          <a:lstStyle/>
+          <a:p>
+            <a:pPr algn="ctr">
+              <a:lnSpc>
+                <a:spcPts val="11200"/>
+              </a:lnSpc>
+            </a:pPr>
+            <a:r>
+              <a:rPr lang="en-US" sz="8000">
+                <a:solidFill>
+                  <a:srgbClr val="0D0F68"/>
+                </a:solidFill>
+                <a:latin typeface="Yeseva One"/>
+                <a:ea typeface="Yeseva One"/>
+                <a:cs typeface="Yeseva One"/>
+                <a:sym typeface="Yeseva One"/>
+              </a:rPr>
+              <a:t>Mục tiêu</a:t>
+            </a:r>
+          </a:p>
+        </p:txBody>
+      </p:sp>
+      <p:sp>
+        <p:nvSpPr>
+          <p:cNvPr name="TextBox 3" id="3"/>
+          <p:cNvSpPr txBox="true"/>
+          <p:nvPr/>
+        </p:nvSpPr>
+        <p:spPr>
+          <a:xfrm rot="0">
+            <a:off x="1834983" y="3049561"/>
+            <a:ext cx="14618035" cy="688975"/>
+          </a:xfrm>
+          <a:prstGeom prst="rect">
+            <a:avLst/>
+          </a:prstGeom>
+        </p:spPr>
+        <p:txBody>
+          <a:bodyPr anchor="t" rtlCol="false" tIns="0" lIns="0" bIns="0" rIns="0">
+            <a:spAutoFit/>
+          </a:bodyPr>
+          <a:lstStyle/>
+          <a:p>
+            <a:pPr algn="just">
+              <a:lnSpc>
+                <a:spcPts val="5599"/>
+              </a:lnSpc>
+            </a:pPr>
+            <a:r>
+              <a:rPr lang="en-US" sz="3999">
+                <a:solidFill>
+                  <a:srgbClr val="0D0F68"/>
+                </a:solidFill>
+                <a:latin typeface="Yeseva One"/>
+                <a:ea typeface="Yeseva One"/>
+                <a:cs typeface="Yeseva One"/>
+                <a:sym typeface="Yeseva One"/>
+              </a:rPr>
+              <a:t>Thiết kế 5-stage pipelined RISC-V processor (RV32I)</a:t>
+            </a:r>
+          </a:p>
+        </p:txBody>
+      </p:sp>
+      <p:sp>
+        <p:nvSpPr>
+          <p:cNvPr name="TextBox 4" id="4"/>
+          <p:cNvSpPr txBox="true"/>
+          <p:nvPr/>
+        </p:nvSpPr>
+        <p:spPr>
+          <a:xfrm rot="0">
+            <a:off x="3146086" y="4050550"/>
+            <a:ext cx="14618035" cy="688975"/>
+          </a:xfrm>
+          <a:prstGeom prst="rect">
+            <a:avLst/>
+          </a:prstGeom>
+        </p:spPr>
+        <p:txBody>
+          <a:bodyPr anchor="t" rtlCol="false" tIns="0" lIns="0" bIns="0" rIns="0">
+            <a:spAutoFit/>
+          </a:bodyPr>
+          <a:lstStyle/>
+          <a:p>
+            <a:pPr algn="just">
+              <a:lnSpc>
+                <a:spcPts val="5599"/>
+              </a:lnSpc>
+            </a:pPr>
+            <a:r>
+              <a:rPr lang="en-US" sz="3999">
+                <a:solidFill>
+                  <a:srgbClr val="0D0F68"/>
+                </a:solidFill>
+                <a:latin typeface="Yeseva One"/>
+                <a:ea typeface="Yeseva One"/>
+                <a:cs typeface="Yeseva One"/>
+                <a:sym typeface="Yeseva One"/>
+              </a:rPr>
+              <a:t>Hazard (forwarding)</a:t>
+            </a:r>
+          </a:p>
+        </p:txBody>
+      </p:sp>
+      <p:sp>
+        <p:nvSpPr>
+          <p:cNvPr name="TextBox 5" id="5"/>
+          <p:cNvSpPr txBox="true"/>
+          <p:nvPr/>
+        </p:nvSpPr>
+        <p:spPr>
+          <a:xfrm rot="0">
+            <a:off x="3146086" y="5053851"/>
+            <a:ext cx="14618035" cy="688975"/>
+          </a:xfrm>
+          <a:prstGeom prst="rect">
+            <a:avLst/>
+          </a:prstGeom>
+        </p:spPr>
+        <p:txBody>
+          <a:bodyPr anchor="t" rtlCol="false" tIns="0" lIns="0" bIns="0" rIns="0">
+            <a:spAutoFit/>
+          </a:bodyPr>
+          <a:lstStyle/>
+          <a:p>
+            <a:pPr algn="just">
+              <a:lnSpc>
+                <a:spcPts val="5599"/>
+              </a:lnSpc>
+            </a:pPr>
+            <a:r>
+              <a:rPr lang="en-US" sz="3999">
+                <a:solidFill>
+                  <a:srgbClr val="0D0F68"/>
+                </a:solidFill>
+                <a:latin typeface="Yeseva One"/>
+                <a:ea typeface="Yeseva One"/>
+                <a:cs typeface="Yeseva One"/>
+                <a:sym typeface="Yeseva One"/>
+              </a:rPr>
+              <a:t>Branch prediction: 2-bit scheme</a:t>
+            </a:r>
+          </a:p>
+        </p:txBody>
+      </p:sp>
+      <p:sp>
+        <p:nvSpPr>
+          <p:cNvPr name="TextBox 6" id="6"/>
+          <p:cNvSpPr txBox="true"/>
+          <p:nvPr/>
+        </p:nvSpPr>
+        <p:spPr>
+          <a:xfrm rot="0">
+            <a:off x="1834983" y="6315539"/>
+            <a:ext cx="14618035" cy="688975"/>
+          </a:xfrm>
+          <a:prstGeom prst="rect">
+            <a:avLst/>
+          </a:prstGeom>
+        </p:spPr>
+        <p:txBody>
+          <a:bodyPr anchor="t" rtlCol="false" tIns="0" lIns="0" bIns="0" rIns="0">
+            <a:spAutoFit/>
+          </a:bodyPr>
+          <a:lstStyle/>
+          <a:p>
+            <a:pPr algn="just">
+              <a:lnSpc>
+                <a:spcPts val="5599"/>
+              </a:lnSpc>
+            </a:pPr>
+            <a:r>
+              <a:rPr lang="en-US" sz="3999">
+                <a:solidFill>
+                  <a:srgbClr val="0D0F68"/>
+                </a:solidFill>
+                <a:latin typeface="Yeseva One"/>
+                <a:ea typeface="Yeseva One"/>
+                <a:cs typeface="Yeseva One"/>
+                <a:sym typeface="Yeseva One"/>
+              </a:rPr>
+              <a:t>Memory hierarchy</a:t>
+            </a:r>
+          </a:p>
+        </p:txBody>
+      </p:sp>
+      <p:sp>
+        <p:nvSpPr>
+          <p:cNvPr name="TextBox 7" id="7"/>
+          <p:cNvSpPr txBox="true"/>
+          <p:nvPr/>
+        </p:nvSpPr>
+        <p:spPr>
+          <a:xfrm rot="0">
+            <a:off x="3146086" y="7318839"/>
+            <a:ext cx="14618035" cy="688975"/>
+          </a:xfrm>
+          <a:prstGeom prst="rect">
+            <a:avLst/>
+          </a:prstGeom>
+        </p:spPr>
+        <p:txBody>
+          <a:bodyPr anchor="t" rtlCol="false" tIns="0" lIns="0" bIns="0" rIns="0">
+            <a:spAutoFit/>
+          </a:bodyPr>
+          <a:lstStyle/>
+          <a:p>
+            <a:pPr algn="just">
+              <a:lnSpc>
+                <a:spcPts val="5599"/>
+              </a:lnSpc>
+            </a:pPr>
+            <a:r>
+              <a:rPr lang="en-US" sz="3999">
+                <a:solidFill>
+                  <a:srgbClr val="0D0F68"/>
+                </a:solidFill>
+                <a:latin typeface="Yeseva One"/>
+                <a:ea typeface="Yeseva One"/>
+                <a:cs typeface="Yeseva One"/>
+                <a:sym typeface="Yeseva One"/>
+              </a:rPr>
+              <a:t>L1 cache: I-cache, D-cache</a:t>
+            </a:r>
+          </a:p>
+        </p:txBody>
+      </p:sp>
+      <p:sp>
+        <p:nvSpPr>
+          <p:cNvPr name="TextBox 8" id="8"/>
+          <p:cNvSpPr txBox="true"/>
+          <p:nvPr/>
+        </p:nvSpPr>
+        <p:spPr>
+          <a:xfrm rot="0">
+            <a:off x="3146086" y="8322139"/>
+            <a:ext cx="14618035" cy="688975"/>
+          </a:xfrm>
+          <a:prstGeom prst="rect">
+            <a:avLst/>
+          </a:prstGeom>
+        </p:spPr>
+        <p:txBody>
+          <a:bodyPr anchor="t" rtlCol="false" tIns="0" lIns="0" bIns="0" rIns="0">
+            <a:spAutoFit/>
+          </a:bodyPr>
+          <a:lstStyle/>
+          <a:p>
+            <a:pPr algn="just">
+              <a:lnSpc>
+                <a:spcPts val="5599"/>
+              </a:lnSpc>
+            </a:pPr>
+            <a:r>
+              <a:rPr lang="en-US" sz="3999">
+                <a:solidFill>
+                  <a:srgbClr val="0D0F68"/>
+                </a:solidFill>
+                <a:latin typeface="Yeseva One"/>
+                <a:ea typeface="Yeseva One"/>
+                <a:cs typeface="Yeseva One"/>
+                <a:sym typeface="Yeseva One"/>
+              </a:rPr>
+              <a:t>L2 cache</a:t>
+            </a:r>
+          </a:p>
+        </p:txBody>
+      </p:sp>
+    </p:spTree>
+  </p:cSld>
+  <p:clrMapOvr>
+    <a:masterClrMapping/>
+  </p:clrMapOvr>
+  <p:transition spd="slow">
+    <p:push dir="l"/>
+  </p:transition>
+</p:sld>
+</file>
+
+<file path=ppt/slides/slide30.xml><?xml version="1.0" encoding="utf-8"?>
+<p:sld xmlns:p="http://schemas.openxmlformats.org/presentationml/2006/main" xmlns:a="http://schemas.openxmlformats.org/drawingml/2006/main">
+  <p:cSld>
+    <p:spTree>
+      <p:nvGrpSpPr>
+        <p:cNvPr id="1" name=""/>
+        <p:cNvGrpSpPr/>
+        <p:nvPr/>
+      </p:nvGrpSpPr>
+      <p:grpSpPr>
+        <a:xfrm>
+          <a:off x="0" y="0"/>
+          <a:ext cx="0" cy="0"/>
+          <a:chOff x="0" y="0"/>
+          <a:chExt cx="0" cy="0"/>
+        </a:xfrm>
+      </p:grpSpPr>
+      <p:sp>
+        <p:nvSpPr>
+          <p:cNvPr name="TextBox 2" id="2"/>
+          <p:cNvSpPr txBox="true"/>
+          <p:nvPr/>
+        </p:nvSpPr>
+        <p:spPr>
+          <a:xfrm rot="0">
+            <a:off x="3517716" y="4116797"/>
+            <a:ext cx="11252568" cy="1377949"/>
+          </a:xfrm>
+          <a:prstGeom prst="rect">
+            <a:avLst/>
+          </a:prstGeom>
+        </p:spPr>
+        <p:txBody>
+          <a:bodyPr anchor="t" rtlCol="false" tIns="0" lIns="0" bIns="0" rIns="0">
+            <a:spAutoFit/>
+          </a:bodyPr>
+          <a:lstStyle/>
+          <a:p>
+            <a:pPr algn="ctr">
+              <a:lnSpc>
+                <a:spcPts val="11200"/>
+              </a:lnSpc>
+            </a:pPr>
+            <a:r>
+              <a:rPr lang="en-US" sz="8000">
+                <a:solidFill>
+                  <a:srgbClr val="0D0F68"/>
+                </a:solidFill>
+                <a:latin typeface="Yeseva One"/>
+                <a:ea typeface="Yeseva One"/>
+                <a:cs typeface="Yeseva One"/>
+                <a:sym typeface="Yeseva One"/>
+              </a:rPr>
+              <a:t>4. Đánh giá hệ thống</a:t>
+            </a:r>
+          </a:p>
+        </p:txBody>
+      </p:sp>
+    </p:spTree>
+  </p:cSld>
+  <p:clrMapOvr>
+    <a:masterClrMapping/>
+  </p:clrMapOvr>
+  <p:transition spd="slow">
+    <p:push dir="l"/>
+  </p:transition>
+</p:sld>
+</file>
+
+<file path=ppt/slides/slide31.xml><?xml version="1.0" encoding="utf-8"?>
+<p:sld xmlns:p="http://schemas.openxmlformats.org/presentationml/2006/main" xmlns:a="http://schemas.openxmlformats.org/drawingml/2006/main">
+  <p:cSld>
+    <p:spTree>
+      <p:nvGrpSpPr>
+        <p:cNvPr id="1" name=""/>
+        <p:cNvGrpSpPr/>
+        <p:nvPr/>
+      </p:nvGrpSpPr>
+      <p:grpSpPr>
+        <a:xfrm>
+          <a:off x="0" y="0"/>
+          <a:ext cx="0" cy="0"/>
+          <a:chOff x="0" y="0"/>
+          <a:chExt cx="0" cy="0"/>
+        </a:xfrm>
+      </p:grpSpPr>
+      <p:grpSp>
+        <p:nvGrpSpPr>
+          <p:cNvPr name="Group 2" id="2"/>
+          <p:cNvGrpSpPr/>
+          <p:nvPr/>
+        </p:nvGrpSpPr>
+        <p:grpSpPr>
+          <a:xfrm rot="0">
+            <a:off x="11601846" y="419788"/>
+            <a:ext cx="7163655" cy="1217823"/>
+            <a:chOff x="0" y="0"/>
+            <a:chExt cx="1886724" cy="320744"/>
+          </a:xfrm>
+        </p:grpSpPr>
+        <p:sp>
+          <p:nvSpPr>
+            <p:cNvPr name="Freeform 3" id="3"/>
+            <p:cNvSpPr/>
+            <p:nvPr/>
+          </p:nvSpPr>
+          <p:spPr>
+            <a:xfrm flipH="false" flipV="false" rot="0">
+              <a:off x="0" y="0"/>
+              <a:ext cx="1886724" cy="320744"/>
+            </a:xfrm>
+            <a:custGeom>
+              <a:avLst/>
+              <a:gdLst/>
+              <a:ahLst/>
+              <a:cxnLst/>
+              <a:rect r="r" b="b" t="t" l="l"/>
+              <a:pathLst>
+                <a:path h="320744" w="1886724">
+                  <a:moveTo>
+                    <a:pt x="55117" y="0"/>
+                  </a:moveTo>
+                  <a:lnTo>
+                    <a:pt x="1831607" y="0"/>
+                  </a:lnTo>
+                  <a:cubicBezTo>
+                    <a:pt x="1862047" y="0"/>
+                    <a:pt x="1886724" y="24677"/>
+                    <a:pt x="1886724" y="55117"/>
+                  </a:cubicBezTo>
+                  <a:lnTo>
+                    <a:pt x="1886724" y="265627"/>
+                  </a:lnTo>
+                  <a:cubicBezTo>
+                    <a:pt x="1886724" y="280245"/>
+                    <a:pt x="1880917" y="294264"/>
+                    <a:pt x="1870581" y="304600"/>
+                  </a:cubicBezTo>
+                  <a:cubicBezTo>
+                    <a:pt x="1860244" y="314937"/>
+                    <a:pt x="1846225" y="320744"/>
+                    <a:pt x="1831607" y="320744"/>
+                  </a:cubicBezTo>
+                  <a:lnTo>
+                    <a:pt x="55117" y="320744"/>
+                  </a:lnTo>
+                  <a:cubicBezTo>
+                    <a:pt x="40499" y="320744"/>
+                    <a:pt x="26480" y="314937"/>
+                    <a:pt x="16143" y="304600"/>
+                  </a:cubicBezTo>
+                  <a:cubicBezTo>
+                    <a:pt x="5807" y="294264"/>
+                    <a:pt x="0" y="280245"/>
+                    <a:pt x="0" y="265627"/>
+                  </a:cubicBezTo>
+                  <a:lnTo>
+                    <a:pt x="0" y="55117"/>
+                  </a:lnTo>
+                  <a:cubicBezTo>
+                    <a:pt x="0" y="40499"/>
+                    <a:pt x="5807" y="26480"/>
+                    <a:pt x="16143" y="16143"/>
+                  </a:cubicBezTo>
+                  <a:cubicBezTo>
+                    <a:pt x="26480" y="5807"/>
+                    <a:pt x="40499" y="0"/>
+                    <a:pt x="55117" y="0"/>
+                  </a:cubicBezTo>
+                  <a:close/>
+                </a:path>
+              </a:pathLst>
+            </a:custGeom>
+            <a:solidFill>
+              <a:srgbClr val="0D0F68"/>
+            </a:solidFill>
+          </p:spPr>
+        </p:sp>
+        <p:sp>
+          <p:nvSpPr>
+            <p:cNvPr name="TextBox 4" id="4"/>
+            <p:cNvSpPr txBox="true"/>
+            <p:nvPr/>
+          </p:nvSpPr>
+          <p:spPr>
+            <a:xfrm>
+              <a:off x="0" y="-38100"/>
+              <a:ext cx="1886724" cy="358844"/>
+            </a:xfrm>
+            <a:prstGeom prst="rect">
+              <a:avLst/>
+            </a:prstGeom>
+          </p:spPr>
+          <p:txBody>
+            <a:bodyPr anchor="ctr" rtlCol="false" tIns="50800" lIns="50800" bIns="50800" rIns="50800"/>
+            <a:lstStyle/>
+            <a:p>
+              <a:pPr algn="ctr">
+                <a:lnSpc>
+                  <a:spcPts val="2659"/>
+                </a:lnSpc>
+                <a:spcBef>
+                  <a:spcPct val="0"/>
+                </a:spcBef>
+              </a:pPr>
+            </a:p>
+          </p:txBody>
+        </p:sp>
+      </p:grpSp>
+      <p:sp>
+        <p:nvSpPr>
+          <p:cNvPr name="TextBox 5" id="5"/>
+          <p:cNvSpPr txBox="true"/>
+          <p:nvPr/>
+        </p:nvSpPr>
+        <p:spPr>
+          <a:xfrm rot="0">
+            <a:off x="11601846" y="600075"/>
+            <a:ext cx="6318955" cy="771525"/>
+          </a:xfrm>
+          <a:prstGeom prst="rect">
+            <a:avLst/>
+          </a:prstGeom>
+        </p:spPr>
+        <p:txBody>
+          <a:bodyPr anchor="t" rtlCol="false" tIns="0" lIns="0" bIns="0" rIns="0">
+            <a:spAutoFit/>
+          </a:bodyPr>
+          <a:lstStyle/>
+          <a:p>
+            <a:pPr algn="ctr">
+              <a:lnSpc>
+                <a:spcPts val="6299"/>
+              </a:lnSpc>
+            </a:pPr>
+            <a:r>
+              <a:rPr lang="en-US" sz="4500">
+                <a:solidFill>
+                  <a:srgbClr val="FFFFFF"/>
+                </a:solidFill>
+                <a:latin typeface="Yeseva One"/>
+                <a:ea typeface="Yeseva One"/>
+                <a:cs typeface="Yeseva One"/>
+                <a:sym typeface="Yeseva One"/>
+              </a:rPr>
+              <a:t>4. Đánh giá hệ thống</a:t>
+            </a:r>
+          </a:p>
+        </p:txBody>
+      </p:sp>
+      <p:sp>
+        <p:nvSpPr>
+          <p:cNvPr name="TextBox 6" id="6"/>
+          <p:cNvSpPr txBox="true"/>
+          <p:nvPr/>
+        </p:nvSpPr>
+        <p:spPr>
+          <a:xfrm rot="0">
+            <a:off x="1312371" y="1673828"/>
+            <a:ext cx="15663257" cy="1047750"/>
+          </a:xfrm>
+          <a:prstGeom prst="rect">
+            <a:avLst/>
+          </a:prstGeom>
+        </p:spPr>
+        <p:txBody>
+          <a:bodyPr anchor="t" rtlCol="false" tIns="0" lIns="0" bIns="0" rIns="0">
+            <a:spAutoFit/>
+          </a:bodyPr>
+          <a:lstStyle/>
+          <a:p>
+            <a:pPr algn="ctr">
+              <a:lnSpc>
+                <a:spcPts val="8400"/>
+              </a:lnSpc>
+            </a:pPr>
+            <a:r>
+              <a:rPr lang="en-US" sz="6000">
+                <a:solidFill>
+                  <a:srgbClr val="0D0F68"/>
+                </a:solidFill>
+                <a:latin typeface="Yeseva One"/>
+                <a:ea typeface="Yeseva One"/>
+                <a:cs typeface="Yeseva One"/>
+                <a:sym typeface="Yeseva One"/>
+              </a:rPr>
+              <a:t>Các giả định và thông số đánh giá</a:t>
+            </a:r>
+          </a:p>
+        </p:txBody>
+      </p:sp>
+      <p:sp>
+        <p:nvSpPr>
+          <p:cNvPr name="TextBox 7" id="7"/>
+          <p:cNvSpPr txBox="true"/>
+          <p:nvPr/>
+        </p:nvSpPr>
+        <p:spPr>
+          <a:xfrm rot="0">
+            <a:off x="1028700" y="3385186"/>
+            <a:ext cx="16230600" cy="1758314"/>
+          </a:xfrm>
+          <a:prstGeom prst="rect">
+            <a:avLst/>
+          </a:prstGeom>
+        </p:spPr>
+        <p:txBody>
+          <a:bodyPr anchor="t" rtlCol="false" tIns="0" lIns="0" bIns="0" rIns="0">
+            <a:spAutoFit/>
+          </a:bodyPr>
+          <a:lstStyle/>
+          <a:p>
+            <a:pPr algn="just">
+              <a:lnSpc>
+                <a:spcPts val="7200"/>
+              </a:lnSpc>
+            </a:pPr>
+            <a:r>
+              <a:rPr lang="en-US" sz="3600">
+                <a:solidFill>
+                  <a:srgbClr val="0D0F68"/>
+                </a:solidFill>
+                <a:latin typeface="Yeseva One"/>
+                <a:ea typeface="Yeseva One"/>
+                <a:cs typeface="Yeseva One"/>
+                <a:sym typeface="Yeseva One"/>
+              </a:rPr>
+              <a:t>AMAT (average memory access time) </a:t>
+            </a:r>
+          </a:p>
+          <a:p>
+            <a:pPr algn="just">
+              <a:lnSpc>
+                <a:spcPts val="7200"/>
+              </a:lnSpc>
+            </a:pPr>
+            <a:r>
+              <a:rPr lang="en-US" sz="3600">
+                <a:solidFill>
+                  <a:srgbClr val="0D0F68"/>
+                </a:solidFill>
+                <a:latin typeface="Yeseva One"/>
+                <a:ea typeface="Yeseva One"/>
+                <a:cs typeface="Yeseva One"/>
+                <a:sym typeface="Yeseva One"/>
+              </a:rPr>
+              <a:t>CPI (cycles per instruction)</a:t>
+            </a:r>
+          </a:p>
+        </p:txBody>
+      </p:sp>
+      <p:sp>
+        <p:nvSpPr>
+          <p:cNvPr name="TextBox 8" id="8"/>
+          <p:cNvSpPr txBox="true"/>
+          <p:nvPr/>
+        </p:nvSpPr>
+        <p:spPr>
+          <a:xfrm rot="0">
+            <a:off x="1028700" y="5810250"/>
+            <a:ext cx="16230600" cy="1758314"/>
+          </a:xfrm>
+          <a:prstGeom prst="rect">
+            <a:avLst/>
+          </a:prstGeom>
+        </p:spPr>
+        <p:txBody>
+          <a:bodyPr anchor="t" rtlCol="false" tIns="0" lIns="0" bIns="0" rIns="0">
+            <a:spAutoFit/>
+          </a:bodyPr>
+          <a:lstStyle/>
+          <a:p>
+            <a:pPr algn="just">
+              <a:lnSpc>
+                <a:spcPts val="7200"/>
+              </a:lnSpc>
+            </a:pPr>
+            <a:r>
+              <a:rPr lang="en-US" sz="3600">
+                <a:solidFill>
+                  <a:srgbClr val="0D0F68"/>
+                </a:solidFill>
+                <a:latin typeface="Yeseva One"/>
+                <a:ea typeface="Yeseva One"/>
+                <a:cs typeface="Yeseva One"/>
+                <a:sym typeface="Yeseva One"/>
+              </a:rPr>
+              <a:t>Giả định: thời gian truy cập L1 cache là 1ns, L2 cache là 10ns và thời gian truy cập bộ nhớ chính là 100ns. Chu kì mô phỏng là 2ns.</a:t>
+            </a:r>
+          </a:p>
+        </p:txBody>
+      </p:sp>
+    </p:spTree>
+  </p:cSld>
+  <p:clrMapOvr>
+    <a:masterClrMapping/>
+  </p:clrMapOvr>
+  <p:transition spd="slow">
+    <p:push dir="l"/>
+  </p:transition>
+</p:sld>
+</file>
+
+<file path=ppt/slides/slide32.xml><?xml version="1.0" encoding="utf-8"?>
+<p:sld xmlns:p="http://schemas.openxmlformats.org/presentationml/2006/main" xmlns:a="http://schemas.openxmlformats.org/drawingml/2006/main">
+  <p:cSld>
+    <p:spTree>
+      <p:nvGrpSpPr>
+        <p:cNvPr id="1" name=""/>
+        <p:cNvGrpSpPr/>
+        <p:nvPr/>
+      </p:nvGrpSpPr>
+      <p:grpSpPr>
+        <a:xfrm>
+          <a:off x="0" y="0"/>
+          <a:ext cx="0" cy="0"/>
+          <a:chOff x="0" y="0"/>
+          <a:chExt cx="0" cy="0"/>
+        </a:xfrm>
+      </p:grpSpPr>
+      <p:grpSp>
+        <p:nvGrpSpPr>
+          <p:cNvPr name="Group 2" id="2"/>
+          <p:cNvGrpSpPr/>
+          <p:nvPr/>
+        </p:nvGrpSpPr>
+        <p:grpSpPr>
+          <a:xfrm rot="0">
+            <a:off x="11601846" y="419788"/>
+            <a:ext cx="7163655" cy="1217823"/>
+            <a:chOff x="0" y="0"/>
+            <a:chExt cx="1886724" cy="320744"/>
+          </a:xfrm>
+        </p:grpSpPr>
+        <p:sp>
+          <p:nvSpPr>
+            <p:cNvPr name="Freeform 3" id="3"/>
+            <p:cNvSpPr/>
+            <p:nvPr/>
+          </p:nvSpPr>
+          <p:spPr>
+            <a:xfrm flipH="false" flipV="false" rot="0">
+              <a:off x="0" y="0"/>
+              <a:ext cx="1886724" cy="320744"/>
+            </a:xfrm>
+            <a:custGeom>
+              <a:avLst/>
+              <a:gdLst/>
+              <a:ahLst/>
+              <a:cxnLst/>
+              <a:rect r="r" b="b" t="t" l="l"/>
+              <a:pathLst>
+                <a:path h="320744" w="1886724">
+                  <a:moveTo>
+                    <a:pt x="55117" y="0"/>
+                  </a:moveTo>
+                  <a:lnTo>
+                    <a:pt x="1831607" y="0"/>
+                  </a:lnTo>
+                  <a:cubicBezTo>
+                    <a:pt x="1862047" y="0"/>
+                    <a:pt x="1886724" y="24677"/>
+                    <a:pt x="1886724" y="55117"/>
+                  </a:cubicBezTo>
+                  <a:lnTo>
+                    <a:pt x="1886724" y="265627"/>
+                  </a:lnTo>
+                  <a:cubicBezTo>
+                    <a:pt x="1886724" y="280245"/>
+                    <a:pt x="1880917" y="294264"/>
+                    <a:pt x="1870581" y="304600"/>
+                  </a:cubicBezTo>
+                  <a:cubicBezTo>
+                    <a:pt x="1860244" y="314937"/>
+                    <a:pt x="1846225" y="320744"/>
+                    <a:pt x="1831607" y="320744"/>
+                  </a:cubicBezTo>
+                  <a:lnTo>
+                    <a:pt x="55117" y="320744"/>
+                  </a:lnTo>
+                  <a:cubicBezTo>
+                    <a:pt x="40499" y="320744"/>
+                    <a:pt x="26480" y="314937"/>
+                    <a:pt x="16143" y="304600"/>
+                  </a:cubicBezTo>
+                  <a:cubicBezTo>
+                    <a:pt x="5807" y="294264"/>
+                    <a:pt x="0" y="280245"/>
+                    <a:pt x="0" y="265627"/>
+                  </a:cubicBezTo>
+                  <a:lnTo>
+                    <a:pt x="0" y="55117"/>
+                  </a:lnTo>
+                  <a:cubicBezTo>
+                    <a:pt x="0" y="40499"/>
+                    <a:pt x="5807" y="26480"/>
+                    <a:pt x="16143" y="16143"/>
+                  </a:cubicBezTo>
+                  <a:cubicBezTo>
+                    <a:pt x="26480" y="5807"/>
+                    <a:pt x="40499" y="0"/>
+                    <a:pt x="55117" y="0"/>
+                  </a:cubicBezTo>
+                  <a:close/>
+                </a:path>
+              </a:pathLst>
+            </a:custGeom>
+            <a:solidFill>
+              <a:srgbClr val="0D0F68"/>
+            </a:solidFill>
+          </p:spPr>
+        </p:sp>
+        <p:sp>
+          <p:nvSpPr>
+            <p:cNvPr name="TextBox 4" id="4"/>
+            <p:cNvSpPr txBox="true"/>
+            <p:nvPr/>
+          </p:nvSpPr>
+          <p:spPr>
+            <a:xfrm>
+              <a:off x="0" y="-38100"/>
+              <a:ext cx="1886724" cy="358844"/>
+            </a:xfrm>
+            <a:prstGeom prst="rect">
+              <a:avLst/>
+            </a:prstGeom>
+          </p:spPr>
+          <p:txBody>
+            <a:bodyPr anchor="ctr" rtlCol="false" tIns="50800" lIns="50800" bIns="50800" rIns="50800"/>
+            <a:lstStyle/>
+            <a:p>
+              <a:pPr algn="ctr">
+                <a:lnSpc>
+                  <a:spcPts val="2659"/>
+                </a:lnSpc>
+                <a:spcBef>
+                  <a:spcPct val="0"/>
+                </a:spcBef>
+              </a:pPr>
+            </a:p>
+          </p:txBody>
+        </p:sp>
+      </p:grpSp>
+      <p:sp>
+        <p:nvSpPr>
+          <p:cNvPr name="TextBox 5" id="5"/>
+          <p:cNvSpPr txBox="true"/>
+          <p:nvPr/>
+        </p:nvSpPr>
+        <p:spPr>
+          <a:xfrm rot="0">
+            <a:off x="11601846" y="600075"/>
+            <a:ext cx="6318955" cy="771525"/>
+          </a:xfrm>
+          <a:prstGeom prst="rect">
+            <a:avLst/>
+          </a:prstGeom>
+        </p:spPr>
+        <p:txBody>
+          <a:bodyPr anchor="t" rtlCol="false" tIns="0" lIns="0" bIns="0" rIns="0">
+            <a:spAutoFit/>
+          </a:bodyPr>
+          <a:lstStyle/>
+          <a:p>
+            <a:pPr algn="ctr">
+              <a:lnSpc>
+                <a:spcPts val="6299"/>
+              </a:lnSpc>
+            </a:pPr>
+            <a:r>
+              <a:rPr lang="en-US" sz="4500">
+                <a:solidFill>
+                  <a:srgbClr val="FFFFFF"/>
+                </a:solidFill>
+                <a:latin typeface="Yeseva One"/>
+                <a:ea typeface="Yeseva One"/>
+                <a:cs typeface="Yeseva One"/>
+                <a:sym typeface="Yeseva One"/>
+              </a:rPr>
+              <a:t>4. Đánh giá hệ thống</a:t>
+            </a:r>
+          </a:p>
+        </p:txBody>
+      </p:sp>
+      <p:sp>
+        <p:nvSpPr>
+          <p:cNvPr name="TextBox 6" id="6"/>
+          <p:cNvSpPr txBox="true"/>
+          <p:nvPr/>
+        </p:nvSpPr>
+        <p:spPr>
+          <a:xfrm rot="0">
+            <a:off x="1312371" y="1673828"/>
+            <a:ext cx="15663257" cy="2114550"/>
+          </a:xfrm>
+          <a:prstGeom prst="rect">
+            <a:avLst/>
+          </a:prstGeom>
+        </p:spPr>
+        <p:txBody>
+          <a:bodyPr anchor="t" rtlCol="false" tIns="0" lIns="0" bIns="0" rIns="0">
+            <a:spAutoFit/>
+          </a:bodyPr>
+          <a:lstStyle/>
+          <a:p>
+            <a:pPr algn="ctr">
+              <a:lnSpc>
+                <a:spcPts val="8400"/>
+              </a:lnSpc>
+            </a:pPr>
+            <a:r>
+              <a:rPr lang="en-US" sz="6000">
+                <a:solidFill>
+                  <a:srgbClr val="0D0F68"/>
+                </a:solidFill>
+                <a:latin typeface="Yeseva One"/>
+                <a:ea typeface="Yeseva One"/>
+                <a:cs typeface="Yeseva One"/>
+                <a:sym typeface="Yeseva One"/>
+              </a:rPr>
+              <a:t>Chương trình biến đổi số nhị phân thành thập phân </a:t>
+            </a:r>
+          </a:p>
+        </p:txBody>
+      </p:sp>
+      <p:sp>
+        <p:nvSpPr>
+          <p:cNvPr name="TextBox 7" id="7"/>
+          <p:cNvSpPr txBox="true"/>
+          <p:nvPr/>
+        </p:nvSpPr>
+        <p:spPr>
+          <a:xfrm rot="0">
+            <a:off x="1028700" y="4653666"/>
+            <a:ext cx="16230600" cy="3587114"/>
+          </a:xfrm>
+          <a:prstGeom prst="rect">
+            <a:avLst/>
+          </a:prstGeom>
+        </p:spPr>
+        <p:txBody>
+          <a:bodyPr anchor="t" rtlCol="false" tIns="0" lIns="0" bIns="0" rIns="0">
+            <a:spAutoFit/>
+          </a:bodyPr>
+          <a:lstStyle/>
+          <a:p>
+            <a:pPr algn="just">
+              <a:lnSpc>
+                <a:spcPts val="7200"/>
+              </a:lnSpc>
+            </a:pPr>
+            <a:r>
+              <a:rPr lang="en-US" sz="3600">
+                <a:solidFill>
+                  <a:srgbClr val="0D0F68"/>
+                </a:solidFill>
+                <a:latin typeface="Yeseva One"/>
+                <a:ea typeface="Yeseva One"/>
+                <a:cs typeface="Yeseva One"/>
+                <a:sym typeface="Yeseva One"/>
+              </a:rPr>
+              <a:t>L1 D-cache: số lần access là 259, số lần hit là 207, số lần miss là 52.</a:t>
+            </a:r>
+          </a:p>
+          <a:p>
+            <a:pPr algn="just">
+              <a:lnSpc>
+                <a:spcPts val="7200"/>
+              </a:lnSpc>
+            </a:pPr>
+            <a:r>
+              <a:rPr lang="en-US" sz="3600">
+                <a:solidFill>
+                  <a:srgbClr val="0D0F68"/>
+                </a:solidFill>
+                <a:latin typeface="Yeseva One"/>
+                <a:ea typeface="Yeseva One"/>
+                <a:cs typeface="Yeseva One"/>
+                <a:sym typeface="Yeseva One"/>
+              </a:rPr>
+              <a:t>L1 I-cache: số lần access là 1377, số lần hit là 1226, số lần miss: 151.</a:t>
+            </a:r>
+          </a:p>
+          <a:p>
+            <a:pPr algn="just">
+              <a:lnSpc>
+                <a:spcPts val="7200"/>
+              </a:lnSpc>
+            </a:pPr>
+            <a:r>
+              <a:rPr lang="en-US" sz="3600">
+                <a:solidFill>
+                  <a:srgbClr val="0D0F68"/>
+                </a:solidFill>
+                <a:latin typeface="Yeseva One"/>
+                <a:ea typeface="Yeseva One"/>
+                <a:cs typeface="Yeseva One"/>
+                <a:sym typeface="Yeseva One"/>
+              </a:rPr>
+              <a:t>L2 cache: số lần access là 187, số lần hit là 99, số lần miss là 88.</a:t>
+            </a:r>
+          </a:p>
+          <a:p>
+            <a:pPr algn="just">
+              <a:lnSpc>
+                <a:spcPts val="7200"/>
+              </a:lnSpc>
+            </a:pPr>
+          </a:p>
+        </p:txBody>
+      </p:sp>
+    </p:spTree>
+  </p:cSld>
+  <p:clrMapOvr>
+    <a:masterClrMapping/>
+  </p:clrMapOvr>
+  <p:transition spd="slow">
+    <p:push dir="l"/>
+  </p:transition>
+</p:sld>
+</file>
+
+<file path=ppt/slides/slide33.xml><?xml version="1.0" encoding="utf-8"?>
+<p:sld xmlns:p="http://schemas.openxmlformats.org/presentationml/2006/main" xmlns:a="http://schemas.openxmlformats.org/drawingml/2006/main" xmlns:r="http://schemas.openxmlformats.org/officeDocument/2006/relationships">
+  <p:cSld>
+    <p:spTree>
+      <p:nvGrpSpPr>
+        <p:cNvPr id="1" name=""/>
+        <p:cNvGrpSpPr/>
+        <p:nvPr/>
+      </p:nvGrpSpPr>
+      <p:grpSpPr>
+        <a:xfrm>
+          <a:off x="0" y="0"/>
+          <a:ext cx="0" cy="0"/>
+          <a:chOff x="0" y="0"/>
+          <a:chExt cx="0" cy="0"/>
+        </a:xfrm>
+      </p:grpSpPr>
+      <p:grpSp>
+        <p:nvGrpSpPr>
+          <p:cNvPr name="Group 2" id="2"/>
+          <p:cNvGrpSpPr/>
+          <p:nvPr/>
+        </p:nvGrpSpPr>
+        <p:grpSpPr>
+          <a:xfrm rot="0">
+            <a:off x="11601846" y="419788"/>
+            <a:ext cx="7163655" cy="1217823"/>
+            <a:chOff x="0" y="0"/>
+            <a:chExt cx="1886724" cy="320744"/>
+          </a:xfrm>
+        </p:grpSpPr>
+        <p:sp>
+          <p:nvSpPr>
+            <p:cNvPr name="Freeform 3" id="3"/>
+            <p:cNvSpPr/>
+            <p:nvPr/>
+          </p:nvSpPr>
+          <p:spPr>
+            <a:xfrm flipH="false" flipV="false" rot="0">
+              <a:off x="0" y="0"/>
+              <a:ext cx="1886724" cy="320744"/>
+            </a:xfrm>
+            <a:custGeom>
+              <a:avLst/>
+              <a:gdLst/>
+              <a:ahLst/>
+              <a:cxnLst/>
+              <a:rect r="r" b="b" t="t" l="l"/>
+              <a:pathLst>
+                <a:path h="320744" w="1886724">
+                  <a:moveTo>
+                    <a:pt x="55117" y="0"/>
+                  </a:moveTo>
+                  <a:lnTo>
+                    <a:pt x="1831607" y="0"/>
+                  </a:lnTo>
+                  <a:cubicBezTo>
+                    <a:pt x="1862047" y="0"/>
+                    <a:pt x="1886724" y="24677"/>
+                    <a:pt x="1886724" y="55117"/>
+                  </a:cubicBezTo>
+                  <a:lnTo>
+                    <a:pt x="1886724" y="265627"/>
+                  </a:lnTo>
+                  <a:cubicBezTo>
+                    <a:pt x="1886724" y="280245"/>
+                    <a:pt x="1880917" y="294264"/>
+                    <a:pt x="1870581" y="304600"/>
+                  </a:cubicBezTo>
+                  <a:cubicBezTo>
+                    <a:pt x="1860244" y="314937"/>
+                    <a:pt x="1846225" y="320744"/>
+                    <a:pt x="1831607" y="320744"/>
+                  </a:cubicBezTo>
+                  <a:lnTo>
+                    <a:pt x="55117" y="320744"/>
+                  </a:lnTo>
+                  <a:cubicBezTo>
+                    <a:pt x="40499" y="320744"/>
+                    <a:pt x="26480" y="314937"/>
+                    <a:pt x="16143" y="304600"/>
+                  </a:cubicBezTo>
+                  <a:cubicBezTo>
+                    <a:pt x="5807" y="294264"/>
+                    <a:pt x="0" y="280245"/>
+                    <a:pt x="0" y="265627"/>
+                  </a:cubicBezTo>
+                  <a:lnTo>
+                    <a:pt x="0" y="55117"/>
+                  </a:lnTo>
+                  <a:cubicBezTo>
+                    <a:pt x="0" y="40499"/>
+                    <a:pt x="5807" y="26480"/>
+                    <a:pt x="16143" y="16143"/>
+                  </a:cubicBezTo>
+                  <a:cubicBezTo>
+                    <a:pt x="26480" y="5807"/>
+                    <a:pt x="40499" y="0"/>
+                    <a:pt x="55117" y="0"/>
+                  </a:cubicBezTo>
+                  <a:close/>
+                </a:path>
+              </a:pathLst>
+            </a:custGeom>
+            <a:solidFill>
+              <a:srgbClr val="0D0F68"/>
+            </a:solidFill>
+          </p:spPr>
+        </p:sp>
+        <p:sp>
+          <p:nvSpPr>
+            <p:cNvPr name="TextBox 4" id="4"/>
+            <p:cNvSpPr txBox="true"/>
+            <p:nvPr/>
+          </p:nvSpPr>
+          <p:spPr>
+            <a:xfrm>
+              <a:off x="0" y="-38100"/>
+              <a:ext cx="1886724" cy="358844"/>
+            </a:xfrm>
+            <a:prstGeom prst="rect">
+              <a:avLst/>
+            </a:prstGeom>
+          </p:spPr>
+          <p:txBody>
+            <a:bodyPr anchor="ctr" rtlCol="false" tIns="50800" lIns="50800" bIns="50800" rIns="50800"/>
+            <a:lstStyle/>
+            <a:p>
+              <a:pPr algn="ctr">
+                <a:lnSpc>
+                  <a:spcPts val="2659"/>
+                </a:lnSpc>
+                <a:spcBef>
+                  <a:spcPct val="0"/>
+                </a:spcBef>
+              </a:pPr>
+            </a:p>
+          </p:txBody>
+        </p:sp>
+      </p:grpSp>
+      <p:sp>
+        <p:nvSpPr>
+          <p:cNvPr name="Freeform 5" id="5"/>
+          <p:cNvSpPr/>
+          <p:nvPr/>
+        </p:nvSpPr>
+        <p:spPr>
+          <a:xfrm flipH="false" flipV="false" rot="0">
+            <a:off x="2263472" y="4822492"/>
+            <a:ext cx="13761055" cy="2852371"/>
+          </a:xfrm>
+          <a:custGeom>
+            <a:avLst/>
+            <a:gdLst/>
+            <a:ahLst/>
+            <a:cxnLst/>
+            <a:rect r="r" b="b" t="t" l="l"/>
+            <a:pathLst>
+              <a:path h="2852371" w="13761055">
+                <a:moveTo>
+                  <a:pt x="0" y="0"/>
+                </a:moveTo>
+                <a:lnTo>
+                  <a:pt x="13761056" y="0"/>
+                </a:lnTo>
+                <a:lnTo>
+                  <a:pt x="13761056" y="2852370"/>
+                </a:lnTo>
+                <a:lnTo>
+                  <a:pt x="0" y="2852370"/>
+                </a:lnTo>
+                <a:lnTo>
+                  <a:pt x="0" y="0"/>
+                </a:lnTo>
+                <a:close/>
+              </a:path>
+            </a:pathLst>
+          </a:custGeom>
+          <a:blipFill>
+            <a:blip r:embed="rId2"/>
+            <a:stretch>
+              <a:fillRect l="0" t="0" r="0" b="0"/>
+            </a:stretch>
+          </a:blipFill>
+        </p:spPr>
+      </p:sp>
+      <p:sp>
+        <p:nvSpPr>
+          <p:cNvPr name="TextBox 6" id="6"/>
+          <p:cNvSpPr txBox="true"/>
+          <p:nvPr/>
+        </p:nvSpPr>
+        <p:spPr>
+          <a:xfrm rot="0">
+            <a:off x="11601846" y="600075"/>
+            <a:ext cx="6318955" cy="771525"/>
+          </a:xfrm>
+          <a:prstGeom prst="rect">
+            <a:avLst/>
+          </a:prstGeom>
+        </p:spPr>
+        <p:txBody>
+          <a:bodyPr anchor="t" rtlCol="false" tIns="0" lIns="0" bIns="0" rIns="0">
+            <a:spAutoFit/>
+          </a:bodyPr>
+          <a:lstStyle/>
+          <a:p>
+            <a:pPr algn="ctr">
+              <a:lnSpc>
+                <a:spcPts val="6299"/>
+              </a:lnSpc>
+            </a:pPr>
+            <a:r>
+              <a:rPr lang="en-US" sz="4500">
+                <a:solidFill>
+                  <a:srgbClr val="FFFFFF"/>
+                </a:solidFill>
+                <a:latin typeface="Yeseva One"/>
+                <a:ea typeface="Yeseva One"/>
+                <a:cs typeface="Yeseva One"/>
+                <a:sym typeface="Yeseva One"/>
+              </a:rPr>
+              <a:t>4. Đánh giá hệ thống</a:t>
+            </a:r>
+          </a:p>
+        </p:txBody>
+      </p:sp>
+      <p:sp>
+        <p:nvSpPr>
+          <p:cNvPr name="TextBox 7" id="7"/>
+          <p:cNvSpPr txBox="true"/>
+          <p:nvPr/>
+        </p:nvSpPr>
+        <p:spPr>
+          <a:xfrm rot="0">
+            <a:off x="1312371" y="1673828"/>
+            <a:ext cx="15663257" cy="2114550"/>
+          </a:xfrm>
+          <a:prstGeom prst="rect">
+            <a:avLst/>
+          </a:prstGeom>
+        </p:spPr>
+        <p:txBody>
+          <a:bodyPr anchor="t" rtlCol="false" tIns="0" lIns="0" bIns="0" rIns="0">
+            <a:spAutoFit/>
+          </a:bodyPr>
+          <a:lstStyle/>
+          <a:p>
+            <a:pPr algn="ctr">
+              <a:lnSpc>
+                <a:spcPts val="8400"/>
+              </a:lnSpc>
+            </a:pPr>
+            <a:r>
+              <a:rPr lang="en-US" sz="6000">
+                <a:solidFill>
+                  <a:srgbClr val="0D0F68"/>
+                </a:solidFill>
+                <a:latin typeface="Yeseva One"/>
+                <a:ea typeface="Yeseva One"/>
+                <a:cs typeface="Yeseva One"/>
+                <a:sym typeface="Yeseva One"/>
+              </a:rPr>
+              <a:t>Chương trình biến đổi số nhị phân thành thập phân </a:t>
+            </a:r>
+          </a:p>
+        </p:txBody>
+      </p:sp>
+    </p:spTree>
+  </p:cSld>
+  <p:clrMapOvr>
+    <a:masterClrMapping/>
+  </p:clrMapOvr>
+  <p:transition spd="slow">
+    <p:push dir="l"/>
+  </p:transition>
+</p:sld>
+</file>
+
+<file path=ppt/slides/slide34.xml><?xml version="1.0" encoding="utf-8"?>
+<p:sld xmlns:p="http://schemas.openxmlformats.org/presentationml/2006/main" xmlns:a="http://schemas.openxmlformats.org/drawingml/2006/main" xmlns:r="http://schemas.openxmlformats.org/officeDocument/2006/relationships">
+  <p:cSld>
+    <p:spTree>
+      <p:nvGrpSpPr>
+        <p:cNvPr id="1" name=""/>
+        <p:cNvGrpSpPr/>
+        <p:nvPr/>
+      </p:nvGrpSpPr>
+      <p:grpSpPr>
+        <a:xfrm>
+          <a:off x="0" y="0"/>
+          <a:ext cx="0" cy="0"/>
+          <a:chOff x="0" y="0"/>
+          <a:chExt cx="0" cy="0"/>
+        </a:xfrm>
+      </p:grpSpPr>
+      <p:grpSp>
+        <p:nvGrpSpPr>
+          <p:cNvPr name="Group 2" id="2"/>
+          <p:cNvGrpSpPr/>
+          <p:nvPr/>
+        </p:nvGrpSpPr>
+        <p:grpSpPr>
+          <a:xfrm rot="0">
+            <a:off x="11601846" y="419788"/>
+            <a:ext cx="7163655" cy="1217823"/>
+            <a:chOff x="0" y="0"/>
+            <a:chExt cx="1886724" cy="320744"/>
+          </a:xfrm>
+        </p:grpSpPr>
+        <p:sp>
+          <p:nvSpPr>
+            <p:cNvPr name="Freeform 3" id="3"/>
+            <p:cNvSpPr/>
+            <p:nvPr/>
+          </p:nvSpPr>
+          <p:spPr>
+            <a:xfrm flipH="false" flipV="false" rot="0">
+              <a:off x="0" y="0"/>
+              <a:ext cx="1886724" cy="320744"/>
+            </a:xfrm>
+            <a:custGeom>
+              <a:avLst/>
+              <a:gdLst/>
+              <a:ahLst/>
+              <a:cxnLst/>
+              <a:rect r="r" b="b" t="t" l="l"/>
+              <a:pathLst>
+                <a:path h="320744" w="1886724">
+                  <a:moveTo>
+                    <a:pt x="55117" y="0"/>
+                  </a:moveTo>
+                  <a:lnTo>
+                    <a:pt x="1831607" y="0"/>
+                  </a:lnTo>
+                  <a:cubicBezTo>
+                    <a:pt x="1862047" y="0"/>
+                    <a:pt x="1886724" y="24677"/>
+                    <a:pt x="1886724" y="55117"/>
+                  </a:cubicBezTo>
+                  <a:lnTo>
+                    <a:pt x="1886724" y="265627"/>
+                  </a:lnTo>
+                  <a:cubicBezTo>
+                    <a:pt x="1886724" y="280245"/>
+                    <a:pt x="1880917" y="294264"/>
+                    <a:pt x="1870581" y="304600"/>
+                  </a:cubicBezTo>
+                  <a:cubicBezTo>
+                    <a:pt x="1860244" y="314937"/>
+                    <a:pt x="1846225" y="320744"/>
+                    <a:pt x="1831607" y="320744"/>
+                  </a:cubicBezTo>
+                  <a:lnTo>
+                    <a:pt x="55117" y="320744"/>
+                  </a:lnTo>
+                  <a:cubicBezTo>
+                    <a:pt x="40499" y="320744"/>
+                    <a:pt x="26480" y="314937"/>
+                    <a:pt x="16143" y="304600"/>
+                  </a:cubicBezTo>
+                  <a:cubicBezTo>
+                    <a:pt x="5807" y="294264"/>
+                    <a:pt x="0" y="280245"/>
+                    <a:pt x="0" y="265627"/>
+                  </a:cubicBezTo>
+                  <a:lnTo>
+                    <a:pt x="0" y="55117"/>
+                  </a:lnTo>
+                  <a:cubicBezTo>
+                    <a:pt x="0" y="40499"/>
+                    <a:pt x="5807" y="26480"/>
+                    <a:pt x="16143" y="16143"/>
+                  </a:cubicBezTo>
+                  <a:cubicBezTo>
+                    <a:pt x="26480" y="5807"/>
+                    <a:pt x="40499" y="0"/>
+                    <a:pt x="55117" y="0"/>
+                  </a:cubicBezTo>
+                  <a:close/>
+                </a:path>
+              </a:pathLst>
+            </a:custGeom>
+            <a:solidFill>
+              <a:srgbClr val="0D0F68"/>
+            </a:solidFill>
+          </p:spPr>
+        </p:sp>
+        <p:sp>
+          <p:nvSpPr>
+            <p:cNvPr name="TextBox 4" id="4"/>
+            <p:cNvSpPr txBox="true"/>
+            <p:nvPr/>
+          </p:nvSpPr>
+          <p:spPr>
+            <a:xfrm>
+              <a:off x="0" y="-38100"/>
+              <a:ext cx="1886724" cy="358844"/>
+            </a:xfrm>
+            <a:prstGeom prst="rect">
+              <a:avLst/>
+            </a:prstGeom>
+          </p:spPr>
+          <p:txBody>
+            <a:bodyPr anchor="ctr" rtlCol="false" tIns="50800" lIns="50800" bIns="50800" rIns="50800"/>
+            <a:lstStyle/>
+            <a:p>
+              <a:pPr algn="ctr">
+                <a:lnSpc>
+                  <a:spcPts val="2659"/>
+                </a:lnSpc>
+                <a:spcBef>
+                  <a:spcPct val="0"/>
+                </a:spcBef>
+              </a:pPr>
+            </a:p>
+          </p:txBody>
+        </p:sp>
+      </p:grpSp>
+      <p:sp>
+        <p:nvSpPr>
+          <p:cNvPr name="Freeform 5" id="5"/>
+          <p:cNvSpPr/>
+          <p:nvPr/>
+        </p:nvSpPr>
+        <p:spPr>
+          <a:xfrm flipH="false" flipV="false" rot="0">
+            <a:off x="2408673" y="3945908"/>
+            <a:ext cx="13470654" cy="1958194"/>
+          </a:xfrm>
+          <a:custGeom>
+            <a:avLst/>
+            <a:gdLst/>
+            <a:ahLst/>
+            <a:cxnLst/>
+            <a:rect r="r" b="b" t="t" l="l"/>
+            <a:pathLst>
+              <a:path h="1958194" w="13470654">
+                <a:moveTo>
+                  <a:pt x="0" y="0"/>
+                </a:moveTo>
+                <a:lnTo>
+                  <a:pt x="13470654" y="0"/>
+                </a:lnTo>
+                <a:lnTo>
+                  <a:pt x="13470654" y="1958194"/>
+                </a:lnTo>
+                <a:lnTo>
+                  <a:pt x="0" y="1958194"/>
+                </a:lnTo>
+                <a:lnTo>
+                  <a:pt x="0" y="0"/>
+                </a:lnTo>
+                <a:close/>
+              </a:path>
+            </a:pathLst>
+          </a:custGeom>
+          <a:blipFill>
+            <a:blip r:embed="rId2"/>
+            <a:stretch>
+              <a:fillRect l="0" t="0" r="0" b="0"/>
+            </a:stretch>
+          </a:blipFill>
+        </p:spPr>
+      </p:sp>
+      <p:sp>
+        <p:nvSpPr>
+          <p:cNvPr name="Freeform 6" id="6"/>
+          <p:cNvSpPr/>
+          <p:nvPr/>
+        </p:nvSpPr>
+        <p:spPr>
+          <a:xfrm flipH="false" flipV="false" rot="0">
+            <a:off x="2542865" y="6259639"/>
+            <a:ext cx="13202270" cy="2749598"/>
+          </a:xfrm>
+          <a:custGeom>
+            <a:avLst/>
+            <a:gdLst/>
+            <a:ahLst/>
+            <a:cxnLst/>
+            <a:rect r="r" b="b" t="t" l="l"/>
+            <a:pathLst>
+              <a:path h="2749598" w="13202270">
+                <a:moveTo>
+                  <a:pt x="0" y="0"/>
+                </a:moveTo>
+                <a:lnTo>
+                  <a:pt x="13202270" y="0"/>
+                </a:lnTo>
+                <a:lnTo>
+                  <a:pt x="13202270" y="2749598"/>
+                </a:lnTo>
+                <a:lnTo>
+                  <a:pt x="0" y="2749598"/>
+                </a:lnTo>
+                <a:lnTo>
+                  <a:pt x="0" y="0"/>
+                </a:lnTo>
+                <a:close/>
+              </a:path>
+            </a:pathLst>
+          </a:custGeom>
+          <a:blipFill>
+            <a:blip r:embed="rId3"/>
+            <a:stretch>
+              <a:fillRect l="0" t="0" r="0" b="0"/>
+            </a:stretch>
+          </a:blipFill>
+        </p:spPr>
+      </p:sp>
+      <p:sp>
+        <p:nvSpPr>
+          <p:cNvPr name="TextBox 7" id="7"/>
+          <p:cNvSpPr txBox="true"/>
+          <p:nvPr/>
+        </p:nvSpPr>
+        <p:spPr>
+          <a:xfrm rot="0">
+            <a:off x="11601846" y="600075"/>
+            <a:ext cx="6318955" cy="771525"/>
+          </a:xfrm>
+          <a:prstGeom prst="rect">
+            <a:avLst/>
+          </a:prstGeom>
+        </p:spPr>
+        <p:txBody>
+          <a:bodyPr anchor="t" rtlCol="false" tIns="0" lIns="0" bIns="0" rIns="0">
+            <a:spAutoFit/>
+          </a:bodyPr>
+          <a:lstStyle/>
+          <a:p>
+            <a:pPr algn="ctr">
+              <a:lnSpc>
+                <a:spcPts val="6299"/>
+              </a:lnSpc>
+            </a:pPr>
+            <a:r>
+              <a:rPr lang="en-US" sz="4500">
+                <a:solidFill>
+                  <a:srgbClr val="FFFFFF"/>
+                </a:solidFill>
+                <a:latin typeface="Yeseva One"/>
+                <a:ea typeface="Yeseva One"/>
+                <a:cs typeface="Yeseva One"/>
+                <a:sym typeface="Yeseva One"/>
+              </a:rPr>
+              <a:t>4. Đánh giá hệ thống</a:t>
+            </a:r>
+          </a:p>
+        </p:txBody>
+      </p:sp>
+      <p:sp>
+        <p:nvSpPr>
+          <p:cNvPr name="TextBox 8" id="8"/>
+          <p:cNvSpPr txBox="true"/>
+          <p:nvPr/>
+        </p:nvSpPr>
+        <p:spPr>
+          <a:xfrm rot="0">
+            <a:off x="224320" y="2069483"/>
+            <a:ext cx="17839359" cy="1047750"/>
+          </a:xfrm>
+          <a:prstGeom prst="rect">
+            <a:avLst/>
+          </a:prstGeom>
+        </p:spPr>
+        <p:txBody>
+          <a:bodyPr anchor="t" rtlCol="false" tIns="0" lIns="0" bIns="0" rIns="0">
+            <a:spAutoFit/>
+          </a:bodyPr>
+          <a:lstStyle/>
+          <a:p>
+            <a:pPr algn="ctr">
+              <a:lnSpc>
+                <a:spcPts val="8400"/>
+              </a:lnSpc>
+            </a:pPr>
+            <a:r>
+              <a:rPr lang="en-US" sz="6000">
+                <a:solidFill>
+                  <a:srgbClr val="0D0F68"/>
+                </a:solidFill>
+                <a:latin typeface="Yeseva One"/>
+                <a:ea typeface="Yeseva One"/>
+                <a:cs typeface="Yeseva One"/>
+                <a:sym typeface="Yeseva One"/>
+              </a:rPr>
+              <a:t>Benchmark: binary search (ASCS Lab/ECE/BU)</a:t>
+            </a:r>
+          </a:p>
+        </p:txBody>
+      </p:sp>
+    </p:spTree>
+  </p:cSld>
+  <p:clrMapOvr>
+    <a:masterClrMapping/>
+  </p:clrMapOvr>
+  <p:transition spd="slow">
+    <p:push dir="l"/>
+  </p:transition>
+</p:sld>
+</file>
+
+<file path=ppt/slides/slide35.xml><?xml version="1.0" encoding="utf-8"?>
+<p:sld xmlns:p="http://schemas.openxmlformats.org/presentationml/2006/main" xmlns:a="http://schemas.openxmlformats.org/drawingml/2006/main">
+  <p:cSld>
+    <p:spTree>
+      <p:nvGrpSpPr>
+        <p:cNvPr id="1" name=""/>
+        <p:cNvGrpSpPr/>
+        <p:nvPr/>
+      </p:nvGrpSpPr>
+      <p:grpSpPr>
+        <a:xfrm>
+          <a:off x="0" y="0"/>
+          <a:ext cx="0" cy="0"/>
+          <a:chOff x="0" y="0"/>
+          <a:chExt cx="0" cy="0"/>
+        </a:xfrm>
+      </p:grpSpPr>
+      <p:sp>
+        <p:nvSpPr>
+          <p:cNvPr name="TextBox 2" id="2"/>
+          <p:cNvSpPr txBox="true"/>
+          <p:nvPr/>
+        </p:nvSpPr>
+        <p:spPr>
+          <a:xfrm rot="0">
+            <a:off x="1230612" y="4373563"/>
+            <a:ext cx="16028688" cy="1377949"/>
+          </a:xfrm>
+          <a:prstGeom prst="rect">
+            <a:avLst/>
+          </a:prstGeom>
+        </p:spPr>
+        <p:txBody>
+          <a:bodyPr anchor="t" rtlCol="false" tIns="0" lIns="0" bIns="0" rIns="0">
+            <a:spAutoFit/>
+          </a:bodyPr>
+          <a:lstStyle/>
+          <a:p>
+            <a:pPr algn="ctr">
+              <a:lnSpc>
+                <a:spcPts val="11200"/>
+              </a:lnSpc>
+            </a:pPr>
+            <a:r>
+              <a:rPr lang="en-US" sz="8000">
+                <a:solidFill>
+                  <a:srgbClr val="0D0F68"/>
+                </a:solidFill>
+                <a:latin typeface="Yeseva One"/>
+                <a:ea typeface="Yeseva One"/>
+                <a:cs typeface="Yeseva One"/>
+                <a:sym typeface="Yeseva One"/>
+              </a:rPr>
+              <a:t>5. Kết luận và hướng phát triển</a:t>
+            </a:r>
+          </a:p>
+        </p:txBody>
+      </p:sp>
+    </p:spTree>
+  </p:cSld>
+  <p:clrMapOvr>
+    <a:masterClrMapping/>
+  </p:clrMapOvr>
+  <p:transition spd="slow">
+    <p:push dir="l"/>
+  </p:transition>
+</p:sld>
+</file>
+
+<file path=ppt/slides/slide36.xml><?xml version="1.0" encoding="utf-8"?>
+<p:sld xmlns:p="http://schemas.openxmlformats.org/presentationml/2006/main" xmlns:a="http://schemas.openxmlformats.org/drawingml/2006/main">
+  <p:cSld>
+    <p:spTree>
+      <p:nvGrpSpPr>
+        <p:cNvPr id="1" name=""/>
+        <p:cNvGrpSpPr/>
+        <p:nvPr/>
+      </p:nvGrpSpPr>
+      <p:grpSpPr>
+        <a:xfrm>
+          <a:off x="0" y="0"/>
+          <a:ext cx="0" cy="0"/>
+          <a:chOff x="0" y="0"/>
+          <a:chExt cx="0" cy="0"/>
+        </a:xfrm>
+      </p:grpSpPr>
+      <p:grpSp>
+        <p:nvGrpSpPr>
+          <p:cNvPr name="Group 2" id="2"/>
+          <p:cNvGrpSpPr/>
+          <p:nvPr/>
+        </p:nvGrpSpPr>
+        <p:grpSpPr>
+          <a:xfrm rot="0">
+            <a:off x="8587290" y="419788"/>
+            <a:ext cx="10178210" cy="1217823"/>
+            <a:chOff x="0" y="0"/>
+            <a:chExt cx="2680681" cy="320744"/>
+          </a:xfrm>
+        </p:grpSpPr>
+        <p:sp>
+          <p:nvSpPr>
+            <p:cNvPr name="Freeform 3" id="3"/>
+            <p:cNvSpPr/>
+            <p:nvPr/>
+          </p:nvSpPr>
+          <p:spPr>
+            <a:xfrm flipH="false" flipV="false" rot="0">
+              <a:off x="0" y="0"/>
+              <a:ext cx="2680681" cy="320744"/>
+            </a:xfrm>
+            <a:custGeom>
+              <a:avLst/>
+              <a:gdLst/>
+              <a:ahLst/>
+              <a:cxnLst/>
+              <a:rect r="r" b="b" t="t" l="l"/>
+              <a:pathLst>
+                <a:path h="320744" w="2680681">
+                  <a:moveTo>
+                    <a:pt x="38792" y="0"/>
+                  </a:moveTo>
+                  <a:lnTo>
+                    <a:pt x="2641888" y="0"/>
+                  </a:lnTo>
+                  <a:cubicBezTo>
+                    <a:pt x="2663313" y="0"/>
+                    <a:pt x="2680681" y="17368"/>
+                    <a:pt x="2680681" y="38792"/>
+                  </a:cubicBezTo>
+                  <a:lnTo>
+                    <a:pt x="2680681" y="281951"/>
+                  </a:lnTo>
+                  <a:cubicBezTo>
+                    <a:pt x="2680681" y="292239"/>
+                    <a:pt x="2676594" y="302106"/>
+                    <a:pt x="2669319" y="309381"/>
+                  </a:cubicBezTo>
+                  <a:cubicBezTo>
+                    <a:pt x="2662044" y="316656"/>
+                    <a:pt x="2652177" y="320744"/>
+                    <a:pt x="2641888" y="320744"/>
+                  </a:cubicBezTo>
+                  <a:lnTo>
+                    <a:pt x="38792" y="320744"/>
+                  </a:lnTo>
+                  <a:cubicBezTo>
+                    <a:pt x="28504" y="320744"/>
+                    <a:pt x="18637" y="316656"/>
+                    <a:pt x="11362" y="309381"/>
+                  </a:cubicBezTo>
+                  <a:cubicBezTo>
+                    <a:pt x="4087" y="302106"/>
+                    <a:pt x="0" y="292239"/>
+                    <a:pt x="0" y="281951"/>
+                  </a:cubicBezTo>
+                  <a:lnTo>
+                    <a:pt x="0" y="38792"/>
+                  </a:lnTo>
+                  <a:cubicBezTo>
+                    <a:pt x="0" y="28504"/>
+                    <a:pt x="4087" y="18637"/>
+                    <a:pt x="11362" y="11362"/>
+                  </a:cubicBezTo>
+                  <a:cubicBezTo>
+                    <a:pt x="18637" y="4087"/>
+                    <a:pt x="28504" y="0"/>
+                    <a:pt x="38792" y="0"/>
+                  </a:cubicBezTo>
+                  <a:close/>
+                </a:path>
+              </a:pathLst>
+            </a:custGeom>
+            <a:solidFill>
+              <a:srgbClr val="0D0F68"/>
+            </a:solidFill>
+          </p:spPr>
+        </p:sp>
+        <p:sp>
+          <p:nvSpPr>
+            <p:cNvPr name="TextBox 4" id="4"/>
+            <p:cNvSpPr txBox="true"/>
+            <p:nvPr/>
+          </p:nvSpPr>
+          <p:spPr>
+            <a:xfrm>
+              <a:off x="0" y="-38100"/>
+              <a:ext cx="2680681" cy="358844"/>
+            </a:xfrm>
+            <a:prstGeom prst="rect">
+              <a:avLst/>
+            </a:prstGeom>
+          </p:spPr>
+          <p:txBody>
+            <a:bodyPr anchor="ctr" rtlCol="false" tIns="50800" lIns="50800" bIns="50800" rIns="50800"/>
+            <a:lstStyle/>
+            <a:p>
+              <a:pPr algn="ctr">
+                <a:lnSpc>
+                  <a:spcPts val="2659"/>
+                </a:lnSpc>
+                <a:spcBef>
+                  <a:spcPct val="0"/>
+                </a:spcBef>
+              </a:pPr>
+            </a:p>
+          </p:txBody>
+        </p:sp>
+      </p:grpSp>
+      <p:sp>
+        <p:nvSpPr>
+          <p:cNvPr name="TextBox 5" id="5"/>
+          <p:cNvSpPr txBox="true"/>
+          <p:nvPr/>
+        </p:nvSpPr>
+        <p:spPr>
+          <a:xfrm rot="0">
+            <a:off x="8587290" y="600075"/>
+            <a:ext cx="9333511" cy="771525"/>
+          </a:xfrm>
+          <a:prstGeom prst="rect">
+            <a:avLst/>
+          </a:prstGeom>
+        </p:spPr>
+        <p:txBody>
+          <a:bodyPr anchor="t" rtlCol="false" tIns="0" lIns="0" bIns="0" rIns="0">
+            <a:spAutoFit/>
+          </a:bodyPr>
+          <a:lstStyle/>
+          <a:p>
+            <a:pPr algn="ctr">
+              <a:lnSpc>
+                <a:spcPts val="6299"/>
+              </a:lnSpc>
+            </a:pPr>
+            <a:r>
+              <a:rPr lang="en-US" sz="4500">
+                <a:solidFill>
+                  <a:srgbClr val="FFFFFF"/>
+                </a:solidFill>
+                <a:latin typeface="Yeseva One"/>
+                <a:ea typeface="Yeseva One"/>
+                <a:cs typeface="Yeseva One"/>
+                <a:sym typeface="Yeseva One"/>
+              </a:rPr>
+              <a:t>5. Kết luận và hướng phát triển</a:t>
+            </a:r>
+          </a:p>
+        </p:txBody>
+      </p:sp>
+      <p:sp>
+        <p:nvSpPr>
+          <p:cNvPr name="TextBox 6" id="6"/>
+          <p:cNvSpPr txBox="true"/>
+          <p:nvPr/>
+        </p:nvSpPr>
+        <p:spPr>
+          <a:xfrm rot="0">
+            <a:off x="3425301" y="1946273"/>
+            <a:ext cx="11238815" cy="1047750"/>
+          </a:xfrm>
+          <a:prstGeom prst="rect">
+            <a:avLst/>
+          </a:prstGeom>
+        </p:spPr>
+        <p:txBody>
+          <a:bodyPr anchor="t" rtlCol="false" tIns="0" lIns="0" bIns="0" rIns="0">
+            <a:spAutoFit/>
+          </a:bodyPr>
+          <a:lstStyle/>
+          <a:p>
+            <a:pPr algn="ctr">
+              <a:lnSpc>
+                <a:spcPts val="8400"/>
+              </a:lnSpc>
+            </a:pPr>
+            <a:r>
+              <a:rPr lang="en-US" sz="6000">
+                <a:solidFill>
+                  <a:srgbClr val="0D0F68"/>
+                </a:solidFill>
+                <a:latin typeface="Yeseva One"/>
+                <a:ea typeface="Yeseva One"/>
+                <a:cs typeface="Yeseva One"/>
+                <a:sym typeface="Yeseva One"/>
+              </a:rPr>
+              <a:t>Mục tiêu đạt được</a:t>
+            </a:r>
+          </a:p>
+        </p:txBody>
+      </p:sp>
+      <p:sp>
+        <p:nvSpPr>
+          <p:cNvPr name="TextBox 7" id="7"/>
+          <p:cNvSpPr txBox="true"/>
+          <p:nvPr/>
+        </p:nvSpPr>
+        <p:spPr>
+          <a:xfrm rot="0">
+            <a:off x="929409" y="3403598"/>
+            <a:ext cx="16429182" cy="6330314"/>
+          </a:xfrm>
+          <a:prstGeom prst="rect">
+            <a:avLst/>
+          </a:prstGeom>
+        </p:spPr>
+        <p:txBody>
+          <a:bodyPr anchor="t" rtlCol="false" tIns="0" lIns="0" bIns="0" rIns="0">
+            <a:spAutoFit/>
+          </a:bodyPr>
+          <a:lstStyle/>
+          <a:p>
+            <a:pPr algn="just" marL="777242" indent="-388621" lvl="1">
+              <a:lnSpc>
+                <a:spcPts val="7200"/>
+              </a:lnSpc>
+              <a:buFont typeface="Arial"/>
+              <a:buChar char="•"/>
+            </a:pPr>
+            <a:r>
+              <a:rPr lang="en-US" sz="3600">
+                <a:solidFill>
+                  <a:srgbClr val="0D0F68"/>
+                </a:solidFill>
+                <a:latin typeface="Yeseva One"/>
+                <a:ea typeface="Yeseva One"/>
+                <a:cs typeface="Yeseva One"/>
+                <a:sym typeface="Yeseva One"/>
+              </a:rPr>
+              <a:t>Xây dựng và triển khai thành công CPU RISC-V với tập lệnh RV32I, xử lý hazard và xây dựng bộ Branch prediction two-bit scheme.</a:t>
+            </a:r>
+          </a:p>
+          <a:p>
+            <a:pPr algn="just" marL="777242" indent="-388621" lvl="1">
+              <a:lnSpc>
+                <a:spcPts val="7200"/>
+              </a:lnSpc>
+              <a:buFont typeface="Arial"/>
+              <a:buChar char="•"/>
+            </a:pPr>
+            <a:r>
+              <a:rPr lang="en-US" sz="3600">
+                <a:solidFill>
+                  <a:srgbClr val="0D0F68"/>
+                </a:solidFill>
+                <a:latin typeface="Yeseva One"/>
+                <a:ea typeface="Yeseva One"/>
+                <a:cs typeface="Yeseva One"/>
+                <a:sym typeface="Yeseva One"/>
+              </a:rPr>
+              <a:t>Thiết kế hệ thống bộ nhớ đệm hai cấp (L1 và L2 Cache), tối ưu hóa hiệu năng truy cập dữ liệu.</a:t>
+            </a:r>
+          </a:p>
+          <a:p>
+            <a:pPr algn="just" marL="777242" indent="-388621" lvl="1">
+              <a:lnSpc>
+                <a:spcPts val="7200"/>
+              </a:lnSpc>
+              <a:buFont typeface="Arial"/>
+              <a:buChar char="•"/>
+            </a:pPr>
+            <a:r>
+              <a:rPr lang="en-US" sz="3600">
+                <a:solidFill>
+                  <a:srgbClr val="0D0F68"/>
+                </a:solidFill>
+                <a:latin typeface="Yeseva One"/>
+                <a:ea typeface="Yeseva One"/>
+                <a:cs typeface="Yeseva One"/>
+                <a:sym typeface="Yeseva One"/>
+              </a:rPr>
+              <a:t>Đánh giá hiệu năng thông qua các thông số như tỷ lệ cache hit/miss, AMAT, CPI.</a:t>
+            </a:r>
+          </a:p>
+          <a:p>
+            <a:pPr algn="just">
+              <a:lnSpc>
+                <a:spcPts val="7200"/>
+              </a:lnSpc>
+            </a:pPr>
+          </a:p>
+        </p:txBody>
+      </p:sp>
+    </p:spTree>
+  </p:cSld>
+  <p:clrMapOvr>
+    <a:masterClrMapping/>
+  </p:clrMapOvr>
+  <p:transition spd="slow">
+    <p:push dir="l"/>
+  </p:transition>
+</p:sld>
+</file>
+
+<file path=ppt/slides/slide37.xml><?xml version="1.0" encoding="utf-8"?>
+<p:sld xmlns:p="http://schemas.openxmlformats.org/presentationml/2006/main" xmlns:a="http://schemas.openxmlformats.org/drawingml/2006/main">
+  <p:cSld>
+    <p:spTree>
+      <p:nvGrpSpPr>
+        <p:cNvPr id="1" name=""/>
+        <p:cNvGrpSpPr/>
+        <p:nvPr/>
+      </p:nvGrpSpPr>
+      <p:grpSpPr>
+        <a:xfrm>
+          <a:off x="0" y="0"/>
+          <a:ext cx="0" cy="0"/>
+          <a:chOff x="0" y="0"/>
+          <a:chExt cx="0" cy="0"/>
+        </a:xfrm>
+      </p:grpSpPr>
+      <p:grpSp>
+        <p:nvGrpSpPr>
+          <p:cNvPr name="Group 2" id="2"/>
+          <p:cNvGrpSpPr/>
+          <p:nvPr/>
+        </p:nvGrpSpPr>
+        <p:grpSpPr>
+          <a:xfrm rot="0">
+            <a:off x="8587290" y="419788"/>
+            <a:ext cx="10178210" cy="1217823"/>
+            <a:chOff x="0" y="0"/>
+            <a:chExt cx="2680681" cy="320744"/>
+          </a:xfrm>
+        </p:grpSpPr>
+        <p:sp>
+          <p:nvSpPr>
+            <p:cNvPr name="Freeform 3" id="3"/>
+            <p:cNvSpPr/>
+            <p:nvPr/>
+          </p:nvSpPr>
+          <p:spPr>
+            <a:xfrm flipH="false" flipV="false" rot="0">
+              <a:off x="0" y="0"/>
+              <a:ext cx="2680681" cy="320744"/>
+            </a:xfrm>
+            <a:custGeom>
+              <a:avLst/>
+              <a:gdLst/>
+              <a:ahLst/>
+              <a:cxnLst/>
+              <a:rect r="r" b="b" t="t" l="l"/>
+              <a:pathLst>
+                <a:path h="320744" w="2680681">
+                  <a:moveTo>
+                    <a:pt x="38792" y="0"/>
+                  </a:moveTo>
+                  <a:lnTo>
+                    <a:pt x="2641888" y="0"/>
+                  </a:lnTo>
+                  <a:cubicBezTo>
+                    <a:pt x="2663313" y="0"/>
+                    <a:pt x="2680681" y="17368"/>
+                    <a:pt x="2680681" y="38792"/>
+                  </a:cubicBezTo>
+                  <a:lnTo>
+                    <a:pt x="2680681" y="281951"/>
+                  </a:lnTo>
+                  <a:cubicBezTo>
+                    <a:pt x="2680681" y="292239"/>
+                    <a:pt x="2676594" y="302106"/>
+                    <a:pt x="2669319" y="309381"/>
+                  </a:cubicBezTo>
+                  <a:cubicBezTo>
+                    <a:pt x="2662044" y="316656"/>
+                    <a:pt x="2652177" y="320744"/>
+                    <a:pt x="2641888" y="320744"/>
+                  </a:cubicBezTo>
+                  <a:lnTo>
+                    <a:pt x="38792" y="320744"/>
+                  </a:lnTo>
+                  <a:cubicBezTo>
+                    <a:pt x="28504" y="320744"/>
+                    <a:pt x="18637" y="316656"/>
+                    <a:pt x="11362" y="309381"/>
+                  </a:cubicBezTo>
+                  <a:cubicBezTo>
+                    <a:pt x="4087" y="302106"/>
+                    <a:pt x="0" y="292239"/>
+                    <a:pt x="0" y="281951"/>
+                  </a:cubicBezTo>
+                  <a:lnTo>
+                    <a:pt x="0" y="38792"/>
+                  </a:lnTo>
+                  <a:cubicBezTo>
+                    <a:pt x="0" y="28504"/>
+                    <a:pt x="4087" y="18637"/>
+                    <a:pt x="11362" y="11362"/>
+                  </a:cubicBezTo>
+                  <a:cubicBezTo>
+                    <a:pt x="18637" y="4087"/>
+                    <a:pt x="28504" y="0"/>
+                    <a:pt x="38792" y="0"/>
+                  </a:cubicBezTo>
+                  <a:close/>
+                </a:path>
+              </a:pathLst>
+            </a:custGeom>
+            <a:solidFill>
+              <a:srgbClr val="0D0F68"/>
+            </a:solidFill>
+          </p:spPr>
+        </p:sp>
+        <p:sp>
+          <p:nvSpPr>
+            <p:cNvPr name="TextBox 4" id="4"/>
+            <p:cNvSpPr txBox="true"/>
+            <p:nvPr/>
+          </p:nvSpPr>
+          <p:spPr>
+            <a:xfrm>
+              <a:off x="0" y="-38100"/>
+              <a:ext cx="2680681" cy="358844"/>
+            </a:xfrm>
+            <a:prstGeom prst="rect">
+              <a:avLst/>
+            </a:prstGeom>
+          </p:spPr>
+          <p:txBody>
+            <a:bodyPr anchor="ctr" rtlCol="false" tIns="50800" lIns="50800" bIns="50800" rIns="50800"/>
+            <a:lstStyle/>
+            <a:p>
+              <a:pPr algn="ctr">
+                <a:lnSpc>
+                  <a:spcPts val="2659"/>
+                </a:lnSpc>
+                <a:spcBef>
+                  <a:spcPct val="0"/>
+                </a:spcBef>
+              </a:pPr>
+            </a:p>
+          </p:txBody>
+        </p:sp>
+      </p:grpSp>
+      <p:sp>
+        <p:nvSpPr>
+          <p:cNvPr name="TextBox 5" id="5"/>
+          <p:cNvSpPr txBox="true"/>
+          <p:nvPr/>
+        </p:nvSpPr>
+        <p:spPr>
+          <a:xfrm rot="0">
+            <a:off x="8587290" y="600075"/>
+            <a:ext cx="9333511" cy="771525"/>
+          </a:xfrm>
+          <a:prstGeom prst="rect">
+            <a:avLst/>
+          </a:prstGeom>
+        </p:spPr>
+        <p:txBody>
+          <a:bodyPr anchor="t" rtlCol="false" tIns="0" lIns="0" bIns="0" rIns="0">
+            <a:spAutoFit/>
+          </a:bodyPr>
+          <a:lstStyle/>
+          <a:p>
+            <a:pPr algn="ctr">
+              <a:lnSpc>
+                <a:spcPts val="6299"/>
+              </a:lnSpc>
+            </a:pPr>
+            <a:r>
+              <a:rPr lang="en-US" sz="4500">
+                <a:solidFill>
+                  <a:srgbClr val="FFFFFF"/>
+                </a:solidFill>
+                <a:latin typeface="Yeseva One"/>
+                <a:ea typeface="Yeseva One"/>
+                <a:cs typeface="Yeseva One"/>
+                <a:sym typeface="Yeseva One"/>
+              </a:rPr>
+              <a:t>5. Kết luận và hướng phát triển</a:t>
+            </a:r>
+          </a:p>
+        </p:txBody>
+      </p:sp>
+      <p:sp>
+        <p:nvSpPr>
+          <p:cNvPr name="TextBox 6" id="6"/>
+          <p:cNvSpPr txBox="true"/>
+          <p:nvPr/>
+        </p:nvSpPr>
+        <p:spPr>
+          <a:xfrm rot="0">
+            <a:off x="3524593" y="2103413"/>
+            <a:ext cx="11238815" cy="1047750"/>
+          </a:xfrm>
+          <a:prstGeom prst="rect">
+            <a:avLst/>
+          </a:prstGeom>
+        </p:spPr>
+        <p:txBody>
+          <a:bodyPr anchor="t" rtlCol="false" tIns="0" lIns="0" bIns="0" rIns="0">
+            <a:spAutoFit/>
+          </a:bodyPr>
+          <a:lstStyle/>
+          <a:p>
+            <a:pPr algn="ctr">
+              <a:lnSpc>
+                <a:spcPts val="8400"/>
+              </a:lnSpc>
+            </a:pPr>
+            <a:r>
+              <a:rPr lang="en-US" sz="6000">
+                <a:solidFill>
+                  <a:srgbClr val="0D0F68"/>
+                </a:solidFill>
+                <a:latin typeface="Yeseva One"/>
+                <a:ea typeface="Yeseva One"/>
+                <a:cs typeface="Yeseva One"/>
+                <a:sym typeface="Yeseva One"/>
+              </a:rPr>
+              <a:t>Hướng phát triển</a:t>
+            </a:r>
+          </a:p>
+        </p:txBody>
+      </p:sp>
+      <p:sp>
+        <p:nvSpPr>
+          <p:cNvPr name="TextBox 7" id="7"/>
+          <p:cNvSpPr txBox="true"/>
+          <p:nvPr/>
+        </p:nvSpPr>
+        <p:spPr>
+          <a:xfrm rot="0">
+            <a:off x="1028700" y="4116705"/>
+            <a:ext cx="16429182" cy="1758314"/>
+          </a:xfrm>
+          <a:prstGeom prst="rect">
+            <a:avLst/>
+          </a:prstGeom>
+        </p:spPr>
+        <p:txBody>
+          <a:bodyPr anchor="t" rtlCol="false" tIns="0" lIns="0" bIns="0" rIns="0">
+            <a:spAutoFit/>
+          </a:bodyPr>
+          <a:lstStyle/>
+          <a:p>
+            <a:pPr algn="just" marL="777242" indent="-388621" lvl="1">
+              <a:lnSpc>
+                <a:spcPts val="7200"/>
+              </a:lnSpc>
+              <a:buFont typeface="Arial"/>
+              <a:buChar char="•"/>
+            </a:pPr>
+            <a:r>
+              <a:rPr lang="en-US" sz="3600">
+                <a:solidFill>
+                  <a:srgbClr val="0D0F68"/>
+                </a:solidFill>
+                <a:latin typeface="Yeseva One"/>
+                <a:ea typeface="Yeseva One"/>
+                <a:cs typeface="Yeseva One"/>
+                <a:sym typeface="Yeseva One"/>
+              </a:rPr>
+              <a:t>Cải tiến thành Non-blocking cache</a:t>
+            </a:r>
+          </a:p>
+          <a:p>
+            <a:pPr algn="just" marL="777242" indent="-388621" lvl="1">
+              <a:lnSpc>
+                <a:spcPts val="7200"/>
+              </a:lnSpc>
+              <a:buFont typeface="Arial"/>
+              <a:buChar char="•"/>
+            </a:pPr>
+            <a:r>
+              <a:rPr lang="en-US" sz="3600">
+                <a:solidFill>
+                  <a:srgbClr val="0D0F68"/>
+                </a:solidFill>
+                <a:latin typeface="Yeseva One"/>
+                <a:ea typeface="Yeseva One"/>
+                <a:cs typeface="Yeseva One"/>
+                <a:sym typeface="Yeseva One"/>
+              </a:rPr>
+              <a:t>Thiết kế Victim cache (một kĩ thuật giúp giảm miss rate)</a:t>
+            </a:r>
+          </a:p>
+        </p:txBody>
+      </p:sp>
+    </p:spTree>
+  </p:cSld>
+  <p:clrMapOvr>
+    <a:masterClrMapping/>
+  </p:clrMapOvr>
+  <p:transition spd="slow">
+    <p:push dir="l"/>
+  </p:transition>
+</p:sld>
+</file>
+
+<file path=ppt/slides/slide38.xml><?xml version="1.0" encoding="utf-8"?>
 <p:sld xmlns:p="http://schemas.openxmlformats.org/presentationml/2006/main" xmlns:a="http://schemas.openxmlformats.org/drawingml/2006/main" xmlns:r="http://schemas.openxmlformats.org/officeDocument/2006/relationships">
   <p:cSld>
     <p:spTree>
@@ -7273,10 +14194,13 @@
   <p:clrMapOvr>
     <a:masterClrMapping/>
   </p:clrMapOvr>
+  <p:transition spd="slow">
+    <p:push dir="l"/>
+  </p:transition>
 </p:sld>
 </file>
 
-<file path=ppt/slides/slide2.xml><?xml version="1.0" encoding="utf-8"?>
+<file path=ppt/slides/slide39.xml><?xml version="1.0" encoding="utf-8"?>
 <p:sld xmlns:p="http://schemas.openxmlformats.org/presentationml/2006/main" xmlns:a="http://schemas.openxmlformats.org/drawingml/2006/main" xmlns:r="http://schemas.openxmlformats.org/officeDocument/2006/relationships">
   <p:cSld>
     <p:spTree>
@@ -7293,16 +14217,139 @@
           <a:chExt cx="0" cy="0"/>
         </a:xfrm>
       </p:grpSpPr>
-      <p:sp>
-        <p:nvSpPr>
-          <p:cNvPr name="Freeform 2" id="2"/>
+      <p:grpSp>
+        <p:nvGrpSpPr>
+          <p:cNvPr name="Group 2" id="2"/>
+          <p:cNvGrpSpPr/>
+          <p:nvPr/>
+        </p:nvGrpSpPr>
+        <p:grpSpPr>
+          <a:xfrm rot="0">
+            <a:off x="11601846" y="419788"/>
+            <a:ext cx="7163655" cy="1217823"/>
+            <a:chOff x="0" y="0"/>
+            <a:chExt cx="1886724" cy="320744"/>
+          </a:xfrm>
+        </p:grpSpPr>
+        <p:sp>
+          <p:nvSpPr>
+            <p:cNvPr name="Freeform 3" id="3"/>
+            <p:cNvSpPr/>
+            <p:nvPr/>
+          </p:nvSpPr>
+          <p:spPr>
+            <a:xfrm flipH="false" flipV="false" rot="0">
+              <a:off x="0" y="0"/>
+              <a:ext cx="1886724" cy="320744"/>
+            </a:xfrm>
+            <a:custGeom>
+              <a:avLst/>
+              <a:gdLst/>
+              <a:ahLst/>
+              <a:cxnLst/>
+              <a:rect r="r" b="b" t="t" l="l"/>
+              <a:pathLst>
+                <a:path h="320744" w="1886724">
+                  <a:moveTo>
+                    <a:pt x="55117" y="0"/>
+                  </a:moveTo>
+                  <a:lnTo>
+                    <a:pt x="1831607" y="0"/>
+                  </a:lnTo>
+                  <a:cubicBezTo>
+                    <a:pt x="1862047" y="0"/>
+                    <a:pt x="1886724" y="24677"/>
+                    <a:pt x="1886724" y="55117"/>
+                  </a:cubicBezTo>
+                  <a:lnTo>
+                    <a:pt x="1886724" y="265627"/>
+                  </a:lnTo>
+                  <a:cubicBezTo>
+                    <a:pt x="1886724" y="280245"/>
+                    <a:pt x="1880917" y="294264"/>
+                    <a:pt x="1870581" y="304600"/>
+                  </a:cubicBezTo>
+                  <a:cubicBezTo>
+                    <a:pt x="1860244" y="314937"/>
+                    <a:pt x="1846225" y="320744"/>
+                    <a:pt x="1831607" y="320744"/>
+                  </a:cubicBezTo>
+                  <a:lnTo>
+                    <a:pt x="55117" y="320744"/>
+                  </a:lnTo>
+                  <a:cubicBezTo>
+                    <a:pt x="40499" y="320744"/>
+                    <a:pt x="26480" y="314937"/>
+                    <a:pt x="16143" y="304600"/>
+                  </a:cubicBezTo>
+                  <a:cubicBezTo>
+                    <a:pt x="5807" y="294264"/>
+                    <a:pt x="0" y="280245"/>
+                    <a:pt x="0" y="265627"/>
+                  </a:cubicBezTo>
+                  <a:lnTo>
+                    <a:pt x="0" y="55117"/>
+                  </a:lnTo>
+                  <a:cubicBezTo>
+                    <a:pt x="0" y="40499"/>
+                    <a:pt x="5807" y="26480"/>
+                    <a:pt x="16143" y="16143"/>
+                  </a:cubicBezTo>
+                  <a:cubicBezTo>
+                    <a:pt x="26480" y="5807"/>
+                    <a:pt x="40499" y="0"/>
+                    <a:pt x="55117" y="0"/>
+                  </a:cubicBezTo>
+                  <a:close/>
+                </a:path>
+              </a:pathLst>
+            </a:custGeom>
+            <a:solidFill>
+              <a:srgbClr val="0D0F68"/>
+            </a:solidFill>
+          </p:spPr>
+        </p:sp>
+        <p:sp>
+          <p:nvSpPr>
+            <p:cNvPr name="TextBox 4" id="4"/>
+            <p:cNvSpPr txBox="true"/>
+            <p:nvPr/>
+          </p:nvSpPr>
+          <p:spPr>
+            <a:xfrm>
+              <a:off x="0" y="-38100"/>
+              <a:ext cx="1886724" cy="358844"/>
+            </a:xfrm>
+            <a:prstGeom prst="rect">
+              <a:avLst/>
+            </a:prstGeom>
+          </p:spPr>
+          <p:txBody>
+            <a:bodyPr anchor="ctr" rtlCol="false" tIns="50800" lIns="50800" bIns="50800" rIns="50800"/>
+            <a:lstStyle/>
+            <a:p>
+              <a:pPr algn="ctr">
+                <a:lnSpc>
+                  <a:spcPts val="2659"/>
+                </a:lnSpc>
+                <a:spcBef>
+                  <a:spcPct val="0"/>
+                </a:spcBef>
+              </a:pPr>
+            </a:p>
+          </p:txBody>
+        </p:sp>
+      </p:grpSp>
+      <p:sp>
+        <p:nvSpPr>
+          <p:cNvPr name="Freeform 5" id="5"/>
           <p:cNvSpPr/>
           <p:nvPr/>
         </p:nvSpPr>
         <p:spPr>
           <a:xfrm flipH="false" flipV="false" rot="0">
-            <a:off x="3880205" y="2671250"/>
-            <a:ext cx="10527591" cy="4944501"/>
+            <a:off x="2321891" y="4819977"/>
+            <a:ext cx="13644218" cy="647045"/>
           </a:xfrm>
           <a:custGeom>
             <a:avLst/>
@@ -7311,18 +14358,18 @@
             <a:cxnLst/>
             <a:rect r="r" b="b" t="t" l="l"/>
             <a:pathLst>
-              <a:path h="4944501" w="10527591">
+              <a:path h="647045" w="13644218">
                 <a:moveTo>
                   <a:pt x="0" y="0"/>
                 </a:moveTo>
                 <a:lnTo>
-                  <a:pt x="10527590" y="0"/>
+                  <a:pt x="13644218" y="0"/>
                 </a:lnTo>
                 <a:lnTo>
-                  <a:pt x="10527590" y="4944500"/>
+                  <a:pt x="13644218" y="647046"/>
                 </a:lnTo>
                 <a:lnTo>
-                  <a:pt x="0" y="4944500"/>
+                  <a:pt x="0" y="647046"/>
                 </a:lnTo>
                 <a:lnTo>
                   <a:pt x="0" y="0"/>
@@ -7332,7 +14379,7 @@
             </a:pathLst>
           </a:custGeom>
           <a:blipFill>
-            <a:blip r:embed="rId3"/>
+            <a:blip r:embed="rId2"/>
             <a:stretch>
               <a:fillRect l="0" t="0" r="0" b="0"/>
             </a:stretch>
@@ -7341,14 +14388,14 @@
       </p:sp>
       <p:sp>
         <p:nvSpPr>
-          <p:cNvPr name="TextBox 3" id="3"/>
+          <p:cNvPr name="TextBox 6" id="6"/>
           <p:cNvSpPr txBox="true"/>
           <p:nvPr/>
         </p:nvSpPr>
         <p:spPr>
           <a:xfrm rot="0">
-            <a:off x="5948168" y="866775"/>
-            <a:ext cx="6391665" cy="1377949"/>
+            <a:off x="11601846" y="600075"/>
+            <a:ext cx="6318955" cy="771525"/>
           </a:xfrm>
           <a:prstGeom prst="rect">
             <a:avLst/>
@@ -7362,11 +14409,52 @@
           <a:p>
             <a:pPr algn="ctr">
               <a:lnSpc>
-                <a:spcPts val="11200"/>
+                <a:spcPts val="6299"/>
               </a:lnSpc>
             </a:pPr>
             <a:r>
-              <a:rPr lang="en-US" sz="8000">
+              <a:rPr lang="en-US" sz="4500">
+                <a:solidFill>
+                  <a:srgbClr val="FFFFFF"/>
+                </a:solidFill>
+                <a:latin typeface="Yeseva One"/>
+                <a:ea typeface="Yeseva One"/>
+                <a:cs typeface="Yeseva One"/>
+                <a:sym typeface="Yeseva One"/>
+              </a:rPr>
+              <a:t>Dự phòng</a:t>
+            </a:r>
+          </a:p>
+        </p:txBody>
+      </p:sp>
+      <p:sp>
+        <p:nvSpPr>
+          <p:cNvPr name="TextBox 7" id="7"/>
+          <p:cNvSpPr txBox="true"/>
+          <p:nvPr/>
+        </p:nvSpPr>
+        <p:spPr>
+          <a:xfrm rot="0">
+            <a:off x="1312371" y="1673828"/>
+            <a:ext cx="15663257" cy="1047750"/>
+          </a:xfrm>
+          <a:prstGeom prst="rect">
+            <a:avLst/>
+          </a:prstGeom>
+        </p:spPr>
+        <p:txBody>
+          <a:bodyPr anchor="t" rtlCol="false" tIns="0" lIns="0" bIns="0" rIns="0">
+            <a:spAutoFit/>
+          </a:bodyPr>
+          <a:lstStyle/>
+          <a:p>
+            <a:pPr algn="ctr">
+              <a:lnSpc>
+                <a:spcPts val="8400"/>
+              </a:lnSpc>
+            </a:pPr>
+            <a:r>
+              <a:rPr lang="en-US" sz="6000">
                 <a:solidFill>
                   <a:srgbClr val="0D0F68"/>
                 </a:solidFill>
@@ -7375,21 +14463,21 @@
                 <a:cs typeface="Yeseva One"/>
                 <a:sym typeface="Yeseva One"/>
               </a:rPr>
-              <a:t>Giới thiệu</a:t>
-            </a:r>
-          </a:p>
-        </p:txBody>
-      </p:sp>
-      <p:sp>
-        <p:nvSpPr>
-          <p:cNvPr name="TextBox 4" id="4"/>
+              <a:t>Thông số AMAT và CPI</a:t>
+            </a:r>
+          </a:p>
+        </p:txBody>
+      </p:sp>
+      <p:sp>
+        <p:nvSpPr>
+          <p:cNvPr name="TextBox 8" id="8"/>
           <p:cNvSpPr txBox="true"/>
           <p:nvPr/>
         </p:nvSpPr>
         <p:spPr>
           <a:xfrm rot="0">
-            <a:off x="5365282" y="7568125"/>
-            <a:ext cx="8235702" cy="332740"/>
+            <a:off x="745029" y="3074314"/>
+            <a:ext cx="16230600" cy="843914"/>
           </a:xfrm>
           <a:prstGeom prst="rect">
             <a:avLst/>
@@ -7401,16 +14489,13 @@
           </a:bodyPr>
           <a:lstStyle/>
           <a:p>
-            <a:pPr algn="ctr">
+            <a:pPr algn="just">
               <a:lnSpc>
-                <a:spcPts val="2659"/>
+                <a:spcPts val="7200"/>
               </a:lnSpc>
-              <a:spcBef>
-                <a:spcPct val="0"/>
-              </a:spcBef>
             </a:pPr>
             <a:r>
-              <a:rPr lang="en-US" sz="1899">
+              <a:rPr lang="en-US" sz="3600">
                 <a:solidFill>
                   <a:srgbClr val="0D0F68"/>
                 </a:solidFill>
@@ -7419,46 +14504,21 @@
                 <a:cs typeface="Yeseva One"/>
                 <a:sym typeface="Yeseva One"/>
               </a:rPr>
-              <a:t>Figure 2.2, page 80, Computer Achitecture a Quantitative Approach </a:t>
-            </a:r>
-          </a:p>
-        </p:txBody>
-      </p:sp>
-    </p:spTree>
-  </p:cSld>
-  <p:clrMapOvr>
-    <a:masterClrMapping/>
-  </p:clrMapOvr>
-</p:sld>
-</file>
-
-<file path=ppt/slides/slide3.xml><?xml version="1.0" encoding="utf-8"?>
-<p:sld xmlns:p="http://schemas.openxmlformats.org/presentationml/2006/main" xmlns:a="http://schemas.openxmlformats.org/drawingml/2006/main">
-  <p:cSld>
-    <p:spTree>
-      <p:nvGrpSpPr>
-        <p:cNvPr id="1" name=""/>
-        <p:cNvGrpSpPr/>
-        <p:nvPr/>
-      </p:nvGrpSpPr>
-      <p:grpSpPr>
-        <a:xfrm>
-          <a:off x="0" y="0"/>
-          <a:ext cx="0" cy="0"/>
-          <a:chOff x="0" y="0"/>
-          <a:chExt cx="0" cy="0"/>
-        </a:xfrm>
-      </p:grpSpPr>
-      <p:sp>
-        <p:nvSpPr>
-          <p:cNvPr name="TextBox 2" id="2"/>
+              <a:t>AMAT (average memory access time) </a:t>
+            </a:r>
+          </a:p>
+        </p:txBody>
+      </p:sp>
+      <p:sp>
+        <p:nvSpPr>
+          <p:cNvPr name="TextBox 9" id="9"/>
           <p:cNvSpPr txBox="true"/>
           <p:nvPr/>
         </p:nvSpPr>
         <p:spPr>
           <a:xfrm rot="0">
-            <a:off x="5948168" y="866775"/>
-            <a:ext cx="6391665" cy="1377949"/>
+            <a:off x="2534900" y="6171873"/>
+            <a:ext cx="16230600" cy="3089275"/>
           </a:xfrm>
           <a:prstGeom prst="rect">
             <a:avLst/>
@@ -7470,13 +14530,13 @@
           </a:bodyPr>
           <a:lstStyle/>
           <a:p>
-            <a:pPr algn="ctr">
+            <a:pPr algn="just">
               <a:lnSpc>
-                <a:spcPts val="11200"/>
+                <a:spcPts val="4999"/>
               </a:lnSpc>
             </a:pPr>
             <a:r>
-              <a:rPr lang="en-US" sz="8000">
+              <a:rPr lang="en-US" sz="2499">
                 <a:solidFill>
                   <a:srgbClr val="0D0F68"/>
                 </a:solidFill>
@@ -7485,39 +14545,17 @@
                 <a:cs typeface="Yeseva One"/>
                 <a:sym typeface="Yeseva One"/>
               </a:rPr>
-              <a:t>Mục tiêu</a:t>
-            </a:r>
-          </a:p>
-        </p:txBody>
-      </p:sp>
-      <p:sp>
-        <p:nvSpPr>
-          <p:cNvPr name="TextBox 3" id="3"/>
-          <p:cNvSpPr txBox="true"/>
-          <p:nvPr/>
-        </p:nvSpPr>
-        <p:spPr>
-          <a:xfrm rot="0">
-            <a:off x="1834983" y="3049561"/>
-            <a:ext cx="14618035" cy="688975"/>
-          </a:xfrm>
-          <a:prstGeom prst="rect">
-            <a:avLst/>
-          </a:prstGeom>
-        </p:spPr>
-        <p:txBody>
-          <a:bodyPr anchor="t" rtlCol="false" tIns="0" lIns="0" bIns="0" rIns="0">
-            <a:spAutoFit/>
-          </a:bodyPr>
-          <a:lstStyle/>
+              <a:t>H1: hit rate của L1 cache</a:t>
+            </a:r>
+          </a:p>
           <a:p>
             <a:pPr algn="just">
               <a:lnSpc>
-                <a:spcPts val="5599"/>
+                <a:spcPts val="4999"/>
               </a:lnSpc>
             </a:pPr>
             <a:r>
-              <a:rPr lang="en-US" sz="3999">
+              <a:rPr lang="en-US" sz="2499">
                 <a:solidFill>
                   <a:srgbClr val="0D0F68"/>
                 </a:solidFill>
@@ -7526,39 +14564,17 @@
                 <a:cs typeface="Yeseva One"/>
                 <a:sym typeface="Yeseva One"/>
               </a:rPr>
-              <a:t>Thiết kế 5-stage pipelined RISC-V processor (RV32I)</a:t>
-            </a:r>
-          </a:p>
-        </p:txBody>
-      </p:sp>
-      <p:sp>
-        <p:nvSpPr>
-          <p:cNvPr name="TextBox 4" id="4"/>
-          <p:cNvSpPr txBox="true"/>
-          <p:nvPr/>
-        </p:nvSpPr>
-        <p:spPr>
-          <a:xfrm rot="0">
-            <a:off x="3146086" y="4050550"/>
-            <a:ext cx="14618035" cy="688975"/>
-          </a:xfrm>
-          <a:prstGeom prst="rect">
-            <a:avLst/>
-          </a:prstGeom>
-        </p:spPr>
-        <p:txBody>
-          <a:bodyPr anchor="t" rtlCol="false" tIns="0" lIns="0" bIns="0" rIns="0">
-            <a:spAutoFit/>
-          </a:bodyPr>
-          <a:lstStyle/>
+              <a:t>T1: thời gian truy cập L1 cache</a:t>
+            </a:r>
+          </a:p>
           <a:p>
             <a:pPr algn="just">
               <a:lnSpc>
-                <a:spcPts val="5599"/>
+                <a:spcPts val="4999"/>
               </a:lnSpc>
             </a:pPr>
             <a:r>
-              <a:rPr lang="en-US" sz="3999">
+              <a:rPr lang="en-US" sz="2499">
                 <a:solidFill>
                   <a:srgbClr val="0D0F68"/>
                 </a:solidFill>
@@ -7567,39 +14583,17 @@
                 <a:cs typeface="Yeseva One"/>
                 <a:sym typeface="Yeseva One"/>
               </a:rPr>
-              <a:t>Hazard (forwarding)</a:t>
-            </a:r>
-          </a:p>
-        </p:txBody>
-      </p:sp>
-      <p:sp>
-        <p:nvSpPr>
-          <p:cNvPr name="TextBox 5" id="5"/>
-          <p:cNvSpPr txBox="true"/>
-          <p:nvPr/>
-        </p:nvSpPr>
-        <p:spPr>
-          <a:xfrm rot="0">
-            <a:off x="3146086" y="5053851"/>
-            <a:ext cx="14618035" cy="688975"/>
-          </a:xfrm>
-          <a:prstGeom prst="rect">
-            <a:avLst/>
-          </a:prstGeom>
-        </p:spPr>
-        <p:txBody>
-          <a:bodyPr anchor="t" rtlCol="false" tIns="0" lIns="0" bIns="0" rIns="0">
-            <a:spAutoFit/>
-          </a:bodyPr>
-          <a:lstStyle/>
+              <a:t>H2: hit rate của L2 cache</a:t>
+            </a:r>
+          </a:p>
           <a:p>
             <a:pPr algn="just">
               <a:lnSpc>
-                <a:spcPts val="5599"/>
+                <a:spcPts val="4999"/>
               </a:lnSpc>
             </a:pPr>
             <a:r>
-              <a:rPr lang="en-US" sz="3999">
+              <a:rPr lang="en-US" sz="2499">
                 <a:solidFill>
                   <a:srgbClr val="0D0F68"/>
                 </a:solidFill>
@@ -7608,39 +14602,17 @@
                 <a:cs typeface="Yeseva One"/>
                 <a:sym typeface="Yeseva One"/>
               </a:rPr>
-              <a:t>Branch prediction: 2-bit scheme</a:t>
-            </a:r>
-          </a:p>
-        </p:txBody>
-      </p:sp>
-      <p:sp>
-        <p:nvSpPr>
-          <p:cNvPr name="TextBox 6" id="6"/>
-          <p:cNvSpPr txBox="true"/>
-          <p:nvPr/>
-        </p:nvSpPr>
-        <p:spPr>
-          <a:xfrm rot="0">
-            <a:off x="1834983" y="6315539"/>
-            <a:ext cx="14618035" cy="688975"/>
-          </a:xfrm>
-          <a:prstGeom prst="rect">
-            <a:avLst/>
-          </a:prstGeom>
-        </p:spPr>
-        <p:txBody>
-          <a:bodyPr anchor="t" rtlCol="false" tIns="0" lIns="0" bIns="0" rIns="0">
-            <a:spAutoFit/>
-          </a:bodyPr>
-          <a:lstStyle/>
+              <a:t>T2: thời gian truy cập L2 cache</a:t>
+            </a:r>
+          </a:p>
           <a:p>
             <a:pPr algn="just">
               <a:lnSpc>
-                <a:spcPts val="5599"/>
+                <a:spcPts val="4999"/>
               </a:lnSpc>
             </a:pPr>
             <a:r>
-              <a:rPr lang="en-US" sz="3999">
+              <a:rPr lang="en-US" sz="2499">
                 <a:solidFill>
                   <a:srgbClr val="0D0F68"/>
                 </a:solidFill>
@@ -7649,89 +14621,7 @@
                 <a:cs typeface="Yeseva One"/>
                 <a:sym typeface="Yeseva One"/>
               </a:rPr>
-              <a:t>Memory hierarchy</a:t>
-            </a:r>
-          </a:p>
-        </p:txBody>
-      </p:sp>
-      <p:sp>
-        <p:nvSpPr>
-          <p:cNvPr name="TextBox 7" id="7"/>
-          <p:cNvSpPr txBox="true"/>
-          <p:nvPr/>
-        </p:nvSpPr>
-        <p:spPr>
-          <a:xfrm rot="0">
-            <a:off x="3146086" y="7318839"/>
-            <a:ext cx="14618035" cy="688975"/>
-          </a:xfrm>
-          <a:prstGeom prst="rect">
-            <a:avLst/>
-          </a:prstGeom>
-        </p:spPr>
-        <p:txBody>
-          <a:bodyPr anchor="t" rtlCol="false" tIns="0" lIns="0" bIns="0" rIns="0">
-            <a:spAutoFit/>
-          </a:bodyPr>
-          <a:lstStyle/>
-          <a:p>
-            <a:pPr algn="just">
-              <a:lnSpc>
-                <a:spcPts val="5599"/>
-              </a:lnSpc>
-            </a:pPr>
-            <a:r>
-              <a:rPr lang="en-US" sz="3999">
-                <a:solidFill>
-                  <a:srgbClr val="0D0F68"/>
-                </a:solidFill>
-                <a:latin typeface="Yeseva One"/>
-                <a:ea typeface="Yeseva One"/>
-                <a:cs typeface="Yeseva One"/>
-                <a:sym typeface="Yeseva One"/>
-              </a:rPr>
-              <a:t>L1 cache: I-cache, D-cache</a:t>
-            </a:r>
-          </a:p>
-        </p:txBody>
-      </p:sp>
-      <p:sp>
-        <p:nvSpPr>
-          <p:cNvPr name="TextBox 8" id="8"/>
-          <p:cNvSpPr txBox="true"/>
-          <p:nvPr/>
-        </p:nvSpPr>
-        <p:spPr>
-          <a:xfrm rot="0">
-            <a:off x="3146086" y="8322139"/>
-            <a:ext cx="14618035" cy="688975"/>
-          </a:xfrm>
-          <a:prstGeom prst="rect">
-            <a:avLst/>
-          </a:prstGeom>
-        </p:spPr>
-        <p:txBody>
-          <a:bodyPr anchor="t" rtlCol="false" tIns="0" lIns="0" bIns="0" rIns="0">
-            <a:spAutoFit/>
-          </a:bodyPr>
-          <a:lstStyle/>
-          <a:p>
-            <a:pPr algn="just">
-              <a:lnSpc>
-                <a:spcPts val="5599"/>
-              </a:lnSpc>
-            </a:pPr>
-            <a:r>
-              <a:rPr lang="en-US" sz="3999">
-                <a:solidFill>
-                  <a:srgbClr val="0D0F68"/>
-                </a:solidFill>
-                <a:latin typeface="Yeseva One"/>
-                <a:ea typeface="Yeseva One"/>
-                <a:cs typeface="Yeseva One"/>
-                <a:sym typeface="Yeseva One"/>
-              </a:rPr>
-              <a:t>L2 cache</a:t>
+              <a:t>Tmem: thời gian truy cập bộ nhớ chính</a:t>
             </a:r>
           </a:p>
         </p:txBody>
@@ -8920,77 +15810,13 @@
   <p:clrMapOvr>
     <a:masterClrMapping/>
   </p:clrMapOvr>
+  <p:transition spd="slow">
+    <p:push dir="l"/>
+  </p:transition>
 </p:sld>
 </file>
 
-<file path=ppt/slides/slide5.xml><?xml version="1.0" encoding="utf-8"?>
-<p:sld xmlns:p="http://schemas.openxmlformats.org/presentationml/2006/main" xmlns:a="http://schemas.openxmlformats.org/drawingml/2006/main">
-  <p:cSld>
-    <p:spTree>
-      <p:nvGrpSpPr>
-        <p:cNvPr id="1" name=""/>
-        <p:cNvGrpSpPr/>
-        <p:nvPr/>
-      </p:nvGrpSpPr>
-      <p:grpSpPr>
-        <a:xfrm>
-          <a:off x="0" y="0"/>
-          <a:ext cx="0" cy="0"/>
-          <a:chOff x="0" y="0"/>
-          <a:chExt cx="0" cy="0"/>
-        </a:xfrm>
-      </p:grpSpPr>
-      <p:sp>
-        <p:nvSpPr>
-          <p:cNvPr name="TextBox 2" id="2"/>
-          <p:cNvSpPr txBox="true"/>
-          <p:nvPr/>
-        </p:nvSpPr>
-        <p:spPr>
-          <a:xfrm rot="0">
-            <a:off x="4195982" y="4088536"/>
-            <a:ext cx="9896037" cy="1377949"/>
-          </a:xfrm>
-          <a:prstGeom prst="rect">
-            <a:avLst/>
-          </a:prstGeom>
-        </p:spPr>
-        <p:txBody>
-          <a:bodyPr anchor="t" rtlCol="false" tIns="0" lIns="0" bIns="0" rIns="0">
-            <a:spAutoFit/>
-          </a:bodyPr>
-          <a:lstStyle/>
-          <a:p>
-            <a:pPr algn="ctr" marL="1727205" indent="-863603" lvl="1">
-              <a:lnSpc>
-                <a:spcPts val="11200"/>
-              </a:lnSpc>
-              <a:buAutoNum type="arabicPeriod" startAt="1"/>
-            </a:pPr>
-            <a:r>
-              <a:rPr lang="en-US" sz="8000">
-                <a:solidFill>
-                  <a:srgbClr val="0D0F68"/>
-                </a:solidFill>
-                <a:latin typeface="Yeseva One"/>
-                <a:ea typeface="Yeseva One"/>
-                <a:cs typeface="Yeseva One"/>
-                <a:sym typeface="Yeseva One"/>
-              </a:rPr>
-              <a:t>Cơ sở lý thuyết</a:t>
-            </a:r>
-          </a:p>
-        </p:txBody>
-      </p:sp>
-    </p:spTree>
-  </p:cSld>
-  <p:clrMapOvr>
-    <a:masterClrMapping/>
-  </p:clrMapOvr>
-</p:sld>
-</file>
-
-<file path=ppt/slides/slide6.xml><?xml version="1.0" encoding="utf-8"?>
+<file path=ppt/slides/slide40.xml><?xml version="1.0" encoding="utf-8"?>
 <p:sld xmlns:p="http://schemas.openxmlformats.org/presentationml/2006/main" xmlns:a="http://schemas.openxmlformats.org/drawingml/2006/main" xmlns:r="http://schemas.openxmlformats.org/officeDocument/2006/relationships">
   <p:cSld>
     <p:spTree>
@@ -9132,6 +15958,714 @@
       </p:grpSp>
       <p:sp>
         <p:nvSpPr>
+          <p:cNvPr name="Freeform 5" id="5"/>
+          <p:cNvSpPr/>
+          <p:nvPr/>
+        </p:nvSpPr>
+        <p:spPr>
+          <a:xfrm flipH="false" flipV="false" rot="0">
+            <a:off x="1896636" y="5143500"/>
+            <a:ext cx="14494729" cy="1959979"/>
+          </a:xfrm>
+          <a:custGeom>
+            <a:avLst/>
+            <a:gdLst/>
+            <a:ahLst/>
+            <a:cxnLst/>
+            <a:rect r="r" b="b" t="t" l="l"/>
+            <a:pathLst>
+              <a:path h="1959979" w="14494729">
+                <a:moveTo>
+                  <a:pt x="0" y="0"/>
+                </a:moveTo>
+                <a:lnTo>
+                  <a:pt x="14494728" y="0"/>
+                </a:lnTo>
+                <a:lnTo>
+                  <a:pt x="14494728" y="1959979"/>
+                </a:lnTo>
+                <a:lnTo>
+                  <a:pt x="0" y="1959979"/>
+                </a:lnTo>
+                <a:lnTo>
+                  <a:pt x="0" y="0"/>
+                </a:lnTo>
+                <a:close/>
+              </a:path>
+            </a:pathLst>
+          </a:custGeom>
+          <a:blipFill>
+            <a:blip r:embed="rId2"/>
+            <a:stretch>
+              <a:fillRect l="0" t="0" r="0" b="0"/>
+            </a:stretch>
+          </a:blipFill>
+        </p:spPr>
+      </p:sp>
+      <p:sp>
+        <p:nvSpPr>
+          <p:cNvPr name="TextBox 6" id="6"/>
+          <p:cNvSpPr txBox="true"/>
+          <p:nvPr/>
+        </p:nvSpPr>
+        <p:spPr>
+          <a:xfrm rot="0">
+            <a:off x="11601846" y="600075"/>
+            <a:ext cx="6318955" cy="771525"/>
+          </a:xfrm>
+          <a:prstGeom prst="rect">
+            <a:avLst/>
+          </a:prstGeom>
+        </p:spPr>
+        <p:txBody>
+          <a:bodyPr anchor="t" rtlCol="false" tIns="0" lIns="0" bIns="0" rIns="0">
+            <a:spAutoFit/>
+          </a:bodyPr>
+          <a:lstStyle/>
+          <a:p>
+            <a:pPr algn="ctr">
+              <a:lnSpc>
+                <a:spcPts val="6299"/>
+              </a:lnSpc>
+            </a:pPr>
+            <a:r>
+              <a:rPr lang="en-US" sz="4500">
+                <a:solidFill>
+                  <a:srgbClr val="FFFFFF"/>
+                </a:solidFill>
+                <a:latin typeface="Yeseva One"/>
+                <a:ea typeface="Yeseva One"/>
+                <a:cs typeface="Yeseva One"/>
+                <a:sym typeface="Yeseva One"/>
+              </a:rPr>
+              <a:t>Dự phòng</a:t>
+            </a:r>
+          </a:p>
+        </p:txBody>
+      </p:sp>
+      <p:sp>
+        <p:nvSpPr>
+          <p:cNvPr name="TextBox 7" id="7"/>
+          <p:cNvSpPr txBox="true"/>
+          <p:nvPr/>
+        </p:nvSpPr>
+        <p:spPr>
+          <a:xfrm rot="0">
+            <a:off x="1312371" y="1673828"/>
+            <a:ext cx="15663257" cy="1047750"/>
+          </a:xfrm>
+          <a:prstGeom prst="rect">
+            <a:avLst/>
+          </a:prstGeom>
+        </p:spPr>
+        <p:txBody>
+          <a:bodyPr anchor="t" rtlCol="false" tIns="0" lIns="0" bIns="0" rIns="0">
+            <a:spAutoFit/>
+          </a:bodyPr>
+          <a:lstStyle/>
+          <a:p>
+            <a:pPr algn="ctr">
+              <a:lnSpc>
+                <a:spcPts val="8400"/>
+              </a:lnSpc>
+            </a:pPr>
+            <a:r>
+              <a:rPr lang="en-US" sz="6000">
+                <a:solidFill>
+                  <a:srgbClr val="0D0F68"/>
+                </a:solidFill>
+                <a:latin typeface="Yeseva One"/>
+                <a:ea typeface="Yeseva One"/>
+                <a:cs typeface="Yeseva One"/>
+                <a:sym typeface="Yeseva One"/>
+              </a:rPr>
+              <a:t>Thông số AMAT và CPI</a:t>
+            </a:r>
+          </a:p>
+        </p:txBody>
+      </p:sp>
+      <p:sp>
+        <p:nvSpPr>
+          <p:cNvPr name="TextBox 8" id="8"/>
+          <p:cNvSpPr txBox="true"/>
+          <p:nvPr/>
+        </p:nvSpPr>
+        <p:spPr>
+          <a:xfrm rot="0">
+            <a:off x="745029" y="3074314"/>
+            <a:ext cx="16230600" cy="843914"/>
+          </a:xfrm>
+          <a:prstGeom prst="rect">
+            <a:avLst/>
+          </a:prstGeom>
+        </p:spPr>
+        <p:txBody>
+          <a:bodyPr anchor="t" rtlCol="false" tIns="0" lIns="0" bIns="0" rIns="0">
+            <a:spAutoFit/>
+          </a:bodyPr>
+          <a:lstStyle/>
+          <a:p>
+            <a:pPr algn="just">
+              <a:lnSpc>
+                <a:spcPts val="7200"/>
+              </a:lnSpc>
+            </a:pPr>
+            <a:r>
+              <a:rPr lang="en-US" sz="3600">
+                <a:solidFill>
+                  <a:srgbClr val="0D0F68"/>
+                </a:solidFill>
+                <a:latin typeface="Yeseva One"/>
+                <a:ea typeface="Yeseva One"/>
+                <a:cs typeface="Yeseva One"/>
+                <a:sym typeface="Yeseva One"/>
+              </a:rPr>
+              <a:t>CPI (cycles per instruction)</a:t>
+            </a:r>
+          </a:p>
+        </p:txBody>
+      </p:sp>
+    </p:spTree>
+  </p:cSld>
+  <p:clrMapOvr>
+    <a:masterClrMapping/>
+  </p:clrMapOvr>
+  <p:transition spd="slow">
+    <p:push dir="l"/>
+  </p:transition>
+</p:sld>
+</file>
+
+<file path=ppt/slides/slide41.xml><?xml version="1.0" encoding="utf-8"?>
+<p:sld xmlns:p="http://schemas.openxmlformats.org/presentationml/2006/main" xmlns:a="http://schemas.openxmlformats.org/drawingml/2006/main">
+  <p:cSld>
+    <p:spTree>
+      <p:nvGrpSpPr>
+        <p:cNvPr id="1" name=""/>
+        <p:cNvGrpSpPr/>
+        <p:nvPr/>
+      </p:nvGrpSpPr>
+      <p:grpSpPr>
+        <a:xfrm>
+          <a:off x="0" y="0"/>
+          <a:ext cx="0" cy="0"/>
+          <a:chOff x="0" y="0"/>
+          <a:chExt cx="0" cy="0"/>
+        </a:xfrm>
+      </p:grpSpPr>
+      <p:grpSp>
+        <p:nvGrpSpPr>
+          <p:cNvPr name="Group 2" id="2"/>
+          <p:cNvGrpSpPr/>
+          <p:nvPr/>
+        </p:nvGrpSpPr>
+        <p:grpSpPr>
+          <a:xfrm rot="0">
+            <a:off x="11601846" y="419788"/>
+            <a:ext cx="7163655" cy="1217823"/>
+            <a:chOff x="0" y="0"/>
+            <a:chExt cx="1886724" cy="320744"/>
+          </a:xfrm>
+        </p:grpSpPr>
+        <p:sp>
+          <p:nvSpPr>
+            <p:cNvPr name="Freeform 3" id="3"/>
+            <p:cNvSpPr/>
+            <p:nvPr/>
+          </p:nvSpPr>
+          <p:spPr>
+            <a:xfrm flipH="false" flipV="false" rot="0">
+              <a:off x="0" y="0"/>
+              <a:ext cx="1886724" cy="320744"/>
+            </a:xfrm>
+            <a:custGeom>
+              <a:avLst/>
+              <a:gdLst/>
+              <a:ahLst/>
+              <a:cxnLst/>
+              <a:rect r="r" b="b" t="t" l="l"/>
+              <a:pathLst>
+                <a:path h="320744" w="1886724">
+                  <a:moveTo>
+                    <a:pt x="55117" y="0"/>
+                  </a:moveTo>
+                  <a:lnTo>
+                    <a:pt x="1831607" y="0"/>
+                  </a:lnTo>
+                  <a:cubicBezTo>
+                    <a:pt x="1862047" y="0"/>
+                    <a:pt x="1886724" y="24677"/>
+                    <a:pt x="1886724" y="55117"/>
+                  </a:cubicBezTo>
+                  <a:lnTo>
+                    <a:pt x="1886724" y="265627"/>
+                  </a:lnTo>
+                  <a:cubicBezTo>
+                    <a:pt x="1886724" y="280245"/>
+                    <a:pt x="1880917" y="294264"/>
+                    <a:pt x="1870581" y="304600"/>
+                  </a:cubicBezTo>
+                  <a:cubicBezTo>
+                    <a:pt x="1860244" y="314937"/>
+                    <a:pt x="1846225" y="320744"/>
+                    <a:pt x="1831607" y="320744"/>
+                  </a:cubicBezTo>
+                  <a:lnTo>
+                    <a:pt x="55117" y="320744"/>
+                  </a:lnTo>
+                  <a:cubicBezTo>
+                    <a:pt x="40499" y="320744"/>
+                    <a:pt x="26480" y="314937"/>
+                    <a:pt x="16143" y="304600"/>
+                  </a:cubicBezTo>
+                  <a:cubicBezTo>
+                    <a:pt x="5807" y="294264"/>
+                    <a:pt x="0" y="280245"/>
+                    <a:pt x="0" y="265627"/>
+                  </a:cubicBezTo>
+                  <a:lnTo>
+                    <a:pt x="0" y="55117"/>
+                  </a:lnTo>
+                  <a:cubicBezTo>
+                    <a:pt x="0" y="40499"/>
+                    <a:pt x="5807" y="26480"/>
+                    <a:pt x="16143" y="16143"/>
+                  </a:cubicBezTo>
+                  <a:cubicBezTo>
+                    <a:pt x="26480" y="5807"/>
+                    <a:pt x="40499" y="0"/>
+                    <a:pt x="55117" y="0"/>
+                  </a:cubicBezTo>
+                  <a:close/>
+                </a:path>
+              </a:pathLst>
+            </a:custGeom>
+            <a:solidFill>
+              <a:srgbClr val="0D0F68"/>
+            </a:solidFill>
+          </p:spPr>
+        </p:sp>
+        <p:sp>
+          <p:nvSpPr>
+            <p:cNvPr name="TextBox 4" id="4"/>
+            <p:cNvSpPr txBox="true"/>
+            <p:nvPr/>
+          </p:nvSpPr>
+          <p:spPr>
+            <a:xfrm>
+              <a:off x="0" y="-38100"/>
+              <a:ext cx="1886724" cy="358844"/>
+            </a:xfrm>
+            <a:prstGeom prst="rect">
+              <a:avLst/>
+            </a:prstGeom>
+          </p:spPr>
+          <p:txBody>
+            <a:bodyPr anchor="ctr" rtlCol="false" tIns="50800" lIns="50800" bIns="50800" rIns="50800"/>
+            <a:lstStyle/>
+            <a:p>
+              <a:pPr algn="ctr">
+                <a:lnSpc>
+                  <a:spcPts val="2659"/>
+                </a:lnSpc>
+                <a:spcBef>
+                  <a:spcPct val="0"/>
+                </a:spcBef>
+              </a:pPr>
+            </a:p>
+          </p:txBody>
+        </p:sp>
+      </p:grpSp>
+      <p:sp>
+        <p:nvSpPr>
+          <p:cNvPr name="TextBox 5" id="5"/>
+          <p:cNvSpPr txBox="true"/>
+          <p:nvPr/>
+        </p:nvSpPr>
+        <p:spPr>
+          <a:xfrm rot="0">
+            <a:off x="11601846" y="600075"/>
+            <a:ext cx="6318955" cy="771525"/>
+          </a:xfrm>
+          <a:prstGeom prst="rect">
+            <a:avLst/>
+          </a:prstGeom>
+        </p:spPr>
+        <p:txBody>
+          <a:bodyPr anchor="t" rtlCol="false" tIns="0" lIns="0" bIns="0" rIns="0">
+            <a:spAutoFit/>
+          </a:bodyPr>
+          <a:lstStyle/>
+          <a:p>
+            <a:pPr algn="ctr">
+              <a:lnSpc>
+                <a:spcPts val="6299"/>
+              </a:lnSpc>
+            </a:pPr>
+            <a:r>
+              <a:rPr lang="en-US" sz="4500">
+                <a:solidFill>
+                  <a:srgbClr val="FFFFFF"/>
+                </a:solidFill>
+                <a:latin typeface="Yeseva One"/>
+                <a:ea typeface="Yeseva One"/>
+                <a:cs typeface="Yeseva One"/>
+                <a:sym typeface="Yeseva One"/>
+              </a:rPr>
+              <a:t>Dự phòng</a:t>
+            </a:r>
+          </a:p>
+        </p:txBody>
+      </p:sp>
+      <p:sp>
+        <p:nvSpPr>
+          <p:cNvPr name="TextBox 6" id="6"/>
+          <p:cNvSpPr txBox="true"/>
+          <p:nvPr/>
+        </p:nvSpPr>
+        <p:spPr>
+          <a:xfrm rot="0">
+            <a:off x="1312371" y="1673828"/>
+            <a:ext cx="15663257" cy="1047750"/>
+          </a:xfrm>
+          <a:prstGeom prst="rect">
+            <a:avLst/>
+          </a:prstGeom>
+        </p:spPr>
+        <p:txBody>
+          <a:bodyPr anchor="t" rtlCol="false" tIns="0" lIns="0" bIns="0" rIns="0">
+            <a:spAutoFit/>
+          </a:bodyPr>
+          <a:lstStyle/>
+          <a:p>
+            <a:pPr algn="ctr">
+              <a:lnSpc>
+                <a:spcPts val="8400"/>
+              </a:lnSpc>
+            </a:pPr>
+            <a:r>
+              <a:rPr lang="en-US" sz="6000">
+                <a:solidFill>
+                  <a:srgbClr val="0D0F68"/>
+                </a:solidFill>
+                <a:latin typeface="Yeseva One"/>
+                <a:ea typeface="Yeseva One"/>
+                <a:cs typeface="Yeseva One"/>
+                <a:sym typeface="Yeseva One"/>
+              </a:rPr>
+              <a:t>Tài liệu tham khảo</a:t>
+            </a:r>
+          </a:p>
+        </p:txBody>
+      </p:sp>
+      <p:sp>
+        <p:nvSpPr>
+          <p:cNvPr name="TextBox 7" id="7"/>
+          <p:cNvSpPr txBox="true"/>
+          <p:nvPr/>
+        </p:nvSpPr>
+        <p:spPr>
+          <a:xfrm rot="0">
+            <a:off x="322368" y="3541438"/>
+            <a:ext cx="17598433" cy="4501514"/>
+          </a:xfrm>
+          <a:prstGeom prst="rect">
+            <a:avLst/>
+          </a:prstGeom>
+        </p:spPr>
+        <p:txBody>
+          <a:bodyPr anchor="t" rtlCol="false" tIns="0" lIns="0" bIns="0" rIns="0">
+            <a:spAutoFit/>
+          </a:bodyPr>
+          <a:lstStyle/>
+          <a:p>
+            <a:pPr algn="just" marL="777242" indent="-388621" lvl="1">
+              <a:lnSpc>
+                <a:spcPts val="7200"/>
+              </a:lnSpc>
+              <a:buFont typeface="Arial"/>
+              <a:buChar char="•"/>
+            </a:pPr>
+            <a:r>
+              <a:rPr lang="en-US" sz="3600">
+                <a:solidFill>
+                  <a:srgbClr val="0D0F68"/>
+                </a:solidFill>
+                <a:latin typeface="Yeseva One"/>
+                <a:ea typeface="Yeseva One"/>
+                <a:cs typeface="Yeseva One"/>
+                <a:sym typeface="Yeseva One"/>
+              </a:rPr>
+              <a:t>J. Ledin, Modern Computer Architecture, Packt Publishing Ltd, May 2022</a:t>
+            </a:r>
+          </a:p>
+          <a:p>
+            <a:pPr algn="just" marL="777242" indent="-388621" lvl="1">
+              <a:lnSpc>
+                <a:spcPts val="7200"/>
+              </a:lnSpc>
+              <a:buFont typeface="Arial"/>
+              <a:buChar char="•"/>
+            </a:pPr>
+            <a:r>
+              <a:rPr lang="en-US" sz="3600">
+                <a:solidFill>
+                  <a:srgbClr val="0D0F68"/>
+                </a:solidFill>
+                <a:latin typeface="Yeseva One"/>
+                <a:ea typeface="Yeseva One"/>
+                <a:cs typeface="Yeseva One"/>
+                <a:sym typeface="Yeseva One"/>
+              </a:rPr>
+              <a:t>David A.Patterson, John L.Hennessy, Computer Organization and Design RISC-V Edition: The Hardware Software Interface</a:t>
+            </a:r>
+          </a:p>
+          <a:p>
+            <a:pPr algn="just" marL="777242" indent="-388621" lvl="1">
+              <a:lnSpc>
+                <a:spcPts val="7200"/>
+              </a:lnSpc>
+              <a:buFont typeface="Arial"/>
+              <a:buChar char="•"/>
+            </a:pPr>
+            <a:r>
+              <a:rPr lang="en-US" sz="3600">
+                <a:solidFill>
+                  <a:srgbClr val="0D0F68"/>
+                </a:solidFill>
+                <a:latin typeface="Yeseva One"/>
+                <a:ea typeface="Yeseva One"/>
+                <a:cs typeface="Yeseva One"/>
+                <a:sym typeface="Yeseva One"/>
+              </a:rPr>
+              <a:t>John L.Hennessy, David A.Patterson, Computer Architecture: A Quantitative Approach</a:t>
+            </a:r>
+          </a:p>
+        </p:txBody>
+      </p:sp>
+    </p:spTree>
+  </p:cSld>
+  <p:clrMapOvr>
+    <a:masterClrMapping/>
+  </p:clrMapOvr>
+  <p:transition spd="slow">
+    <p:push dir="l"/>
+  </p:transition>
+</p:sld>
+</file>
+
+<file path=ppt/slides/slide5.xml><?xml version="1.0" encoding="utf-8"?>
+<p:sld xmlns:p="http://schemas.openxmlformats.org/presentationml/2006/main" xmlns:a="http://schemas.openxmlformats.org/drawingml/2006/main">
+  <p:cSld>
+    <p:spTree>
+      <p:nvGrpSpPr>
+        <p:cNvPr id="1" name=""/>
+        <p:cNvGrpSpPr/>
+        <p:nvPr/>
+      </p:nvGrpSpPr>
+      <p:grpSpPr>
+        <a:xfrm>
+          <a:off x="0" y="0"/>
+          <a:ext cx="0" cy="0"/>
+          <a:chOff x="0" y="0"/>
+          <a:chExt cx="0" cy="0"/>
+        </a:xfrm>
+      </p:grpSpPr>
+      <p:sp>
+        <p:nvSpPr>
+          <p:cNvPr name="TextBox 2" id="2"/>
+          <p:cNvSpPr txBox="true"/>
+          <p:nvPr/>
+        </p:nvSpPr>
+        <p:spPr>
+          <a:xfrm rot="0">
+            <a:off x="4195982" y="4088536"/>
+            <a:ext cx="9896037" cy="1377949"/>
+          </a:xfrm>
+          <a:prstGeom prst="rect">
+            <a:avLst/>
+          </a:prstGeom>
+        </p:spPr>
+        <p:txBody>
+          <a:bodyPr anchor="t" rtlCol="false" tIns="0" lIns="0" bIns="0" rIns="0">
+            <a:spAutoFit/>
+          </a:bodyPr>
+          <a:lstStyle/>
+          <a:p>
+            <a:pPr algn="ctr" marL="1727205" indent="-863603" lvl="1">
+              <a:lnSpc>
+                <a:spcPts val="11200"/>
+              </a:lnSpc>
+              <a:buAutoNum type="arabicPeriod" startAt="1"/>
+            </a:pPr>
+            <a:r>
+              <a:rPr lang="en-US" sz="8000">
+                <a:solidFill>
+                  <a:srgbClr val="0D0F68"/>
+                </a:solidFill>
+                <a:latin typeface="Yeseva One"/>
+                <a:ea typeface="Yeseva One"/>
+                <a:cs typeface="Yeseva One"/>
+                <a:sym typeface="Yeseva One"/>
+              </a:rPr>
+              <a:t>Cơ sở lý thuyết</a:t>
+            </a:r>
+          </a:p>
+        </p:txBody>
+      </p:sp>
+    </p:spTree>
+  </p:cSld>
+  <p:clrMapOvr>
+    <a:masterClrMapping/>
+  </p:clrMapOvr>
+  <p:transition spd="slow">
+    <p:push dir="l"/>
+  </p:transition>
+</p:sld>
+</file>
+
+<file path=ppt/slides/slide6.xml><?xml version="1.0" encoding="utf-8"?>
+<p:sld xmlns:p="http://schemas.openxmlformats.org/presentationml/2006/main" xmlns:a="http://schemas.openxmlformats.org/drawingml/2006/main" xmlns:r="http://schemas.openxmlformats.org/officeDocument/2006/relationships">
+  <p:cSld>
+    <p:spTree>
+      <p:nvGrpSpPr>
+        <p:cNvPr id="1" name=""/>
+        <p:cNvGrpSpPr/>
+        <p:nvPr/>
+      </p:nvGrpSpPr>
+      <p:grpSpPr>
+        <a:xfrm>
+          <a:off x="0" y="0"/>
+          <a:ext cx="0" cy="0"/>
+          <a:chOff x="0" y="0"/>
+          <a:chExt cx="0" cy="0"/>
+        </a:xfrm>
+      </p:grpSpPr>
+      <p:grpSp>
+        <p:nvGrpSpPr>
+          <p:cNvPr name="Group 2" id="2"/>
+          <p:cNvGrpSpPr/>
+          <p:nvPr/>
+        </p:nvGrpSpPr>
+        <p:grpSpPr>
+          <a:xfrm rot="0">
+            <a:off x="11601846" y="419788"/>
+            <a:ext cx="7163655" cy="1217823"/>
+            <a:chOff x="0" y="0"/>
+            <a:chExt cx="1886724" cy="320744"/>
+          </a:xfrm>
+        </p:grpSpPr>
+        <p:sp>
+          <p:nvSpPr>
+            <p:cNvPr name="Freeform 3" id="3"/>
+            <p:cNvSpPr/>
+            <p:nvPr/>
+          </p:nvSpPr>
+          <p:spPr>
+            <a:xfrm flipH="false" flipV="false" rot="0">
+              <a:off x="0" y="0"/>
+              <a:ext cx="1886724" cy="320744"/>
+            </a:xfrm>
+            <a:custGeom>
+              <a:avLst/>
+              <a:gdLst/>
+              <a:ahLst/>
+              <a:cxnLst/>
+              <a:rect r="r" b="b" t="t" l="l"/>
+              <a:pathLst>
+                <a:path h="320744" w="1886724">
+                  <a:moveTo>
+                    <a:pt x="55117" y="0"/>
+                  </a:moveTo>
+                  <a:lnTo>
+                    <a:pt x="1831607" y="0"/>
+                  </a:lnTo>
+                  <a:cubicBezTo>
+                    <a:pt x="1862047" y="0"/>
+                    <a:pt x="1886724" y="24677"/>
+                    <a:pt x="1886724" y="55117"/>
+                  </a:cubicBezTo>
+                  <a:lnTo>
+                    <a:pt x="1886724" y="265627"/>
+                  </a:lnTo>
+                  <a:cubicBezTo>
+                    <a:pt x="1886724" y="280245"/>
+                    <a:pt x="1880917" y="294264"/>
+                    <a:pt x="1870581" y="304600"/>
+                  </a:cubicBezTo>
+                  <a:cubicBezTo>
+                    <a:pt x="1860244" y="314937"/>
+                    <a:pt x="1846225" y="320744"/>
+                    <a:pt x="1831607" y="320744"/>
+                  </a:cubicBezTo>
+                  <a:lnTo>
+                    <a:pt x="55117" y="320744"/>
+                  </a:lnTo>
+                  <a:cubicBezTo>
+                    <a:pt x="40499" y="320744"/>
+                    <a:pt x="26480" y="314937"/>
+                    <a:pt x="16143" y="304600"/>
+                  </a:cubicBezTo>
+                  <a:cubicBezTo>
+                    <a:pt x="5807" y="294264"/>
+                    <a:pt x="0" y="280245"/>
+                    <a:pt x="0" y="265627"/>
+                  </a:cubicBezTo>
+                  <a:lnTo>
+                    <a:pt x="0" y="55117"/>
+                  </a:lnTo>
+                  <a:cubicBezTo>
+                    <a:pt x="0" y="40499"/>
+                    <a:pt x="5807" y="26480"/>
+                    <a:pt x="16143" y="16143"/>
+                  </a:cubicBezTo>
+                  <a:cubicBezTo>
+                    <a:pt x="26480" y="5807"/>
+                    <a:pt x="40499" y="0"/>
+                    <a:pt x="55117" y="0"/>
+                  </a:cubicBezTo>
+                  <a:close/>
+                </a:path>
+              </a:pathLst>
+            </a:custGeom>
+            <a:solidFill>
+              <a:srgbClr val="0D0F68"/>
+            </a:solidFill>
+          </p:spPr>
+        </p:sp>
+        <p:sp>
+          <p:nvSpPr>
+            <p:cNvPr name="TextBox 4" id="4"/>
+            <p:cNvSpPr txBox="true"/>
+            <p:nvPr/>
+          </p:nvSpPr>
+          <p:spPr>
+            <a:xfrm>
+              <a:off x="0" y="-38100"/>
+              <a:ext cx="1886724" cy="358844"/>
+            </a:xfrm>
+            <a:prstGeom prst="rect">
+              <a:avLst/>
+            </a:prstGeom>
+          </p:spPr>
+          <p:txBody>
+            <a:bodyPr anchor="ctr" rtlCol="false" tIns="50800" lIns="50800" bIns="50800" rIns="50800"/>
+            <a:lstStyle/>
+            <a:p>
+              <a:pPr algn="ctr">
+                <a:lnSpc>
+                  <a:spcPts val="2659"/>
+                </a:lnSpc>
+                <a:spcBef>
+                  <a:spcPct val="0"/>
+                </a:spcBef>
+              </a:pPr>
+            </a:p>
+          </p:txBody>
+        </p:sp>
+      </p:grpSp>
+      <p:sp>
+        <p:nvSpPr>
           <p:cNvPr name="TextBox 5" id="5"/>
           <p:cNvSpPr txBox="true"/>
           <p:nvPr/>
@@ -9305,6 +16839,9 @@
   <p:clrMapOvr>
     <a:masterClrMapping/>
   </p:clrMapOvr>
+  <p:transition spd="slow">
+    <p:push dir="l"/>
+  </p:transition>
 </p:sld>
 </file>
 
@@ -10262,6 +17799,9 @@
   <p:clrMapOvr>
     <a:masterClrMapping/>
   </p:clrMapOvr>
+  <p:transition spd="slow">
+    <p:push dir="l"/>
+  </p:transition>
 </p:sld>
 </file>
 
@@ -10798,6 +18338,9 @@
   <p:clrMapOvr>
     <a:masterClrMapping/>
   </p:clrMapOvr>
+  <p:transition spd="slow">
+    <p:push dir="l"/>
+  </p:transition>
 </p:sld>
 </file>
 
@@ -11284,6 +18827,9 @@
   <p:clrMapOvr>
     <a:masterClrMapping/>
   </p:clrMapOvr>
+  <p:transition spd="slow">
+    <p:push dir="l"/>
+  </p:transition>
 </p:sld>
 </file>
 
